--- a/dunlin_about.pptx
+++ b/dunlin_about.pptx
@@ -4,14 +4,33 @@
   <p:sldMasterIdLst>
     <p:sldMasterId id="2147483648" r:id="rId1"/>
   </p:sldMasterIdLst>
+  <p:notesMasterIdLst>
+    <p:notesMasterId r:id="rId25"/>
+  </p:notesMasterIdLst>
   <p:sldIdLst>
     <p:sldId id="263" r:id="rId2"/>
     <p:sldId id="262" r:id="rId3"/>
     <p:sldId id="257" r:id="rId4"/>
-    <p:sldId id="258" r:id="rId5"/>
-    <p:sldId id="260" r:id="rId6"/>
-    <p:sldId id="261" r:id="rId7"/>
-    <p:sldId id="259" r:id="rId8"/>
+    <p:sldId id="264" r:id="rId5"/>
+    <p:sldId id="258" r:id="rId6"/>
+    <p:sldId id="260" r:id="rId7"/>
+    <p:sldId id="261" r:id="rId8"/>
+    <p:sldId id="259" r:id="rId9"/>
+    <p:sldId id="265" r:id="rId10"/>
+    <p:sldId id="278" r:id="rId11"/>
+    <p:sldId id="266" r:id="rId12"/>
+    <p:sldId id="280" r:id="rId13"/>
+    <p:sldId id="271" r:id="rId14"/>
+    <p:sldId id="273" r:id="rId15"/>
+    <p:sldId id="274" r:id="rId16"/>
+    <p:sldId id="281" r:id="rId17"/>
+    <p:sldId id="282" r:id="rId18"/>
+    <p:sldId id="283" r:id="rId19"/>
+    <p:sldId id="267" r:id="rId20"/>
+    <p:sldId id="279" r:id="rId21"/>
+    <p:sldId id="275" r:id="rId22"/>
+    <p:sldId id="277" r:id="rId23"/>
+    <p:sldId id="276" r:id="rId24"/>
   </p:sldIdLst>
   <p:sldSz cx="12192000" cy="6858000"/>
   <p:notesSz cx="6858000" cy="9144000"/>
@@ -113,7 +132,7 @@
   <p:extLst>
     <p:ext uri="{EFAFB233-063F-42B5-8137-9DF3F51BA10A}">
       <p15:sldGuideLst xmlns:p15="http://schemas.microsoft.com/office/powerpoint/2012/main">
-        <p15:guide id="1" orient="horz" pos="2160" userDrawn="1">
+        <p15:guide id="1" orient="horz" pos="2183" userDrawn="1">
           <p15:clr>
             <a:srgbClr val="A4A3A4"/>
           </p15:clr>
@@ -127,6 +146,356 @@
     </p:ext>
   </p:extLst>
 </p:presentation>
+</file>
+
+<file path=ppt/notesMasters/notesMaster1.xml><?xml version="1.0" encoding="utf-8"?>
+<p:notesMaster xmlns:a="http://schemas.openxmlformats.org/drawingml/2006/main" xmlns:r="http://schemas.openxmlformats.org/officeDocument/2006/relationships" xmlns:p="http://schemas.openxmlformats.org/presentationml/2006/main">
+  <p:cSld>
+    <p:bg>
+      <p:bgRef idx="1001">
+        <a:schemeClr val="bg1"/>
+      </p:bgRef>
+    </p:bg>
+    <p:spTree>
+      <p:nvGrpSpPr>
+        <p:cNvPr id="1" name=""/>
+        <p:cNvGrpSpPr/>
+        <p:nvPr/>
+      </p:nvGrpSpPr>
+      <p:grpSpPr>
+        <a:xfrm>
+          <a:off x="0" y="0"/>
+          <a:ext cx="0" cy="0"/>
+          <a:chOff x="0" y="0"/>
+          <a:chExt cx="0" cy="0"/>
+        </a:xfrm>
+      </p:grpSpPr>
+      <p:sp>
+        <p:nvSpPr>
+          <p:cNvPr id="2" name="Header Placeholder 1"/>
+          <p:cNvSpPr>
+            <a:spLocks noGrp="1"/>
+          </p:cNvSpPr>
+          <p:nvPr>
+            <p:ph type="hdr" sz="quarter"/>
+          </p:nvPr>
+        </p:nvSpPr>
+        <p:spPr>
+          <a:xfrm>
+            <a:off x="0" y="0"/>
+            <a:ext cx="2971800" cy="458788"/>
+          </a:xfrm>
+          <a:prstGeom prst="rect">
+            <a:avLst/>
+          </a:prstGeom>
+        </p:spPr>
+        <p:txBody>
+          <a:bodyPr vert="horz" lIns="91440" tIns="45720" rIns="91440" bIns="45720" rtlCol="0"/>
+          <a:lstStyle>
+            <a:lvl1pPr algn="l">
+              <a:defRPr sz="1200"/>
+            </a:lvl1pPr>
+          </a:lstStyle>
+          <a:p>
+            <a:endParaRPr lang="en-SG"/>
+          </a:p>
+        </p:txBody>
+      </p:sp>
+      <p:sp>
+        <p:nvSpPr>
+          <p:cNvPr id="3" name="Date Placeholder 2"/>
+          <p:cNvSpPr>
+            <a:spLocks noGrp="1"/>
+          </p:cNvSpPr>
+          <p:nvPr>
+            <p:ph type="dt" idx="1"/>
+          </p:nvPr>
+        </p:nvSpPr>
+        <p:spPr>
+          <a:xfrm>
+            <a:off x="3884613" y="0"/>
+            <a:ext cx="2971800" cy="458788"/>
+          </a:xfrm>
+          <a:prstGeom prst="rect">
+            <a:avLst/>
+          </a:prstGeom>
+        </p:spPr>
+        <p:txBody>
+          <a:bodyPr vert="horz" lIns="91440" tIns="45720" rIns="91440" bIns="45720" rtlCol="0"/>
+          <a:lstStyle>
+            <a:lvl1pPr algn="r">
+              <a:defRPr sz="1200"/>
+            </a:lvl1pPr>
+          </a:lstStyle>
+          <a:p>
+            <a:fld id="{139105FB-35DB-4BCB-A209-366BA11DED37}" type="datetimeFigureOut">
+              <a:rPr lang="en-SG" smtClean="0"/>
+              <a:t>25/7/2021</a:t>
+            </a:fld>
+            <a:endParaRPr lang="en-SG"/>
+          </a:p>
+        </p:txBody>
+      </p:sp>
+      <p:sp>
+        <p:nvSpPr>
+          <p:cNvPr id="4" name="Slide Image Placeholder 3"/>
+          <p:cNvSpPr>
+            <a:spLocks noGrp="1" noRot="1" noChangeAspect="1"/>
+          </p:cNvSpPr>
+          <p:nvPr>
+            <p:ph type="sldImg" idx="2"/>
+          </p:nvPr>
+        </p:nvSpPr>
+        <p:spPr>
+          <a:xfrm>
+            <a:off x="685800" y="1143000"/>
+            <a:ext cx="5486400" cy="3086100"/>
+          </a:xfrm>
+          <a:prstGeom prst="rect">
+            <a:avLst/>
+          </a:prstGeom>
+          <a:noFill/>
+          <a:ln w="12700">
+            <a:solidFill>
+              <a:prstClr val="black"/>
+            </a:solidFill>
+          </a:ln>
+        </p:spPr>
+        <p:txBody>
+          <a:bodyPr vert="horz" lIns="91440" tIns="45720" rIns="91440" bIns="45720" rtlCol="0" anchor="ctr"/>
+          <a:lstStyle/>
+          <a:p>
+            <a:endParaRPr lang="en-SG"/>
+          </a:p>
+        </p:txBody>
+      </p:sp>
+      <p:sp>
+        <p:nvSpPr>
+          <p:cNvPr id="5" name="Notes Placeholder 4"/>
+          <p:cNvSpPr>
+            <a:spLocks noGrp="1"/>
+          </p:cNvSpPr>
+          <p:nvPr>
+            <p:ph type="body" sz="quarter" idx="3"/>
+          </p:nvPr>
+        </p:nvSpPr>
+        <p:spPr>
+          <a:xfrm>
+            <a:off x="685800" y="4400550"/>
+            <a:ext cx="5486400" cy="3600450"/>
+          </a:xfrm>
+          <a:prstGeom prst="rect">
+            <a:avLst/>
+          </a:prstGeom>
+        </p:spPr>
+        <p:txBody>
+          <a:bodyPr vert="horz" lIns="91440" tIns="45720" rIns="91440" bIns="45720" rtlCol="0"/>
+          <a:lstStyle/>
+          <a:p>
+            <a:pPr lvl="0"/>
+            <a:r>
+              <a:rPr lang="en-US" smtClean="0"/>
+              <a:t>Click to edit Master text styles</a:t>
+            </a:r>
+          </a:p>
+          <a:p>
+            <a:pPr lvl="1"/>
+            <a:r>
+              <a:rPr lang="en-US" smtClean="0"/>
+              <a:t>Second level</a:t>
+            </a:r>
+          </a:p>
+          <a:p>
+            <a:pPr lvl="2"/>
+            <a:r>
+              <a:rPr lang="en-US" smtClean="0"/>
+              <a:t>Third level</a:t>
+            </a:r>
+          </a:p>
+          <a:p>
+            <a:pPr lvl="3"/>
+            <a:r>
+              <a:rPr lang="en-US" smtClean="0"/>
+              <a:t>Fourth level</a:t>
+            </a:r>
+          </a:p>
+          <a:p>
+            <a:pPr lvl="4"/>
+            <a:r>
+              <a:rPr lang="en-US" smtClean="0"/>
+              <a:t>Fifth level</a:t>
+            </a:r>
+            <a:endParaRPr lang="en-SG"/>
+          </a:p>
+        </p:txBody>
+      </p:sp>
+      <p:sp>
+        <p:nvSpPr>
+          <p:cNvPr id="6" name="Footer Placeholder 5"/>
+          <p:cNvSpPr>
+            <a:spLocks noGrp="1"/>
+          </p:cNvSpPr>
+          <p:nvPr>
+            <p:ph type="ftr" sz="quarter" idx="4"/>
+          </p:nvPr>
+        </p:nvSpPr>
+        <p:spPr>
+          <a:xfrm>
+            <a:off x="0" y="8685213"/>
+            <a:ext cx="2971800" cy="458787"/>
+          </a:xfrm>
+          <a:prstGeom prst="rect">
+            <a:avLst/>
+          </a:prstGeom>
+        </p:spPr>
+        <p:txBody>
+          <a:bodyPr vert="horz" lIns="91440" tIns="45720" rIns="91440" bIns="45720" rtlCol="0" anchor="b"/>
+          <a:lstStyle>
+            <a:lvl1pPr algn="l">
+              <a:defRPr sz="1200"/>
+            </a:lvl1pPr>
+          </a:lstStyle>
+          <a:p>
+            <a:endParaRPr lang="en-SG"/>
+          </a:p>
+        </p:txBody>
+      </p:sp>
+      <p:sp>
+        <p:nvSpPr>
+          <p:cNvPr id="7" name="Slide Number Placeholder 6"/>
+          <p:cNvSpPr>
+            <a:spLocks noGrp="1"/>
+          </p:cNvSpPr>
+          <p:nvPr>
+            <p:ph type="sldNum" sz="quarter" idx="5"/>
+          </p:nvPr>
+        </p:nvSpPr>
+        <p:spPr>
+          <a:xfrm>
+            <a:off x="3884613" y="8685213"/>
+            <a:ext cx="2971800" cy="458787"/>
+          </a:xfrm>
+          <a:prstGeom prst="rect">
+            <a:avLst/>
+          </a:prstGeom>
+        </p:spPr>
+        <p:txBody>
+          <a:bodyPr vert="horz" lIns="91440" tIns="45720" rIns="91440" bIns="45720" rtlCol="0" anchor="b"/>
+          <a:lstStyle>
+            <a:lvl1pPr algn="r">
+              <a:defRPr sz="1200"/>
+            </a:lvl1pPr>
+          </a:lstStyle>
+          <a:p>
+            <a:fld id="{680985FD-BEA3-42AB-B441-B05A27CF0029}" type="slidenum">
+              <a:rPr lang="en-SG" smtClean="0"/>
+              <a:t>‹#›</a:t>
+            </a:fld>
+            <a:endParaRPr lang="en-SG"/>
+          </a:p>
+        </p:txBody>
+      </p:sp>
+    </p:spTree>
+    <p:extLst>
+      <p:ext uri="{BB962C8B-B14F-4D97-AF65-F5344CB8AC3E}">
+        <p14:creationId xmlns:p14="http://schemas.microsoft.com/office/powerpoint/2010/main" val="4135936193"/>
+      </p:ext>
+    </p:extLst>
+  </p:cSld>
+  <p:clrMap bg1="lt1" tx1="dk1" bg2="lt2" tx2="dk2" accent1="accent1" accent2="accent2" accent3="accent3" accent4="accent4" accent5="accent5" accent6="accent6" hlink="hlink" folHlink="folHlink"/>
+  <p:notesStyle>
+    <a:lvl1pPr marL="0" algn="l" defTabSz="914400" rtl="0" eaLnBrk="1" latinLnBrk="0" hangingPunct="1">
+      <a:defRPr sz="1200" kern="1200">
+        <a:solidFill>
+          <a:schemeClr val="tx1"/>
+        </a:solidFill>
+        <a:latin typeface="+mn-lt"/>
+        <a:ea typeface="+mn-ea"/>
+        <a:cs typeface="+mn-cs"/>
+      </a:defRPr>
+    </a:lvl1pPr>
+    <a:lvl2pPr marL="457200" algn="l" defTabSz="914400" rtl="0" eaLnBrk="1" latinLnBrk="0" hangingPunct="1">
+      <a:defRPr sz="1200" kern="1200">
+        <a:solidFill>
+          <a:schemeClr val="tx1"/>
+        </a:solidFill>
+        <a:latin typeface="+mn-lt"/>
+        <a:ea typeface="+mn-ea"/>
+        <a:cs typeface="+mn-cs"/>
+      </a:defRPr>
+    </a:lvl2pPr>
+    <a:lvl3pPr marL="914400" algn="l" defTabSz="914400" rtl="0" eaLnBrk="1" latinLnBrk="0" hangingPunct="1">
+      <a:defRPr sz="1200" kern="1200">
+        <a:solidFill>
+          <a:schemeClr val="tx1"/>
+        </a:solidFill>
+        <a:latin typeface="+mn-lt"/>
+        <a:ea typeface="+mn-ea"/>
+        <a:cs typeface="+mn-cs"/>
+      </a:defRPr>
+    </a:lvl3pPr>
+    <a:lvl4pPr marL="1371600" algn="l" defTabSz="914400" rtl="0" eaLnBrk="1" latinLnBrk="0" hangingPunct="1">
+      <a:defRPr sz="1200" kern="1200">
+        <a:solidFill>
+          <a:schemeClr val="tx1"/>
+        </a:solidFill>
+        <a:latin typeface="+mn-lt"/>
+        <a:ea typeface="+mn-ea"/>
+        <a:cs typeface="+mn-cs"/>
+      </a:defRPr>
+    </a:lvl4pPr>
+    <a:lvl5pPr marL="1828800" algn="l" defTabSz="914400" rtl="0" eaLnBrk="1" latinLnBrk="0" hangingPunct="1">
+      <a:defRPr sz="1200" kern="1200">
+        <a:solidFill>
+          <a:schemeClr val="tx1"/>
+        </a:solidFill>
+        <a:latin typeface="+mn-lt"/>
+        <a:ea typeface="+mn-ea"/>
+        <a:cs typeface="+mn-cs"/>
+      </a:defRPr>
+    </a:lvl5pPr>
+    <a:lvl6pPr marL="2286000" algn="l" defTabSz="914400" rtl="0" eaLnBrk="1" latinLnBrk="0" hangingPunct="1">
+      <a:defRPr sz="1200" kern="1200">
+        <a:solidFill>
+          <a:schemeClr val="tx1"/>
+        </a:solidFill>
+        <a:latin typeface="+mn-lt"/>
+        <a:ea typeface="+mn-ea"/>
+        <a:cs typeface="+mn-cs"/>
+      </a:defRPr>
+    </a:lvl6pPr>
+    <a:lvl7pPr marL="2743200" algn="l" defTabSz="914400" rtl="0" eaLnBrk="1" latinLnBrk="0" hangingPunct="1">
+      <a:defRPr sz="1200" kern="1200">
+        <a:solidFill>
+          <a:schemeClr val="tx1"/>
+        </a:solidFill>
+        <a:latin typeface="+mn-lt"/>
+        <a:ea typeface="+mn-ea"/>
+        <a:cs typeface="+mn-cs"/>
+      </a:defRPr>
+    </a:lvl7pPr>
+    <a:lvl8pPr marL="3200400" algn="l" defTabSz="914400" rtl="0" eaLnBrk="1" latinLnBrk="0" hangingPunct="1">
+      <a:defRPr sz="1200" kern="1200">
+        <a:solidFill>
+          <a:schemeClr val="tx1"/>
+        </a:solidFill>
+        <a:latin typeface="+mn-lt"/>
+        <a:ea typeface="+mn-ea"/>
+        <a:cs typeface="+mn-cs"/>
+      </a:defRPr>
+    </a:lvl8pPr>
+    <a:lvl9pPr marL="3657600" algn="l" defTabSz="914400" rtl="0" eaLnBrk="1" latinLnBrk="0" hangingPunct="1">
+      <a:defRPr sz="1200" kern="1200">
+        <a:solidFill>
+          <a:schemeClr val="tx1"/>
+        </a:solidFill>
+        <a:latin typeface="+mn-lt"/>
+        <a:ea typeface="+mn-ea"/>
+        <a:cs typeface="+mn-cs"/>
+      </a:defRPr>
+    </a:lvl9pPr>
+  </p:notesStyle>
+</p:notesMaster>
 </file>
 
 <file path=ppt/slideLayouts/slideLayout1.xml><?xml version="1.0" encoding="utf-8"?>
@@ -258,9 +627,9 @@
           <a:bodyPr/>
           <a:lstStyle/>
           <a:p>
-            <a:fld id="{B2EF093A-566C-4EF9-8823-1ABBBF7BD128}" type="datetimeFigureOut">
-              <a:rPr lang="en-SG" smtClean="0"/>
-              <a:t>11/5/2021</a:t>
+            <a:fld id="{6932AADB-E3BC-49A6-AC2E-D4C7571A8F9C}" type="datetime1">
+              <a:rPr lang="en-SG" smtClean="0"/>
+              <a:t>25/7/2021</a:t>
             </a:fld>
             <a:endParaRPr lang="en-SG"/>
           </a:p>
@@ -474,9 +843,9 @@
           <a:bodyPr/>
           <a:lstStyle/>
           <a:p>
-            <a:fld id="{B2EF093A-566C-4EF9-8823-1ABBBF7BD128}" type="datetimeFigureOut">
-              <a:rPr lang="en-SG" smtClean="0"/>
-              <a:t>11/5/2021</a:t>
+            <a:fld id="{125D6D81-115C-4F35-BA5D-FF8D08E67E15}" type="datetime1">
+              <a:rPr lang="en-SG" smtClean="0"/>
+              <a:t>25/7/2021</a:t>
             </a:fld>
             <a:endParaRPr lang="en-SG"/>
           </a:p>
@@ -700,9 +1069,9 @@
           <a:bodyPr/>
           <a:lstStyle/>
           <a:p>
-            <a:fld id="{B2EF093A-566C-4EF9-8823-1ABBBF7BD128}" type="datetimeFigureOut">
-              <a:rPr lang="en-SG" smtClean="0"/>
-              <a:t>11/5/2021</a:t>
+            <a:fld id="{1B47963A-0EC8-415C-AA96-AAA3A380995C}" type="datetime1">
+              <a:rPr lang="en-SG" smtClean="0"/>
+              <a:t>25/7/2021</a:t>
             </a:fld>
             <a:endParaRPr lang="en-SG"/>
           </a:p>
@@ -916,9 +1285,9 @@
           <a:bodyPr/>
           <a:lstStyle/>
           <a:p>
-            <a:fld id="{B2EF093A-566C-4EF9-8823-1ABBBF7BD128}" type="datetimeFigureOut">
-              <a:rPr lang="en-SG" smtClean="0"/>
-              <a:t>11/5/2021</a:t>
+            <a:fld id="{E976BB25-E5AF-4929-B464-9BCAD5A87A71}" type="datetime1">
+              <a:rPr lang="en-SG" smtClean="0"/>
+              <a:t>25/7/2021</a:t>
             </a:fld>
             <a:endParaRPr lang="en-SG"/>
           </a:p>
@@ -1208,9 +1577,9 @@
           <a:bodyPr/>
           <a:lstStyle/>
           <a:p>
-            <a:fld id="{B2EF093A-566C-4EF9-8823-1ABBBF7BD128}" type="datetimeFigureOut">
-              <a:rPr lang="en-SG" smtClean="0"/>
-              <a:t>11/5/2021</a:t>
+            <a:fld id="{0655A1DE-C842-48FC-B842-07D4D3910FA3}" type="datetime1">
+              <a:rPr lang="en-SG" smtClean="0"/>
+              <a:t>25/7/2021</a:t>
             </a:fld>
             <a:endParaRPr lang="en-SG"/>
           </a:p>
@@ -1486,9 +1855,9 @@
           <a:bodyPr/>
           <a:lstStyle/>
           <a:p>
-            <a:fld id="{B2EF093A-566C-4EF9-8823-1ABBBF7BD128}" type="datetimeFigureOut">
-              <a:rPr lang="en-SG" smtClean="0"/>
-              <a:t>11/5/2021</a:t>
+            <a:fld id="{E21CF1E6-63F5-4C8F-86AE-352A82604946}" type="datetime1">
+              <a:rPr lang="en-SG" smtClean="0"/>
+              <a:t>25/7/2021</a:t>
             </a:fld>
             <a:endParaRPr lang="en-SG"/>
           </a:p>
@@ -1899,9 +2268,9 @@
           <a:bodyPr/>
           <a:lstStyle/>
           <a:p>
-            <a:fld id="{B2EF093A-566C-4EF9-8823-1ABBBF7BD128}" type="datetimeFigureOut">
-              <a:rPr lang="en-SG" smtClean="0"/>
-              <a:t>11/5/2021</a:t>
+            <a:fld id="{B7C5EF0A-4EE5-448A-96DC-58BDCCB2BA0E}" type="datetime1">
+              <a:rPr lang="en-SG" smtClean="0"/>
+              <a:t>25/7/2021</a:t>
             </a:fld>
             <a:endParaRPr lang="en-SG"/>
           </a:p>
@@ -2063,9 +2432,9 @@
           <a:bodyPr/>
           <a:lstStyle/>
           <a:p>
-            <a:fld id="{B2EF093A-566C-4EF9-8823-1ABBBF7BD128}" type="datetimeFigureOut">
-              <a:rPr lang="en-SG" smtClean="0"/>
-              <a:t>11/5/2021</a:t>
+            <a:fld id="{68D61CCE-94CF-4E54-B462-0900A5EB28B2}" type="datetime1">
+              <a:rPr lang="en-SG" smtClean="0"/>
+              <a:t>25/7/2021</a:t>
             </a:fld>
             <a:endParaRPr lang="en-SG"/>
           </a:p>
@@ -2158,9 +2527,9 @@
           <a:bodyPr/>
           <a:lstStyle/>
           <a:p>
-            <a:fld id="{B2EF093A-566C-4EF9-8823-1ABBBF7BD128}" type="datetimeFigureOut">
-              <a:rPr lang="en-SG" smtClean="0"/>
-              <a:t>11/5/2021</a:t>
+            <a:fld id="{FEDA6057-5D48-493F-9BF0-22DA77C81460}" type="datetime1">
+              <a:rPr lang="en-SG" smtClean="0"/>
+              <a:t>25/7/2021</a:t>
             </a:fld>
             <a:endParaRPr lang="en-SG"/>
           </a:p>
@@ -2435,9 +2804,9 @@
           <a:bodyPr/>
           <a:lstStyle/>
           <a:p>
-            <a:fld id="{B2EF093A-566C-4EF9-8823-1ABBBF7BD128}" type="datetimeFigureOut">
-              <a:rPr lang="en-SG" smtClean="0"/>
-              <a:t>11/5/2021</a:t>
+            <a:fld id="{5EC9DB84-5AD6-4A5F-B6F2-BA9FF76FFA4E}" type="datetime1">
+              <a:rPr lang="en-SG" smtClean="0"/>
+              <a:t>25/7/2021</a:t>
             </a:fld>
             <a:endParaRPr lang="en-SG"/>
           </a:p>
@@ -2734,9 +3103,9 @@
           <a:bodyPr/>
           <a:lstStyle/>
           <a:p>
-            <a:fld id="{B2EF093A-566C-4EF9-8823-1ABBBF7BD128}" type="datetimeFigureOut">
-              <a:rPr lang="en-SG" smtClean="0"/>
-              <a:t>11/5/2021</a:t>
+            <a:fld id="{D9A5E61F-68AF-4DAC-9C69-FAACE762F383}" type="datetime1">
+              <a:rPr lang="en-SG" smtClean="0"/>
+              <a:t>25/7/2021</a:t>
             </a:fld>
             <a:endParaRPr lang="en-SG"/>
           </a:p>
@@ -2996,9 +3365,9 @@
             </a:lvl1pPr>
           </a:lstStyle>
           <a:p>
-            <a:fld id="{B2EF093A-566C-4EF9-8823-1ABBBF7BD128}" type="datetimeFigureOut">
-              <a:rPr lang="en-SG" smtClean="0"/>
-              <a:t>11/5/2021</a:t>
+            <a:fld id="{3780BC32-A4E2-4562-BF2F-1CBE58D5CE05}" type="datetime1">
+              <a:rPr lang="en-SG" smtClean="0"/>
+              <a:t>25/7/2021</a:t>
             </a:fld>
             <a:endParaRPr lang="en-SG"/>
           </a:p>
@@ -3103,6 +3472,7 @@
     <p:sldLayoutId id="2147483658" r:id="rId10"/>
     <p:sldLayoutId id="2147483659" r:id="rId11"/>
   </p:sldLayoutIdLst>
+  <p:hf hdr="0" ftr="0" dt="0"/>
   <p:txStyles>
     <p:titleStyle>
       <a:lvl1pPr algn="l" defTabSz="914400" rtl="0" eaLnBrk="1" latinLnBrk="0" hangingPunct="1">
@@ -3115,7 +3485,7 @@
         <a:buNone/>
         <a:defRPr sz="4400" kern="1200">
           <a:solidFill>
-            <a:srgbClr val="2B251A"/>
+            <a:srgbClr val="2E261F"/>
           </a:solidFill>
           <a:latin typeface="+mj-lt"/>
           <a:ea typeface="+mj-ea"/>
@@ -3445,6 +3815,29 @@
           </a:p>
         </p:txBody>
       </p:sp>
+      <p:sp>
+        <p:nvSpPr>
+          <p:cNvPr id="4" name="Slide Number Placeholder 3"/>
+          <p:cNvSpPr>
+            <a:spLocks noGrp="1"/>
+          </p:cNvSpPr>
+          <p:nvPr>
+            <p:ph type="sldNum" sz="quarter" idx="12"/>
+          </p:nvPr>
+        </p:nvSpPr>
+        <p:spPr/>
+        <p:txBody>
+          <a:bodyPr/>
+          <a:lstStyle/>
+          <a:p>
+            <a:fld id="{6A34CF32-D65E-4FFE-97AB-911DF53E1B39}" type="slidenum">
+              <a:rPr lang="en-SG" smtClean="0"/>
+              <a:t>1</a:t>
+            </a:fld>
+            <a:endParaRPr lang="en-SG"/>
+          </a:p>
+        </p:txBody>
+      </p:sp>
     </p:spTree>
     <p:extLst>
       <p:ext uri="{BB962C8B-B14F-4D97-AF65-F5344CB8AC3E}">
@@ -3465,6 +3858,5096 @@
 </p:sld>
 </file>
 
+<file path=ppt/slides/slide10.xml><?xml version="1.0" encoding="utf-8"?>
+<p:sld xmlns:a="http://schemas.openxmlformats.org/drawingml/2006/main" xmlns:r="http://schemas.openxmlformats.org/officeDocument/2006/relationships" xmlns:p="http://schemas.openxmlformats.org/presentationml/2006/main">
+  <p:cSld>
+    <p:spTree>
+      <p:nvGrpSpPr>
+        <p:cNvPr id="1" name=""/>
+        <p:cNvGrpSpPr/>
+        <p:nvPr/>
+      </p:nvGrpSpPr>
+      <p:grpSpPr>
+        <a:xfrm>
+          <a:off x="0" y="0"/>
+          <a:ext cx="0" cy="0"/>
+          <a:chOff x="0" y="0"/>
+          <a:chExt cx="0" cy="0"/>
+        </a:xfrm>
+      </p:grpSpPr>
+      <p:sp>
+        <p:nvSpPr>
+          <p:cNvPr id="3" name="Title 2"/>
+          <p:cNvSpPr>
+            <a:spLocks noGrp="1"/>
+          </p:cNvSpPr>
+          <p:nvPr>
+            <p:ph type="title"/>
+          </p:nvPr>
+        </p:nvSpPr>
+        <p:spPr/>
+        <p:txBody>
+          <a:bodyPr/>
+          <a:lstStyle/>
+          <a:p>
+            <a:r>
+              <a:rPr lang="en-SG" smtClean="0"/>
+              <a:t>Compatibility with SBML </a:t>
+            </a:r>
+            <a:endParaRPr lang="en-SG"/>
+          </a:p>
+        </p:txBody>
+      </p:sp>
+      <p:sp>
+        <p:nvSpPr>
+          <p:cNvPr id="4" name="Content Placeholder 3"/>
+          <p:cNvSpPr>
+            <a:spLocks noGrp="1"/>
+          </p:cNvSpPr>
+          <p:nvPr>
+            <p:ph sz="half" idx="1"/>
+          </p:nvPr>
+        </p:nvSpPr>
+        <p:spPr/>
+        <p:txBody>
+          <a:bodyPr>
+            <a:normAutofit fontScale="62500" lnSpcReduction="20000"/>
+          </a:bodyPr>
+          <a:lstStyle/>
+          <a:p>
+            <a:r>
+              <a:rPr lang="en-SG" smtClean="0"/>
+              <a:t>Model</a:t>
+            </a:r>
+          </a:p>
+          <a:p>
+            <a:r>
+              <a:rPr lang="en-SG" smtClean="0"/>
+              <a:t>Function definitions</a:t>
+            </a:r>
+          </a:p>
+          <a:p>
+            <a:r>
+              <a:rPr lang="en-SG" smtClean="0"/>
+              <a:t>Unit definitions</a:t>
+            </a:r>
+          </a:p>
+          <a:p>
+            <a:r>
+              <a:rPr lang="en-SG" smtClean="0"/>
+              <a:t>Compartments</a:t>
+            </a:r>
+          </a:p>
+          <a:p>
+            <a:r>
+              <a:rPr lang="en-SG" smtClean="0"/>
+              <a:t>Species</a:t>
+            </a:r>
+          </a:p>
+          <a:p>
+            <a:r>
+              <a:rPr lang="en-SG" smtClean="0"/>
+              <a:t>Parameters</a:t>
+            </a:r>
+          </a:p>
+          <a:p>
+            <a:r>
+              <a:rPr lang="en-SG" smtClean="0"/>
+              <a:t>Initial assignments</a:t>
+            </a:r>
+          </a:p>
+          <a:p>
+            <a:r>
+              <a:rPr lang="en-SG" smtClean="0"/>
+              <a:t>Assignment rules</a:t>
+            </a:r>
+          </a:p>
+          <a:p>
+            <a:r>
+              <a:rPr lang="en-SG" smtClean="0"/>
+              <a:t>Constraints</a:t>
+            </a:r>
+          </a:p>
+          <a:p>
+            <a:r>
+              <a:rPr lang="en-SG" smtClean="0"/>
+              <a:t>Reactions</a:t>
+            </a:r>
+          </a:p>
+          <a:p>
+            <a:r>
+              <a:rPr lang="en-SG" smtClean="0"/>
+              <a:t>Events</a:t>
+            </a:r>
+          </a:p>
+          <a:p>
+            <a:r>
+              <a:rPr lang="en-SG" smtClean="0"/>
+              <a:t>SBML hierarchical (current work)</a:t>
+            </a:r>
+          </a:p>
+          <a:p>
+            <a:r>
+              <a:rPr lang="en-SG" smtClean="0"/>
+              <a:t>SBML multi, spatial and FBC (future work)</a:t>
+            </a:r>
+            <a:endParaRPr lang="en-SG"/>
+          </a:p>
+        </p:txBody>
+      </p:sp>
+      <p:sp>
+        <p:nvSpPr>
+          <p:cNvPr id="5" name="Content Placeholder 4"/>
+          <p:cNvSpPr>
+            <a:spLocks noGrp="1"/>
+          </p:cNvSpPr>
+          <p:nvPr>
+            <p:ph sz="half" idx="2"/>
+          </p:nvPr>
+        </p:nvSpPr>
+        <p:spPr/>
+        <p:txBody>
+          <a:bodyPr>
+            <a:normAutofit fontScale="62500" lnSpcReduction="20000"/>
+          </a:bodyPr>
+          <a:lstStyle/>
+          <a:p>
+            <a:r>
+              <a:rPr lang="en-SG" smtClean="0"/>
+              <a:t>Notes</a:t>
+            </a:r>
+          </a:p>
+          <a:p>
+            <a:pPr lvl="1"/>
+            <a:r>
+              <a:rPr lang="en-SG" smtClean="0"/>
+              <a:t>Units </a:t>
+            </a:r>
+            <a:r>
+              <a:rPr lang="en-SG" smtClean="0"/>
+              <a:t>are not </a:t>
+            </a:r>
+            <a:r>
+              <a:rPr lang="en-SG" smtClean="0"/>
+              <a:t>currently required </a:t>
+            </a:r>
+            <a:r>
+              <a:rPr lang="en-SG" smtClean="0"/>
+              <a:t>by Dunlin for </a:t>
+            </a:r>
+            <a:endParaRPr lang="en-SG" smtClean="0"/>
+          </a:p>
+          <a:p>
+            <a:pPr lvl="1"/>
+            <a:r>
+              <a:rPr lang="en-SG" smtClean="0"/>
+              <a:t>The </a:t>
+            </a:r>
+            <a:r>
+              <a:rPr lang="en-SG" smtClean="0"/>
+              <a:t>following SBML elements are not covered as they can be described using </a:t>
+            </a:r>
+            <a:r>
+              <a:rPr lang="en-SG" smtClean="0"/>
+              <a:t>other means that </a:t>
+            </a:r>
+            <a:r>
+              <a:rPr lang="en-SG" smtClean="0"/>
+              <a:t>are</a:t>
+            </a:r>
+          </a:p>
+          <a:p>
+            <a:pPr lvl="2"/>
+            <a:r>
+              <a:rPr lang="en-SG" smtClean="0"/>
+              <a:t>Non constant stoichiometries</a:t>
+            </a:r>
+          </a:p>
+          <a:p>
+            <a:pPr lvl="3"/>
+            <a:r>
+              <a:rPr lang="en-SG" smtClean="0"/>
+              <a:t>Use a separate reaction</a:t>
+            </a:r>
+          </a:p>
+          <a:p>
+            <a:pPr lvl="2"/>
+            <a:r>
+              <a:rPr lang="en-SG" smtClean="0"/>
+              <a:t>Algebraic rules</a:t>
+            </a:r>
+          </a:p>
+          <a:p>
+            <a:pPr lvl="3"/>
+            <a:r>
+              <a:rPr lang="en-SG" smtClean="0"/>
+              <a:t>Reformulate as assignment rules</a:t>
+            </a:r>
+          </a:p>
+          <a:p>
+            <a:pPr lvl="1"/>
+            <a:r>
+              <a:rPr lang="en-SG" smtClean="0"/>
+              <a:t>Should Dunlin encounter such element the appropriate response should be to</a:t>
+            </a:r>
+          </a:p>
+          <a:p>
+            <a:pPr lvl="2"/>
+            <a:r>
+              <a:rPr lang="en-SG" smtClean="0"/>
+              <a:t>Raise a NotImplementedError </a:t>
+            </a:r>
+          </a:p>
+          <a:p>
+            <a:pPr lvl="2"/>
+            <a:r>
+              <a:rPr lang="en-SG" smtClean="0"/>
+              <a:t>Reformulate the model via intermediate steps</a:t>
+            </a:r>
+          </a:p>
+          <a:p>
+            <a:pPr marL="914400" lvl="2" indent="0">
+              <a:buNone/>
+            </a:pPr>
+            <a:endParaRPr lang="en-SG"/>
+          </a:p>
+        </p:txBody>
+      </p:sp>
+      <p:sp>
+        <p:nvSpPr>
+          <p:cNvPr id="2" name="Slide Number Placeholder 1"/>
+          <p:cNvSpPr>
+            <a:spLocks noGrp="1"/>
+          </p:cNvSpPr>
+          <p:nvPr>
+            <p:ph type="sldNum" sz="quarter" idx="12"/>
+          </p:nvPr>
+        </p:nvSpPr>
+        <p:spPr/>
+        <p:txBody>
+          <a:bodyPr/>
+          <a:lstStyle/>
+          <a:p>
+            <a:fld id="{6A34CF32-D65E-4FFE-97AB-911DF53E1B39}" type="slidenum">
+              <a:rPr lang="en-SG" smtClean="0"/>
+              <a:t>10</a:t>
+            </a:fld>
+            <a:endParaRPr lang="en-SG"/>
+          </a:p>
+        </p:txBody>
+      </p:sp>
+    </p:spTree>
+    <p:extLst>
+      <p:ext uri="{BB962C8B-B14F-4D97-AF65-F5344CB8AC3E}">
+        <p14:creationId xmlns:p14="http://schemas.microsoft.com/office/powerpoint/2010/main" val="4125241978"/>
+      </p:ext>
+    </p:extLst>
+  </p:cSld>
+  <p:clrMapOvr>
+    <a:masterClrMapping/>
+  </p:clrMapOvr>
+</p:sld>
+</file>
+
+<file path=ppt/slides/slide11.xml><?xml version="1.0" encoding="utf-8"?>
+<p:sld xmlns:a="http://schemas.openxmlformats.org/drawingml/2006/main" xmlns:r="http://schemas.openxmlformats.org/officeDocument/2006/relationships" xmlns:p="http://schemas.openxmlformats.org/presentationml/2006/main">
+  <p:cSld>
+    <p:spTree>
+      <p:nvGrpSpPr>
+        <p:cNvPr id="1" name=""/>
+        <p:cNvGrpSpPr/>
+        <p:nvPr/>
+      </p:nvGrpSpPr>
+      <p:grpSpPr>
+        <a:xfrm>
+          <a:off x="0" y="0"/>
+          <a:ext cx="0" cy="0"/>
+          <a:chOff x="0" y="0"/>
+          <a:chExt cx="0" cy="0"/>
+        </a:xfrm>
+      </p:grpSpPr>
+      <p:sp>
+        <p:nvSpPr>
+          <p:cNvPr id="3" name="Title 2"/>
+          <p:cNvSpPr>
+            <a:spLocks noGrp="1"/>
+          </p:cNvSpPr>
+          <p:nvPr>
+            <p:ph type="title"/>
+          </p:nvPr>
+        </p:nvSpPr>
+        <p:spPr/>
+        <p:txBody>
+          <a:bodyPr/>
+          <a:lstStyle/>
+          <a:p>
+            <a:r>
+              <a:rPr lang="en-SG" smtClean="0"/>
+              <a:t>.dun Structure</a:t>
+            </a:r>
+            <a:endParaRPr lang="en-SG"/>
+          </a:p>
+        </p:txBody>
+      </p:sp>
+      <p:sp>
+        <p:nvSpPr>
+          <p:cNvPr id="4" name="Content Placeholder 3"/>
+          <p:cNvSpPr>
+            <a:spLocks noGrp="1"/>
+          </p:cNvSpPr>
+          <p:nvPr>
+            <p:ph idx="1"/>
+          </p:nvPr>
+        </p:nvSpPr>
+        <p:spPr/>
+        <p:txBody>
+          <a:bodyPr>
+            <a:normAutofit fontScale="92500" lnSpcReduction="20000"/>
+          </a:bodyPr>
+          <a:lstStyle/>
+          <a:p>
+            <a:r>
+              <a:rPr lang="en-SG" smtClean="0"/>
+              <a:t>A whitespace-preserving lightweight markup language</a:t>
+            </a:r>
+          </a:p>
+          <a:p>
+            <a:pPr lvl="1"/>
+            <a:r>
+              <a:rPr lang="en-SG" smtClean="0"/>
+              <a:t>Strings: The fundamental datum to be parsed. </a:t>
+            </a:r>
+          </a:p>
+          <a:p>
+            <a:pPr lvl="2"/>
+            <a:r>
+              <a:rPr lang="en-SG" smtClean="0"/>
+              <a:t>Dun strings: Serialized data</a:t>
+            </a:r>
+          </a:p>
+          <a:p>
+            <a:pPr lvl="2"/>
+            <a:r>
+              <a:rPr lang="en-SG" smtClean="0"/>
+              <a:t>Py elements: Python code</a:t>
+            </a:r>
+          </a:p>
+          <a:p>
+            <a:pPr lvl="1"/>
+            <a:r>
+              <a:rPr lang="en-SG" smtClean="0"/>
+              <a:t>Elements: Corresponds to </a:t>
+            </a:r>
+          </a:p>
+          <a:p>
+            <a:pPr lvl="2"/>
+            <a:r>
+              <a:rPr lang="en-SG" smtClean="0"/>
+              <a:t>A dun element produces multiple strings if shorthands are used and a single string otherwise.</a:t>
+            </a:r>
+          </a:p>
+          <a:p>
+            <a:pPr lvl="2"/>
+            <a:r>
+              <a:rPr lang="en-SG" smtClean="0"/>
+              <a:t>A py element collapses multiple lines of code into a smaller number of lines if shorthands are used</a:t>
+            </a:r>
+          </a:p>
+          <a:p>
+            <a:pPr lvl="1"/>
+            <a:r>
+              <a:rPr lang="en-SG" smtClean="0"/>
+              <a:t>Subsections: Groups elements by the type of information they represent.</a:t>
+            </a:r>
+          </a:p>
+          <a:p>
+            <a:pPr lvl="1"/>
+            <a:r>
+              <a:rPr lang="en-SG" smtClean="0"/>
+              <a:t>Sections: Groups subsections for a single model.</a:t>
+            </a:r>
+          </a:p>
+          <a:p>
+            <a:r>
+              <a:rPr lang="en-SG" smtClean="0"/>
+              <a:t>A .dun file contains</a:t>
+            </a:r>
+          </a:p>
+          <a:p>
+            <a:pPr lvl="1"/>
+            <a:r>
+              <a:rPr lang="en-SG" smtClean="0"/>
+              <a:t>Import statements</a:t>
+            </a:r>
+          </a:p>
+          <a:p>
+            <a:pPr lvl="1"/>
+            <a:r>
+              <a:rPr lang="en-SG" smtClean="0"/>
+              <a:t>Comments delimited with a “;” at the start of the line</a:t>
+            </a:r>
+          </a:p>
+          <a:p>
+            <a:pPr lvl="1"/>
+            <a:r>
+              <a:rPr lang="en-SG" smtClean="0"/>
+              <a:t>Sections, subsections and elements (which are then parsed into strings)</a:t>
+            </a:r>
+          </a:p>
+          <a:p>
+            <a:pPr lvl="1"/>
+            <a:endParaRPr lang="en-SG" smtClean="0"/>
+          </a:p>
+          <a:p>
+            <a:pPr lvl="1"/>
+            <a:endParaRPr lang="en-SG" smtClean="0"/>
+          </a:p>
+          <a:p>
+            <a:endParaRPr lang="en-SG" smtClean="0"/>
+          </a:p>
+        </p:txBody>
+      </p:sp>
+      <p:sp>
+        <p:nvSpPr>
+          <p:cNvPr id="5" name="Slide Number Placeholder 4"/>
+          <p:cNvSpPr>
+            <a:spLocks noGrp="1"/>
+          </p:cNvSpPr>
+          <p:nvPr>
+            <p:ph type="sldNum" sz="quarter" idx="12"/>
+          </p:nvPr>
+        </p:nvSpPr>
+        <p:spPr/>
+        <p:txBody>
+          <a:bodyPr/>
+          <a:lstStyle/>
+          <a:p>
+            <a:fld id="{6A34CF32-D65E-4FFE-97AB-911DF53E1B39}" type="slidenum">
+              <a:rPr lang="en-SG" smtClean="0"/>
+              <a:t>11</a:t>
+            </a:fld>
+            <a:endParaRPr lang="en-SG"/>
+          </a:p>
+        </p:txBody>
+      </p:sp>
+    </p:spTree>
+    <p:extLst>
+      <p:ext uri="{BB962C8B-B14F-4D97-AF65-F5344CB8AC3E}">
+        <p14:creationId xmlns:p14="http://schemas.microsoft.com/office/powerpoint/2010/main" val="60415206"/>
+      </p:ext>
+    </p:extLst>
+  </p:cSld>
+  <p:clrMapOvr>
+    <a:masterClrMapping/>
+  </p:clrMapOvr>
+</p:sld>
+</file>
+
+<file path=ppt/slides/slide12.xml><?xml version="1.0" encoding="utf-8"?>
+<p:sld xmlns:a="http://schemas.openxmlformats.org/drawingml/2006/main" xmlns:r="http://schemas.openxmlformats.org/officeDocument/2006/relationships" xmlns:p="http://schemas.openxmlformats.org/presentationml/2006/main">
+  <p:cSld>
+    <p:spTree>
+      <p:nvGrpSpPr>
+        <p:cNvPr id="1" name=""/>
+        <p:cNvGrpSpPr/>
+        <p:nvPr/>
+      </p:nvGrpSpPr>
+      <p:grpSpPr>
+        <a:xfrm>
+          <a:off x="0" y="0"/>
+          <a:ext cx="0" cy="0"/>
+          <a:chOff x="0" y="0"/>
+          <a:chExt cx="0" cy="0"/>
+        </a:xfrm>
+      </p:grpSpPr>
+      <p:sp>
+        <p:nvSpPr>
+          <p:cNvPr id="2" name="Title 1"/>
+          <p:cNvSpPr>
+            <a:spLocks noGrp="1"/>
+          </p:cNvSpPr>
+          <p:nvPr>
+            <p:ph type="title"/>
+          </p:nvPr>
+        </p:nvSpPr>
+        <p:spPr/>
+        <p:txBody>
+          <a:bodyPr/>
+          <a:lstStyle/>
+          <a:p>
+            <a:r>
+              <a:rPr lang="en-SG" smtClean="0"/>
+              <a:t>.dun Rules</a:t>
+            </a:r>
+            <a:endParaRPr lang="en-SG"/>
+          </a:p>
+        </p:txBody>
+      </p:sp>
+      <p:sp>
+        <p:nvSpPr>
+          <p:cNvPr id="3" name="Content Placeholder 2"/>
+          <p:cNvSpPr>
+            <a:spLocks noGrp="1"/>
+          </p:cNvSpPr>
+          <p:nvPr>
+            <p:ph idx="1"/>
+          </p:nvPr>
+        </p:nvSpPr>
+        <p:spPr/>
+        <p:txBody>
+          <a:bodyPr/>
+          <a:lstStyle/>
+          <a:p>
+            <a:r>
+              <a:rPr lang="en-SG" smtClean="0"/>
+              <a:t>Allowed</a:t>
+            </a:r>
+            <a:endParaRPr lang="en-SG"/>
+          </a:p>
+          <a:p>
+            <a:pPr lvl="1"/>
+            <a:r>
+              <a:rPr lang="en-SG" smtClean="0"/>
+              <a:t>References </a:t>
+            </a:r>
+            <a:r>
+              <a:rPr lang="en-SG"/>
+              <a:t>to other models in the same file or group of files</a:t>
+            </a:r>
+            <a:r>
+              <a:rPr lang="en-SG" smtClean="0"/>
+              <a:t>.</a:t>
+            </a:r>
+          </a:p>
+          <a:p>
+            <a:r>
+              <a:rPr lang="en-SG" smtClean="0"/>
+              <a:t>Not </a:t>
+            </a:r>
+            <a:r>
+              <a:rPr lang="en-SG"/>
+              <a:t>allowed:</a:t>
+            </a:r>
+          </a:p>
+          <a:p>
+            <a:pPr lvl="1"/>
+            <a:r>
+              <a:rPr lang="en-SG"/>
+              <a:t>Double underscores in any part of the code: Avoid unsafe code</a:t>
+            </a:r>
+            <a:r>
+              <a:rPr lang="en-SG" smtClean="0"/>
+              <a:t>.</a:t>
+            </a:r>
+          </a:p>
+          <a:p>
+            <a:pPr lvl="1"/>
+            <a:r>
+              <a:rPr lang="en-SG" smtClean="0"/>
+              <a:t>Repeated definitions of sections/subsections/elements with same name. </a:t>
+            </a:r>
+            <a:endParaRPr lang="en-SG"/>
+          </a:p>
+        </p:txBody>
+      </p:sp>
+      <p:sp>
+        <p:nvSpPr>
+          <p:cNvPr id="4" name="Slide Number Placeholder 3"/>
+          <p:cNvSpPr>
+            <a:spLocks noGrp="1"/>
+          </p:cNvSpPr>
+          <p:nvPr>
+            <p:ph type="sldNum" sz="quarter" idx="12"/>
+          </p:nvPr>
+        </p:nvSpPr>
+        <p:spPr/>
+        <p:txBody>
+          <a:bodyPr/>
+          <a:lstStyle/>
+          <a:p>
+            <a:fld id="{6A34CF32-D65E-4FFE-97AB-911DF53E1B39}" type="slidenum">
+              <a:rPr lang="en-SG" smtClean="0"/>
+              <a:t>12</a:t>
+            </a:fld>
+            <a:endParaRPr lang="en-SG"/>
+          </a:p>
+        </p:txBody>
+      </p:sp>
+    </p:spTree>
+    <p:extLst>
+      <p:ext uri="{BB962C8B-B14F-4D97-AF65-F5344CB8AC3E}">
+        <p14:creationId xmlns:p14="http://schemas.microsoft.com/office/powerpoint/2010/main" val="1279265167"/>
+      </p:ext>
+    </p:extLst>
+  </p:cSld>
+  <p:clrMapOvr>
+    <a:masterClrMapping/>
+  </p:clrMapOvr>
+</p:sld>
+</file>
+
+<file path=ppt/slides/slide13.xml><?xml version="1.0" encoding="utf-8"?>
+<p:sld xmlns:a="http://schemas.openxmlformats.org/drawingml/2006/main" xmlns:r="http://schemas.openxmlformats.org/officeDocument/2006/relationships" xmlns:p="http://schemas.openxmlformats.org/presentationml/2006/main">
+  <p:cSld>
+    <p:spTree>
+      <p:nvGrpSpPr>
+        <p:cNvPr id="1" name=""/>
+        <p:cNvGrpSpPr/>
+        <p:nvPr/>
+      </p:nvGrpSpPr>
+      <p:grpSpPr>
+        <a:xfrm>
+          <a:off x="0" y="0"/>
+          <a:ext cx="0" cy="0"/>
+          <a:chOff x="0" y="0"/>
+          <a:chExt cx="0" cy="0"/>
+        </a:xfrm>
+      </p:grpSpPr>
+      <p:sp>
+        <p:nvSpPr>
+          <p:cNvPr id="4" name="Slide Number Placeholder 3"/>
+          <p:cNvSpPr>
+            <a:spLocks noGrp="1"/>
+          </p:cNvSpPr>
+          <p:nvPr>
+            <p:ph type="sldNum" sz="quarter" idx="12"/>
+          </p:nvPr>
+        </p:nvSpPr>
+        <p:spPr/>
+        <p:txBody>
+          <a:bodyPr/>
+          <a:lstStyle/>
+          <a:p>
+            <a:fld id="{6A34CF32-D65E-4FFE-97AB-911DF53E1B39}" type="slidenum">
+              <a:rPr lang="en-SG" smtClean="0"/>
+              <a:t>13</a:t>
+            </a:fld>
+            <a:endParaRPr lang="en-SG"/>
+          </a:p>
+        </p:txBody>
+      </p:sp>
+      <p:graphicFrame>
+        <p:nvGraphicFramePr>
+          <p:cNvPr id="5" name="Content Placeholder 4"/>
+          <p:cNvGraphicFramePr>
+            <a:graphicFrameLocks/>
+          </p:cNvGraphicFramePr>
+          <p:nvPr>
+            <p:extLst>
+              <p:ext uri="{D42A27DB-BD31-4B8C-83A1-F6EECF244321}">
+                <p14:modId xmlns:p14="http://schemas.microsoft.com/office/powerpoint/2010/main" val="2207651260"/>
+              </p:ext>
+            </p:extLst>
+          </p:nvPr>
+        </p:nvGraphicFramePr>
+        <p:xfrm>
+          <a:off x="941832" y="721878"/>
+          <a:ext cx="9930385" cy="5817034"/>
+        </p:xfrm>
+        <a:graphic>
+          <a:graphicData uri="http://schemas.openxmlformats.org/drawingml/2006/table">
+            <a:tbl>
+              <a:tblPr firstRow="1">
+                <a:tableStyleId>{8EC20E35-A176-4012-BC5E-935CFFF8708E}</a:tableStyleId>
+              </a:tblPr>
+              <a:tblGrid>
+                <a:gridCol w="1186321"/>
+                <a:gridCol w="2914688"/>
+                <a:gridCol w="4009719"/>
+                <a:gridCol w="1819657"/>
+              </a:tblGrid>
+              <a:tr h="339585">
+                <a:tc>
+                  <a:txBody>
+                    <a:bodyPr/>
+                    <a:lstStyle/>
+                    <a:p>
+                      <a:r>
+                        <a:rPr lang="en-SG" sz="1400" smtClean="0"/>
+                        <a:t>Subsection Type</a:t>
+                      </a:r>
+                      <a:endParaRPr lang="en-SG" sz="1400"/>
+                    </a:p>
+                  </a:txBody>
+                  <a:tcPr>
+                    <a:lnL w="12700" cap="flat" cmpd="sng" algn="ctr">
+                      <a:solidFill>
+                        <a:schemeClr val="tx1"/>
+                      </a:solidFill>
+                      <a:prstDash val="solid"/>
+                      <a:round/>
+                      <a:headEnd type="none" w="med" len="med"/>
+                      <a:tailEnd type="none" w="med" len="med"/>
+                    </a:lnL>
+                    <a:lnR w="12700" cap="flat" cmpd="sng" algn="ctr">
+                      <a:solidFill>
+                        <a:schemeClr val="tx1"/>
+                      </a:solidFill>
+                      <a:prstDash val="solid"/>
+                      <a:round/>
+                      <a:headEnd type="none" w="med" len="med"/>
+                      <a:tailEnd type="none" w="med" len="med"/>
+                    </a:lnR>
+                    <a:lnT w="12700" cap="flat" cmpd="sng" algn="ctr">
+                      <a:solidFill>
+                        <a:schemeClr val="tx1"/>
+                      </a:solidFill>
+                      <a:prstDash val="solid"/>
+                      <a:round/>
+                      <a:headEnd type="none" w="med" len="med"/>
+                      <a:tailEnd type="none" w="med" len="med"/>
+                    </a:lnT>
+                    <a:lnB w="12700" cap="flat" cmpd="sng" algn="ctr">
+                      <a:solidFill>
+                        <a:schemeClr val="tx1"/>
+                      </a:solidFill>
+                      <a:prstDash val="solid"/>
+                      <a:round/>
+                      <a:headEnd type="none" w="med" len="med"/>
+                      <a:tailEnd type="none" w="med" len="med"/>
+                    </a:lnB>
+                  </a:tcPr>
+                </a:tc>
+                <a:tc>
+                  <a:txBody>
+                    <a:bodyPr/>
+                    <a:lstStyle/>
+                    <a:p>
+                      <a:endParaRPr lang="en-SG" sz="1400"/>
+                    </a:p>
+                  </a:txBody>
+                  <a:tcPr>
+                    <a:lnL w="12700" cap="flat" cmpd="sng" algn="ctr">
+                      <a:solidFill>
+                        <a:schemeClr val="tx1"/>
+                      </a:solidFill>
+                      <a:prstDash val="solid"/>
+                      <a:round/>
+                      <a:headEnd type="none" w="med" len="med"/>
+                      <a:tailEnd type="none" w="med" len="med"/>
+                    </a:lnL>
+                    <a:lnR w="12700" cap="flat" cmpd="sng" algn="ctr">
+                      <a:solidFill>
+                        <a:schemeClr val="tx1"/>
+                      </a:solidFill>
+                      <a:prstDash val="solid"/>
+                      <a:round/>
+                      <a:headEnd type="none" w="med" len="med"/>
+                      <a:tailEnd type="none" w="med" len="med"/>
+                    </a:lnR>
+                    <a:lnT w="12700" cap="flat" cmpd="sng" algn="ctr">
+                      <a:solidFill>
+                        <a:schemeClr val="tx1"/>
+                      </a:solidFill>
+                      <a:prstDash val="solid"/>
+                      <a:round/>
+                      <a:headEnd type="none" w="med" len="med"/>
+                      <a:tailEnd type="none" w="med" len="med"/>
+                    </a:lnT>
+                    <a:lnB w="12700" cap="flat" cmpd="sng" algn="ctr">
+                      <a:solidFill>
+                        <a:schemeClr val="tx1"/>
+                      </a:solidFill>
+                      <a:prstDash val="solid"/>
+                      <a:round/>
+                      <a:headEnd type="none" w="med" len="med"/>
+                      <a:tailEnd type="none" w="med" len="med"/>
+                    </a:lnB>
+                  </a:tcPr>
+                </a:tc>
+                <a:tc>
+                  <a:txBody>
+                    <a:bodyPr/>
+                    <a:lstStyle/>
+                    <a:p>
+                      <a:endParaRPr lang="en-SG" sz="1400"/>
+                    </a:p>
+                  </a:txBody>
+                  <a:tcPr>
+                    <a:lnL w="12700" cap="flat" cmpd="sng" algn="ctr">
+                      <a:solidFill>
+                        <a:schemeClr val="tx1"/>
+                      </a:solidFill>
+                      <a:prstDash val="solid"/>
+                      <a:round/>
+                      <a:headEnd type="none" w="med" len="med"/>
+                      <a:tailEnd type="none" w="med" len="med"/>
+                    </a:lnL>
+                    <a:lnR w="12700" cap="flat" cmpd="sng" algn="ctr">
+                      <a:solidFill>
+                        <a:schemeClr val="tx1"/>
+                      </a:solidFill>
+                      <a:prstDash val="solid"/>
+                      <a:round/>
+                      <a:headEnd type="none" w="med" len="med"/>
+                      <a:tailEnd type="none" w="med" len="med"/>
+                    </a:lnR>
+                    <a:lnT w="12700" cap="flat" cmpd="sng" algn="ctr">
+                      <a:solidFill>
+                        <a:schemeClr val="tx1"/>
+                      </a:solidFill>
+                      <a:prstDash val="solid"/>
+                      <a:round/>
+                      <a:headEnd type="none" w="med" len="med"/>
+                      <a:tailEnd type="none" w="med" len="med"/>
+                    </a:lnT>
+                    <a:lnB w="12700" cap="flat" cmpd="sng" algn="ctr">
+                      <a:solidFill>
+                        <a:schemeClr val="tx1"/>
+                      </a:solidFill>
+                      <a:prstDash val="solid"/>
+                      <a:round/>
+                      <a:headEnd type="none" w="med" len="med"/>
+                      <a:tailEnd type="none" w="med" len="med"/>
+                    </a:lnB>
+                  </a:tcPr>
+                </a:tc>
+                <a:tc>
+                  <a:txBody>
+                    <a:bodyPr/>
+                    <a:lstStyle/>
+                    <a:p>
+                      <a:endParaRPr lang="en-SG" sz="1400"/>
+                    </a:p>
+                  </a:txBody>
+                  <a:tcPr>
+                    <a:lnL w="12700" cap="flat" cmpd="sng" algn="ctr">
+                      <a:solidFill>
+                        <a:schemeClr val="tx1"/>
+                      </a:solidFill>
+                      <a:prstDash val="solid"/>
+                      <a:round/>
+                      <a:headEnd type="none" w="med" len="med"/>
+                      <a:tailEnd type="none" w="med" len="med"/>
+                    </a:lnL>
+                    <a:lnR w="12700" cap="flat" cmpd="sng" algn="ctr">
+                      <a:solidFill>
+                        <a:schemeClr val="tx1"/>
+                      </a:solidFill>
+                      <a:prstDash val="solid"/>
+                      <a:round/>
+                      <a:headEnd type="none" w="med" len="med"/>
+                      <a:tailEnd type="none" w="med" len="med"/>
+                    </a:lnR>
+                    <a:lnT w="12700" cap="flat" cmpd="sng" algn="ctr">
+                      <a:solidFill>
+                        <a:schemeClr val="tx1"/>
+                      </a:solidFill>
+                      <a:prstDash val="solid"/>
+                      <a:round/>
+                      <a:headEnd type="none" w="med" len="med"/>
+                      <a:tailEnd type="none" w="med" len="med"/>
+                    </a:lnT>
+                    <a:lnB w="12700" cap="flat" cmpd="sng" algn="ctr">
+                      <a:solidFill>
+                        <a:schemeClr val="tx1"/>
+                      </a:solidFill>
+                      <a:prstDash val="solid"/>
+                      <a:round/>
+                      <a:headEnd type="none" w="med" len="med"/>
+                      <a:tailEnd type="none" w="med" len="med"/>
+                    </a:lnB>
+                  </a:tcPr>
+                </a:tc>
+              </a:tr>
+              <a:tr h="215878">
+                <a:tc>
+                  <a:txBody>
+                    <a:bodyPr/>
+                    <a:lstStyle/>
+                    <a:p>
+                      <a:r>
+                        <a:rPr lang="en-SG" sz="1400" smtClean="0"/>
+                        <a:t>Related to</a:t>
+                      </a:r>
+                      <a:endParaRPr lang="en-SG" sz="1400"/>
+                    </a:p>
+                  </a:txBody>
+                  <a:tcPr>
+                    <a:lnL w="12700" cap="flat" cmpd="sng" algn="ctr">
+                      <a:solidFill>
+                        <a:schemeClr val="tx1"/>
+                      </a:solidFill>
+                      <a:prstDash val="solid"/>
+                      <a:round/>
+                      <a:headEnd type="none" w="med" len="med"/>
+                      <a:tailEnd type="none" w="med" len="med"/>
+                    </a:lnL>
+                    <a:lnR w="12700" cap="flat" cmpd="sng" algn="ctr">
+                      <a:solidFill>
+                        <a:schemeClr val="tx1"/>
+                      </a:solidFill>
+                      <a:prstDash val="solid"/>
+                      <a:round/>
+                      <a:headEnd type="none" w="med" len="med"/>
+                      <a:tailEnd type="none" w="med" len="med"/>
+                    </a:lnR>
+                    <a:lnT w="12700" cap="flat" cmpd="sng" algn="ctr">
+                      <a:solidFill>
+                        <a:schemeClr val="tx1"/>
+                      </a:solidFill>
+                      <a:prstDash val="solid"/>
+                      <a:round/>
+                      <a:headEnd type="none" w="med" len="med"/>
+                      <a:tailEnd type="none" w="med" len="med"/>
+                    </a:lnT>
+                    <a:lnB w="12700" cap="flat" cmpd="sng" algn="ctr">
+                      <a:solidFill>
+                        <a:schemeClr val="tx1"/>
+                      </a:solidFill>
+                      <a:prstDash val="solid"/>
+                      <a:round/>
+                      <a:headEnd type="none" w="med" len="med"/>
+                      <a:tailEnd type="none" w="med" len="med"/>
+                    </a:lnB>
+                  </a:tcPr>
+                </a:tc>
+                <a:tc>
+                  <a:txBody>
+                    <a:bodyPr/>
+                    <a:lstStyle/>
+                    <a:p>
+                      <a:endParaRPr lang="en-SG" sz="1400"/>
+                    </a:p>
+                  </a:txBody>
+                  <a:tcPr>
+                    <a:lnL w="12700" cap="flat" cmpd="sng" algn="ctr">
+                      <a:solidFill>
+                        <a:schemeClr val="tx1"/>
+                      </a:solidFill>
+                      <a:prstDash val="solid"/>
+                      <a:round/>
+                      <a:headEnd type="none" w="med" len="med"/>
+                      <a:tailEnd type="none" w="med" len="med"/>
+                    </a:lnL>
+                    <a:lnR w="12700" cap="flat" cmpd="sng" algn="ctr">
+                      <a:solidFill>
+                        <a:schemeClr val="tx1"/>
+                      </a:solidFill>
+                      <a:prstDash val="solid"/>
+                      <a:round/>
+                      <a:headEnd type="none" w="med" len="med"/>
+                      <a:tailEnd type="none" w="med" len="med"/>
+                    </a:lnR>
+                    <a:lnT w="12700" cap="flat" cmpd="sng" algn="ctr">
+                      <a:solidFill>
+                        <a:schemeClr val="tx1"/>
+                      </a:solidFill>
+                      <a:prstDash val="solid"/>
+                      <a:round/>
+                      <a:headEnd type="none" w="med" len="med"/>
+                      <a:tailEnd type="none" w="med" len="med"/>
+                    </a:lnT>
+                    <a:lnB w="12700" cap="flat" cmpd="sng" algn="ctr">
+                      <a:solidFill>
+                        <a:schemeClr val="tx1"/>
+                      </a:solidFill>
+                      <a:prstDash val="solid"/>
+                      <a:round/>
+                      <a:headEnd type="none" w="med" len="med"/>
+                      <a:tailEnd type="none" w="med" len="med"/>
+                    </a:lnB>
+                  </a:tcPr>
+                </a:tc>
+                <a:tc>
+                  <a:txBody>
+                    <a:bodyPr/>
+                    <a:lstStyle/>
+                    <a:p>
+                      <a:r>
+                        <a:rPr lang="en-SG" sz="1400" smtClean="0"/>
+                        <a:t>Corresponding SBML</a:t>
+                      </a:r>
+                      <a:endParaRPr lang="en-SG" sz="1400"/>
+                    </a:p>
+                  </a:txBody>
+                  <a:tcPr>
+                    <a:lnL w="12700" cap="flat" cmpd="sng" algn="ctr">
+                      <a:solidFill>
+                        <a:schemeClr val="tx1"/>
+                      </a:solidFill>
+                      <a:prstDash val="solid"/>
+                      <a:round/>
+                      <a:headEnd type="none" w="med" len="med"/>
+                      <a:tailEnd type="none" w="med" len="med"/>
+                    </a:lnL>
+                    <a:lnR w="12700" cap="flat" cmpd="sng" algn="ctr">
+                      <a:solidFill>
+                        <a:schemeClr val="tx1"/>
+                      </a:solidFill>
+                      <a:prstDash val="solid"/>
+                      <a:round/>
+                      <a:headEnd type="none" w="med" len="med"/>
+                      <a:tailEnd type="none" w="med" len="med"/>
+                    </a:lnR>
+                    <a:lnT w="12700" cap="flat" cmpd="sng" algn="ctr">
+                      <a:solidFill>
+                        <a:schemeClr val="tx1"/>
+                      </a:solidFill>
+                      <a:prstDash val="solid"/>
+                      <a:round/>
+                      <a:headEnd type="none" w="med" len="med"/>
+                      <a:tailEnd type="none" w="med" len="med"/>
+                    </a:lnT>
+                    <a:lnB w="12700" cap="flat" cmpd="sng" algn="ctr">
+                      <a:solidFill>
+                        <a:schemeClr val="tx1"/>
+                      </a:solidFill>
+                      <a:prstDash val="solid"/>
+                      <a:round/>
+                      <a:headEnd type="none" w="med" len="med"/>
+                      <a:tailEnd type="none" w="med" len="med"/>
+                    </a:lnB>
+                  </a:tcPr>
+                </a:tc>
+                <a:tc>
+                  <a:txBody>
+                    <a:bodyPr/>
+                    <a:lstStyle/>
+                    <a:p>
+                      <a:r>
+                        <a:rPr lang="en-SG" sz="1400" smtClean="0"/>
+                        <a:t>Element type</a:t>
+                      </a:r>
+                      <a:endParaRPr lang="en-SG" sz="1400"/>
+                    </a:p>
+                  </a:txBody>
+                  <a:tcPr>
+                    <a:lnL w="12700" cap="flat" cmpd="sng" algn="ctr">
+                      <a:solidFill>
+                        <a:schemeClr val="tx1"/>
+                      </a:solidFill>
+                      <a:prstDash val="solid"/>
+                      <a:round/>
+                      <a:headEnd type="none" w="med" len="med"/>
+                      <a:tailEnd type="none" w="med" len="med"/>
+                    </a:lnL>
+                    <a:lnR w="12700" cap="flat" cmpd="sng" algn="ctr">
+                      <a:solidFill>
+                        <a:schemeClr val="tx1"/>
+                      </a:solidFill>
+                      <a:prstDash val="solid"/>
+                      <a:round/>
+                      <a:headEnd type="none" w="med" len="med"/>
+                      <a:tailEnd type="none" w="med" len="med"/>
+                    </a:lnR>
+                    <a:lnT w="12700" cap="flat" cmpd="sng" algn="ctr">
+                      <a:solidFill>
+                        <a:schemeClr val="tx1"/>
+                      </a:solidFill>
+                      <a:prstDash val="solid"/>
+                      <a:round/>
+                      <a:headEnd type="none" w="med" len="med"/>
+                      <a:tailEnd type="none" w="med" len="med"/>
+                    </a:lnT>
+                    <a:lnB w="12700" cap="flat" cmpd="sng" algn="ctr">
+                      <a:solidFill>
+                        <a:schemeClr val="tx1"/>
+                      </a:solidFill>
+                      <a:prstDash val="solid"/>
+                      <a:round/>
+                      <a:headEnd type="none" w="med" len="med"/>
+                      <a:tailEnd type="none" w="med" len="med"/>
+                    </a:lnB>
+                  </a:tcPr>
+                </a:tc>
+              </a:tr>
+              <a:tr h="215878">
+                <a:tc rowSpan="8">
+                  <a:txBody>
+                    <a:bodyPr/>
+                    <a:lstStyle/>
+                    <a:p>
+                      <a:r>
+                        <a:rPr lang="en-SG" sz="1400" smtClean="0"/>
+                        <a:t>Model</a:t>
+                      </a:r>
+                      <a:r>
+                        <a:rPr lang="en-SG" sz="1400" baseline="0" smtClean="0"/>
+                        <a:t> definition</a:t>
+                      </a:r>
+                      <a:endParaRPr lang="en-SG" sz="1400"/>
+                    </a:p>
+                  </a:txBody>
+                  <a:tcPr>
+                    <a:lnL w="12700" cap="flat" cmpd="sng" algn="ctr">
+                      <a:solidFill>
+                        <a:schemeClr val="tx1"/>
+                      </a:solidFill>
+                      <a:prstDash val="solid"/>
+                      <a:round/>
+                      <a:headEnd type="none" w="med" len="med"/>
+                      <a:tailEnd type="none" w="med" len="med"/>
+                    </a:lnL>
+                    <a:lnR w="12700" cap="flat" cmpd="sng" algn="ctr">
+                      <a:solidFill>
+                        <a:schemeClr val="tx1"/>
+                      </a:solidFill>
+                      <a:prstDash val="solid"/>
+                      <a:round/>
+                      <a:headEnd type="none" w="med" len="med"/>
+                      <a:tailEnd type="none" w="med" len="med"/>
+                    </a:lnR>
+                    <a:lnT w="12700" cap="flat" cmpd="sng" algn="ctr">
+                      <a:solidFill>
+                        <a:schemeClr val="tx1"/>
+                      </a:solidFill>
+                      <a:prstDash val="solid"/>
+                      <a:round/>
+                      <a:headEnd type="none" w="med" len="med"/>
+                      <a:tailEnd type="none" w="med" len="med"/>
+                    </a:lnT>
+                    <a:lnB w="12700" cap="flat" cmpd="sng" algn="ctr">
+                      <a:solidFill>
+                        <a:schemeClr val="tx1"/>
+                      </a:solidFill>
+                      <a:prstDash val="solid"/>
+                      <a:round/>
+                      <a:headEnd type="none" w="med" len="med"/>
+                      <a:tailEnd type="none" w="med" len="med"/>
+                    </a:lnB>
+                  </a:tcPr>
+                </a:tc>
+                <a:tc>
+                  <a:txBody>
+                    <a:bodyPr/>
+                    <a:lstStyle/>
+                    <a:p>
+                      <a:r>
+                        <a:rPr lang="en-SG" sz="1400" smtClean="0"/>
+                        <a:t>States</a:t>
+                      </a:r>
+                      <a:endParaRPr lang="en-SG" sz="1400"/>
+                    </a:p>
+                  </a:txBody>
+                  <a:tcPr>
+                    <a:lnL w="12700" cap="flat" cmpd="sng" algn="ctr">
+                      <a:solidFill>
+                        <a:schemeClr val="tx1"/>
+                      </a:solidFill>
+                      <a:prstDash val="solid"/>
+                      <a:round/>
+                      <a:headEnd type="none" w="med" len="med"/>
+                      <a:tailEnd type="none" w="med" len="med"/>
+                    </a:lnL>
+                    <a:lnR w="12700" cap="flat" cmpd="sng" algn="ctr">
+                      <a:solidFill>
+                        <a:schemeClr val="tx1"/>
+                      </a:solidFill>
+                      <a:prstDash val="solid"/>
+                      <a:round/>
+                      <a:headEnd type="none" w="med" len="med"/>
+                      <a:tailEnd type="none" w="med" len="med"/>
+                    </a:lnR>
+                    <a:lnT w="12700" cap="flat" cmpd="sng" algn="ctr">
+                      <a:solidFill>
+                        <a:schemeClr val="tx1"/>
+                      </a:solidFill>
+                      <a:prstDash val="solid"/>
+                      <a:round/>
+                      <a:headEnd type="none" w="med" len="med"/>
+                      <a:tailEnd type="none" w="med" len="med"/>
+                    </a:lnT>
+                    <a:lnB w="12700" cap="flat" cmpd="sng" algn="ctr">
+                      <a:solidFill>
+                        <a:schemeClr val="tx1"/>
+                      </a:solidFill>
+                      <a:prstDash val="solid"/>
+                      <a:round/>
+                      <a:headEnd type="none" w="med" len="med"/>
+                      <a:tailEnd type="none" w="med" len="med"/>
+                    </a:lnB>
+                  </a:tcPr>
+                </a:tc>
+                <a:tc>
+                  <a:txBody>
+                    <a:bodyPr/>
+                    <a:lstStyle/>
+                    <a:p>
+                      <a:r>
+                        <a:rPr lang="en-SG" sz="1400" smtClean="0"/>
+                        <a:t>Species</a:t>
+                      </a:r>
+                      <a:r>
+                        <a:rPr lang="en-SG" sz="1400" baseline="0" smtClean="0"/>
+                        <a:t> with/without</a:t>
+                      </a:r>
+                      <a:r>
+                        <a:rPr lang="en-SG" sz="1400" smtClean="0"/>
+                        <a:t> Initial</a:t>
+                      </a:r>
+                      <a:r>
+                        <a:rPr lang="en-SG" sz="1400" baseline="0" smtClean="0"/>
+                        <a:t>Assignments, Param (not const) with RateRule</a:t>
+                      </a:r>
+                      <a:endParaRPr lang="en-SG" sz="1400"/>
+                    </a:p>
+                  </a:txBody>
+                  <a:tcPr>
+                    <a:lnL w="12700" cap="flat" cmpd="sng" algn="ctr">
+                      <a:solidFill>
+                        <a:schemeClr val="tx1"/>
+                      </a:solidFill>
+                      <a:prstDash val="solid"/>
+                      <a:round/>
+                      <a:headEnd type="none" w="med" len="med"/>
+                      <a:tailEnd type="none" w="med" len="med"/>
+                    </a:lnL>
+                    <a:lnR w="12700" cap="flat" cmpd="sng" algn="ctr">
+                      <a:solidFill>
+                        <a:schemeClr val="tx1"/>
+                      </a:solidFill>
+                      <a:prstDash val="solid"/>
+                      <a:round/>
+                      <a:headEnd type="none" w="med" len="med"/>
+                      <a:tailEnd type="none" w="med" len="med"/>
+                    </a:lnR>
+                    <a:lnT w="12700" cap="flat" cmpd="sng" algn="ctr">
+                      <a:solidFill>
+                        <a:schemeClr val="tx1"/>
+                      </a:solidFill>
+                      <a:prstDash val="solid"/>
+                      <a:round/>
+                      <a:headEnd type="none" w="med" len="med"/>
+                      <a:tailEnd type="none" w="med" len="med"/>
+                    </a:lnT>
+                    <a:lnB w="12700" cap="flat" cmpd="sng" algn="ctr">
+                      <a:solidFill>
+                        <a:schemeClr val="tx1"/>
+                      </a:solidFill>
+                      <a:prstDash val="solid"/>
+                      <a:round/>
+                      <a:headEnd type="none" w="med" len="med"/>
+                      <a:tailEnd type="none" w="med" len="med"/>
+                    </a:lnB>
+                  </a:tcPr>
+                </a:tc>
+                <a:tc>
+                  <a:txBody>
+                    <a:bodyPr/>
+                    <a:lstStyle/>
+                    <a:p>
+                      <a:r>
+                        <a:rPr lang="en-SG" sz="1400" smtClean="0"/>
+                        <a:t>Dun</a:t>
+                      </a:r>
+                    </a:p>
+                  </a:txBody>
+                  <a:tcPr>
+                    <a:lnL w="12700" cap="flat" cmpd="sng" algn="ctr">
+                      <a:solidFill>
+                        <a:schemeClr val="tx1"/>
+                      </a:solidFill>
+                      <a:prstDash val="solid"/>
+                      <a:round/>
+                      <a:headEnd type="none" w="med" len="med"/>
+                      <a:tailEnd type="none" w="med" len="med"/>
+                    </a:lnL>
+                    <a:lnR w="12700" cap="flat" cmpd="sng" algn="ctr">
+                      <a:solidFill>
+                        <a:schemeClr val="tx1"/>
+                      </a:solidFill>
+                      <a:prstDash val="solid"/>
+                      <a:round/>
+                      <a:headEnd type="none" w="med" len="med"/>
+                      <a:tailEnd type="none" w="med" len="med"/>
+                    </a:lnR>
+                    <a:lnT w="12700" cap="flat" cmpd="sng" algn="ctr">
+                      <a:solidFill>
+                        <a:schemeClr val="tx1"/>
+                      </a:solidFill>
+                      <a:prstDash val="solid"/>
+                      <a:round/>
+                      <a:headEnd type="none" w="med" len="med"/>
+                      <a:tailEnd type="none" w="med" len="med"/>
+                    </a:lnT>
+                    <a:lnB w="12700" cap="flat" cmpd="sng" algn="ctr">
+                      <a:solidFill>
+                        <a:schemeClr val="tx1"/>
+                      </a:solidFill>
+                      <a:prstDash val="solid"/>
+                      <a:round/>
+                      <a:headEnd type="none" w="med" len="med"/>
+                      <a:tailEnd type="none" w="med" len="med"/>
+                    </a:lnB>
+                  </a:tcPr>
+                </a:tc>
+              </a:tr>
+              <a:tr h="215878">
+                <a:tc vMerge="1">
+                  <a:txBody>
+                    <a:bodyPr/>
+                    <a:lstStyle/>
+                    <a:p>
+                      <a:endParaRPr lang="en-SG"/>
+                    </a:p>
+                  </a:txBody>
+                  <a:tcPr/>
+                </a:tc>
+                <a:tc>
+                  <a:txBody>
+                    <a:bodyPr/>
+                    <a:lstStyle/>
+                    <a:p>
+                      <a:r>
+                        <a:rPr lang="en-SG" sz="1400" smtClean="0"/>
+                        <a:t>Params</a:t>
+                      </a:r>
+                      <a:endParaRPr lang="en-SG" sz="1400"/>
+                    </a:p>
+                  </a:txBody>
+                  <a:tcPr>
+                    <a:lnL w="12700" cap="flat" cmpd="sng" algn="ctr">
+                      <a:solidFill>
+                        <a:schemeClr val="tx1"/>
+                      </a:solidFill>
+                      <a:prstDash val="solid"/>
+                      <a:round/>
+                      <a:headEnd type="none" w="med" len="med"/>
+                      <a:tailEnd type="none" w="med" len="med"/>
+                    </a:lnL>
+                    <a:lnR w="12700" cap="flat" cmpd="sng" algn="ctr">
+                      <a:solidFill>
+                        <a:schemeClr val="tx1"/>
+                      </a:solidFill>
+                      <a:prstDash val="solid"/>
+                      <a:round/>
+                      <a:headEnd type="none" w="med" len="med"/>
+                      <a:tailEnd type="none" w="med" len="med"/>
+                    </a:lnR>
+                    <a:lnT w="12700" cap="flat" cmpd="sng" algn="ctr">
+                      <a:solidFill>
+                        <a:schemeClr val="tx1"/>
+                      </a:solidFill>
+                      <a:prstDash val="solid"/>
+                      <a:round/>
+                      <a:headEnd type="none" w="med" len="med"/>
+                      <a:tailEnd type="none" w="med" len="med"/>
+                    </a:lnT>
+                    <a:lnB w="12700" cap="flat" cmpd="sng" algn="ctr">
+                      <a:solidFill>
+                        <a:schemeClr val="tx1"/>
+                      </a:solidFill>
+                      <a:prstDash val="solid"/>
+                      <a:round/>
+                      <a:headEnd type="none" w="med" len="med"/>
+                      <a:tailEnd type="none" w="med" len="med"/>
+                    </a:lnB>
+                  </a:tcPr>
+                </a:tc>
+                <a:tc>
+                  <a:txBody>
+                    <a:bodyPr/>
+                    <a:lstStyle/>
+                    <a:p>
+                      <a:r>
+                        <a:rPr lang="en-SG" sz="1400" smtClean="0"/>
+                        <a:t>Param (const)</a:t>
+                      </a:r>
+                      <a:endParaRPr lang="en-SG" sz="1400"/>
+                    </a:p>
+                  </a:txBody>
+                  <a:tcPr>
+                    <a:lnL w="12700" cap="flat" cmpd="sng" algn="ctr">
+                      <a:solidFill>
+                        <a:schemeClr val="tx1"/>
+                      </a:solidFill>
+                      <a:prstDash val="solid"/>
+                      <a:round/>
+                      <a:headEnd type="none" w="med" len="med"/>
+                      <a:tailEnd type="none" w="med" len="med"/>
+                    </a:lnL>
+                    <a:lnR w="12700" cap="flat" cmpd="sng" algn="ctr">
+                      <a:solidFill>
+                        <a:schemeClr val="tx1"/>
+                      </a:solidFill>
+                      <a:prstDash val="solid"/>
+                      <a:round/>
+                      <a:headEnd type="none" w="med" len="med"/>
+                      <a:tailEnd type="none" w="med" len="med"/>
+                    </a:lnR>
+                    <a:lnT w="12700" cap="flat" cmpd="sng" algn="ctr">
+                      <a:solidFill>
+                        <a:schemeClr val="tx1"/>
+                      </a:solidFill>
+                      <a:prstDash val="solid"/>
+                      <a:round/>
+                      <a:headEnd type="none" w="med" len="med"/>
+                      <a:tailEnd type="none" w="med" len="med"/>
+                    </a:lnT>
+                    <a:lnB w="12700" cap="flat" cmpd="sng" algn="ctr">
+                      <a:solidFill>
+                        <a:schemeClr val="tx1"/>
+                      </a:solidFill>
+                      <a:prstDash val="solid"/>
+                      <a:round/>
+                      <a:headEnd type="none" w="med" len="med"/>
+                      <a:tailEnd type="none" w="med" len="med"/>
+                    </a:lnB>
+                  </a:tcPr>
+                </a:tc>
+                <a:tc>
+                  <a:txBody>
+                    <a:bodyPr/>
+                    <a:lstStyle/>
+                    <a:p>
+                      <a:r>
+                        <a:rPr lang="en-SG" sz="1400" smtClean="0"/>
+                        <a:t>Dun</a:t>
+                      </a:r>
+                      <a:endParaRPr lang="en-SG" sz="1400"/>
+                    </a:p>
+                  </a:txBody>
+                  <a:tcPr>
+                    <a:lnL w="12700" cap="flat" cmpd="sng" algn="ctr">
+                      <a:solidFill>
+                        <a:schemeClr val="tx1"/>
+                      </a:solidFill>
+                      <a:prstDash val="solid"/>
+                      <a:round/>
+                      <a:headEnd type="none" w="med" len="med"/>
+                      <a:tailEnd type="none" w="med" len="med"/>
+                    </a:lnL>
+                    <a:lnR w="12700" cap="flat" cmpd="sng" algn="ctr">
+                      <a:solidFill>
+                        <a:schemeClr val="tx1"/>
+                      </a:solidFill>
+                      <a:prstDash val="solid"/>
+                      <a:round/>
+                      <a:headEnd type="none" w="med" len="med"/>
+                      <a:tailEnd type="none" w="med" len="med"/>
+                    </a:lnR>
+                    <a:lnT w="12700" cap="flat" cmpd="sng" algn="ctr">
+                      <a:solidFill>
+                        <a:schemeClr val="tx1"/>
+                      </a:solidFill>
+                      <a:prstDash val="solid"/>
+                      <a:round/>
+                      <a:headEnd type="none" w="med" len="med"/>
+                      <a:tailEnd type="none" w="med" len="med"/>
+                    </a:lnT>
+                    <a:lnB w="12700" cap="flat" cmpd="sng" algn="ctr">
+                      <a:solidFill>
+                        <a:schemeClr val="tx1"/>
+                      </a:solidFill>
+                      <a:prstDash val="solid"/>
+                      <a:round/>
+                      <a:headEnd type="none" w="med" len="med"/>
+                      <a:tailEnd type="none" w="med" len="med"/>
+                    </a:lnB>
+                  </a:tcPr>
+                </a:tc>
+              </a:tr>
+              <a:tr h="215878">
+                <a:tc vMerge="1">
+                  <a:txBody>
+                    <a:bodyPr/>
+                    <a:lstStyle/>
+                    <a:p>
+                      <a:endParaRPr lang="en-SG"/>
+                    </a:p>
+                  </a:txBody>
+                  <a:tcPr/>
+                </a:tc>
+                <a:tc>
+                  <a:txBody>
+                    <a:bodyPr/>
+                    <a:lstStyle/>
+                    <a:p>
+                      <a:r>
+                        <a:rPr lang="en-SG" sz="1400" smtClean="0"/>
+                        <a:t>Reactions</a:t>
+                      </a:r>
+                      <a:endParaRPr lang="en-SG" sz="1400"/>
+                    </a:p>
+                  </a:txBody>
+                  <a:tcPr>
+                    <a:lnL w="12700" cap="flat" cmpd="sng" algn="ctr">
+                      <a:solidFill>
+                        <a:schemeClr val="tx1"/>
+                      </a:solidFill>
+                      <a:prstDash val="solid"/>
+                      <a:round/>
+                      <a:headEnd type="none" w="med" len="med"/>
+                      <a:tailEnd type="none" w="med" len="med"/>
+                    </a:lnL>
+                    <a:lnR w="12700" cap="flat" cmpd="sng" algn="ctr">
+                      <a:solidFill>
+                        <a:schemeClr val="tx1"/>
+                      </a:solidFill>
+                      <a:prstDash val="solid"/>
+                      <a:round/>
+                      <a:headEnd type="none" w="med" len="med"/>
+                      <a:tailEnd type="none" w="med" len="med"/>
+                    </a:lnR>
+                    <a:lnT w="12700" cap="flat" cmpd="sng" algn="ctr">
+                      <a:solidFill>
+                        <a:schemeClr val="tx1"/>
+                      </a:solidFill>
+                      <a:prstDash val="solid"/>
+                      <a:round/>
+                      <a:headEnd type="none" w="med" len="med"/>
+                      <a:tailEnd type="none" w="med" len="med"/>
+                    </a:lnT>
+                    <a:lnB w="12700" cap="flat" cmpd="sng" algn="ctr">
+                      <a:solidFill>
+                        <a:schemeClr val="tx1"/>
+                      </a:solidFill>
+                      <a:prstDash val="solid"/>
+                      <a:round/>
+                      <a:headEnd type="none" w="med" len="med"/>
+                      <a:tailEnd type="none" w="med" len="med"/>
+                    </a:lnB>
+                  </a:tcPr>
+                </a:tc>
+                <a:tc>
+                  <a:txBody>
+                    <a:bodyPr/>
+                    <a:lstStyle/>
+                    <a:p>
+                      <a:r>
+                        <a:rPr lang="en-SG" sz="1400" smtClean="0"/>
+                        <a:t>Reaction, kineticLaw, LocalParameter</a:t>
+                      </a:r>
+                      <a:endParaRPr lang="en-SG" sz="1400"/>
+                    </a:p>
+                  </a:txBody>
+                  <a:tcPr>
+                    <a:lnL w="12700" cap="flat" cmpd="sng" algn="ctr">
+                      <a:solidFill>
+                        <a:schemeClr val="tx1"/>
+                      </a:solidFill>
+                      <a:prstDash val="solid"/>
+                      <a:round/>
+                      <a:headEnd type="none" w="med" len="med"/>
+                      <a:tailEnd type="none" w="med" len="med"/>
+                    </a:lnL>
+                    <a:lnR w="12700" cap="flat" cmpd="sng" algn="ctr">
+                      <a:solidFill>
+                        <a:schemeClr val="tx1"/>
+                      </a:solidFill>
+                      <a:prstDash val="solid"/>
+                      <a:round/>
+                      <a:headEnd type="none" w="med" len="med"/>
+                      <a:tailEnd type="none" w="med" len="med"/>
+                    </a:lnR>
+                    <a:lnT w="12700" cap="flat" cmpd="sng" algn="ctr">
+                      <a:solidFill>
+                        <a:schemeClr val="tx1"/>
+                      </a:solidFill>
+                      <a:prstDash val="solid"/>
+                      <a:round/>
+                      <a:headEnd type="none" w="med" len="med"/>
+                      <a:tailEnd type="none" w="med" len="med"/>
+                    </a:lnT>
+                    <a:lnB w="12700" cap="flat" cmpd="sng" algn="ctr">
+                      <a:solidFill>
+                        <a:schemeClr val="tx1"/>
+                      </a:solidFill>
+                      <a:prstDash val="solid"/>
+                      <a:round/>
+                      <a:headEnd type="none" w="med" len="med"/>
+                      <a:tailEnd type="none" w="med" len="med"/>
+                    </a:lnB>
+                  </a:tcPr>
+                </a:tc>
+                <a:tc>
+                  <a:txBody>
+                    <a:bodyPr/>
+                    <a:lstStyle/>
+                    <a:p>
+                      <a:r>
+                        <a:rPr lang="en-SG" sz="1400" smtClean="0"/>
+                        <a:t>Dun</a:t>
+                      </a:r>
+                      <a:endParaRPr lang="en-SG" sz="1400"/>
+                    </a:p>
+                  </a:txBody>
+                  <a:tcPr>
+                    <a:lnL w="12700" cap="flat" cmpd="sng" algn="ctr">
+                      <a:solidFill>
+                        <a:schemeClr val="tx1"/>
+                      </a:solidFill>
+                      <a:prstDash val="solid"/>
+                      <a:round/>
+                      <a:headEnd type="none" w="med" len="med"/>
+                      <a:tailEnd type="none" w="med" len="med"/>
+                    </a:lnL>
+                    <a:lnR w="12700" cap="flat" cmpd="sng" algn="ctr">
+                      <a:solidFill>
+                        <a:schemeClr val="tx1"/>
+                      </a:solidFill>
+                      <a:prstDash val="solid"/>
+                      <a:round/>
+                      <a:headEnd type="none" w="med" len="med"/>
+                      <a:tailEnd type="none" w="med" len="med"/>
+                    </a:lnR>
+                    <a:lnT w="12700" cap="flat" cmpd="sng" algn="ctr">
+                      <a:solidFill>
+                        <a:schemeClr val="tx1"/>
+                      </a:solidFill>
+                      <a:prstDash val="solid"/>
+                      <a:round/>
+                      <a:headEnd type="none" w="med" len="med"/>
+                      <a:tailEnd type="none" w="med" len="med"/>
+                    </a:lnT>
+                    <a:lnB w="12700" cap="flat" cmpd="sng" algn="ctr">
+                      <a:solidFill>
+                        <a:schemeClr val="tx1"/>
+                      </a:solidFill>
+                      <a:prstDash val="solid"/>
+                      <a:round/>
+                      <a:headEnd type="none" w="med" len="med"/>
+                      <a:tailEnd type="none" w="med" len="med"/>
+                    </a:lnB>
+                  </a:tcPr>
+                </a:tc>
+              </a:tr>
+              <a:tr h="215878">
+                <a:tc vMerge="1">
+                  <a:txBody>
+                    <a:bodyPr/>
+                    <a:lstStyle/>
+                    <a:p>
+                      <a:endParaRPr lang="en-SG"/>
+                    </a:p>
+                  </a:txBody>
+                  <a:tcPr/>
+                </a:tc>
+                <a:tc>
+                  <a:txBody>
+                    <a:bodyPr/>
+                    <a:lstStyle/>
+                    <a:p>
+                      <a:r>
+                        <a:rPr lang="en-SG" sz="1400" smtClean="0"/>
+                        <a:t>Variables</a:t>
+                      </a:r>
+                      <a:endParaRPr lang="en-SG" sz="1400"/>
+                    </a:p>
+                  </a:txBody>
+                  <a:tcPr>
+                    <a:lnL w="12700" cap="flat" cmpd="sng" algn="ctr">
+                      <a:solidFill>
+                        <a:schemeClr val="tx1"/>
+                      </a:solidFill>
+                      <a:prstDash val="solid"/>
+                      <a:round/>
+                      <a:headEnd type="none" w="med" len="med"/>
+                      <a:tailEnd type="none" w="med" len="med"/>
+                    </a:lnL>
+                    <a:lnR w="12700" cap="flat" cmpd="sng" algn="ctr">
+                      <a:solidFill>
+                        <a:schemeClr val="tx1"/>
+                      </a:solidFill>
+                      <a:prstDash val="solid"/>
+                      <a:round/>
+                      <a:headEnd type="none" w="med" len="med"/>
+                      <a:tailEnd type="none" w="med" len="med"/>
+                    </a:lnR>
+                    <a:lnT w="12700" cap="flat" cmpd="sng" algn="ctr">
+                      <a:solidFill>
+                        <a:schemeClr val="tx1"/>
+                      </a:solidFill>
+                      <a:prstDash val="solid"/>
+                      <a:round/>
+                      <a:headEnd type="none" w="med" len="med"/>
+                      <a:tailEnd type="none" w="med" len="med"/>
+                    </a:lnT>
+                    <a:lnB w="12700" cap="flat" cmpd="sng" algn="ctr">
+                      <a:solidFill>
+                        <a:schemeClr val="tx1"/>
+                      </a:solidFill>
+                      <a:prstDash val="solid"/>
+                      <a:round/>
+                      <a:headEnd type="none" w="med" len="med"/>
+                      <a:tailEnd type="none" w="med" len="med"/>
+                    </a:lnB>
+                  </a:tcPr>
+                </a:tc>
+                <a:tc>
+                  <a:txBody>
+                    <a:bodyPr/>
+                    <a:lstStyle/>
+                    <a:p>
+                      <a:r>
+                        <a:rPr lang="en-SG" sz="1400" smtClean="0"/>
+                        <a:t>Param (not const)</a:t>
+                      </a:r>
+                      <a:r>
+                        <a:rPr lang="en-SG" sz="1400" baseline="0" smtClean="0"/>
+                        <a:t> with</a:t>
+                      </a:r>
+                      <a:r>
+                        <a:rPr lang="en-SG" sz="1400" smtClean="0"/>
+                        <a:t> AssignmentRule</a:t>
+                      </a:r>
+                      <a:endParaRPr lang="en-SG" sz="1400"/>
+                    </a:p>
+                  </a:txBody>
+                  <a:tcPr>
+                    <a:lnL w="12700" cap="flat" cmpd="sng" algn="ctr">
+                      <a:solidFill>
+                        <a:schemeClr val="tx1"/>
+                      </a:solidFill>
+                      <a:prstDash val="solid"/>
+                      <a:round/>
+                      <a:headEnd type="none" w="med" len="med"/>
+                      <a:tailEnd type="none" w="med" len="med"/>
+                    </a:lnL>
+                    <a:lnR w="12700" cap="flat" cmpd="sng" algn="ctr">
+                      <a:solidFill>
+                        <a:schemeClr val="tx1"/>
+                      </a:solidFill>
+                      <a:prstDash val="solid"/>
+                      <a:round/>
+                      <a:headEnd type="none" w="med" len="med"/>
+                      <a:tailEnd type="none" w="med" len="med"/>
+                    </a:lnR>
+                    <a:lnT w="12700" cap="flat" cmpd="sng" algn="ctr">
+                      <a:solidFill>
+                        <a:schemeClr val="tx1"/>
+                      </a:solidFill>
+                      <a:prstDash val="solid"/>
+                      <a:round/>
+                      <a:headEnd type="none" w="med" len="med"/>
+                      <a:tailEnd type="none" w="med" len="med"/>
+                    </a:lnT>
+                    <a:lnB w="12700" cap="flat" cmpd="sng" algn="ctr">
+                      <a:solidFill>
+                        <a:schemeClr val="tx1"/>
+                      </a:solidFill>
+                      <a:prstDash val="solid"/>
+                      <a:round/>
+                      <a:headEnd type="none" w="med" len="med"/>
+                      <a:tailEnd type="none" w="med" len="med"/>
+                    </a:lnB>
+                  </a:tcPr>
+                </a:tc>
+                <a:tc>
+                  <a:txBody>
+                    <a:bodyPr/>
+                    <a:lstStyle/>
+                    <a:p>
+                      <a:r>
+                        <a:rPr lang="en-SG" sz="1400" smtClean="0"/>
+                        <a:t>Dun</a:t>
+                      </a:r>
+                      <a:endParaRPr lang="en-SG" sz="1400"/>
+                    </a:p>
+                  </a:txBody>
+                  <a:tcPr>
+                    <a:lnL w="12700" cap="flat" cmpd="sng" algn="ctr">
+                      <a:solidFill>
+                        <a:schemeClr val="tx1"/>
+                      </a:solidFill>
+                      <a:prstDash val="solid"/>
+                      <a:round/>
+                      <a:headEnd type="none" w="med" len="med"/>
+                      <a:tailEnd type="none" w="med" len="med"/>
+                    </a:lnL>
+                    <a:lnR w="12700" cap="flat" cmpd="sng" algn="ctr">
+                      <a:solidFill>
+                        <a:schemeClr val="tx1"/>
+                      </a:solidFill>
+                      <a:prstDash val="solid"/>
+                      <a:round/>
+                      <a:headEnd type="none" w="med" len="med"/>
+                      <a:tailEnd type="none" w="med" len="med"/>
+                    </a:lnR>
+                    <a:lnT w="12700" cap="flat" cmpd="sng" algn="ctr">
+                      <a:solidFill>
+                        <a:schemeClr val="tx1"/>
+                      </a:solidFill>
+                      <a:prstDash val="solid"/>
+                      <a:round/>
+                      <a:headEnd type="none" w="med" len="med"/>
+                      <a:tailEnd type="none" w="med" len="med"/>
+                    </a:lnT>
+                    <a:lnB w="12700" cap="flat" cmpd="sng" algn="ctr">
+                      <a:solidFill>
+                        <a:schemeClr val="tx1"/>
+                      </a:solidFill>
+                      <a:prstDash val="solid"/>
+                      <a:round/>
+                      <a:headEnd type="none" w="med" len="med"/>
+                      <a:tailEnd type="none" w="med" len="med"/>
+                    </a:lnB>
+                  </a:tcPr>
+                </a:tc>
+              </a:tr>
+              <a:tr h="215878">
+                <a:tc vMerge="1">
+                  <a:txBody>
+                    <a:bodyPr/>
+                    <a:lstStyle/>
+                    <a:p>
+                      <a:endParaRPr lang="en-SG"/>
+                    </a:p>
+                  </a:txBody>
+                  <a:tcPr/>
+                </a:tc>
+                <a:tc>
+                  <a:txBody>
+                    <a:bodyPr/>
+                    <a:lstStyle/>
+                    <a:p>
+                      <a:r>
+                        <a:rPr lang="en-SG" sz="1400" smtClean="0"/>
+                        <a:t>Functions</a:t>
+                      </a:r>
+                      <a:endParaRPr lang="en-SG" sz="1400"/>
+                    </a:p>
+                  </a:txBody>
+                  <a:tcPr>
+                    <a:lnL w="12700" cap="flat" cmpd="sng" algn="ctr">
+                      <a:solidFill>
+                        <a:schemeClr val="tx1"/>
+                      </a:solidFill>
+                      <a:prstDash val="solid"/>
+                      <a:round/>
+                      <a:headEnd type="none" w="med" len="med"/>
+                      <a:tailEnd type="none" w="med" len="med"/>
+                    </a:lnL>
+                    <a:lnR w="12700" cap="flat" cmpd="sng" algn="ctr">
+                      <a:solidFill>
+                        <a:schemeClr val="tx1"/>
+                      </a:solidFill>
+                      <a:prstDash val="solid"/>
+                      <a:round/>
+                      <a:headEnd type="none" w="med" len="med"/>
+                      <a:tailEnd type="none" w="med" len="med"/>
+                    </a:lnR>
+                    <a:lnT w="12700" cap="flat" cmpd="sng" algn="ctr">
+                      <a:solidFill>
+                        <a:schemeClr val="tx1"/>
+                      </a:solidFill>
+                      <a:prstDash val="solid"/>
+                      <a:round/>
+                      <a:headEnd type="none" w="med" len="med"/>
+                      <a:tailEnd type="none" w="med" len="med"/>
+                    </a:lnT>
+                    <a:lnB w="12700" cap="flat" cmpd="sng" algn="ctr">
+                      <a:solidFill>
+                        <a:schemeClr val="tx1"/>
+                      </a:solidFill>
+                      <a:prstDash val="solid"/>
+                      <a:round/>
+                      <a:headEnd type="none" w="med" len="med"/>
+                      <a:tailEnd type="none" w="med" len="med"/>
+                    </a:lnB>
+                  </a:tcPr>
+                </a:tc>
+                <a:tc>
+                  <a:txBody>
+                    <a:bodyPr/>
+                    <a:lstStyle/>
+                    <a:p>
+                      <a:r>
+                        <a:rPr lang="en-SG" sz="1400" smtClean="0"/>
+                        <a:t>Function</a:t>
+                      </a:r>
+                      <a:endParaRPr lang="en-SG" sz="1400"/>
+                    </a:p>
+                  </a:txBody>
+                  <a:tcPr>
+                    <a:lnL w="12700" cap="flat" cmpd="sng" algn="ctr">
+                      <a:solidFill>
+                        <a:schemeClr val="tx1"/>
+                      </a:solidFill>
+                      <a:prstDash val="solid"/>
+                      <a:round/>
+                      <a:headEnd type="none" w="med" len="med"/>
+                      <a:tailEnd type="none" w="med" len="med"/>
+                    </a:lnL>
+                    <a:lnR w="12700" cap="flat" cmpd="sng" algn="ctr">
+                      <a:solidFill>
+                        <a:schemeClr val="tx1"/>
+                      </a:solidFill>
+                      <a:prstDash val="solid"/>
+                      <a:round/>
+                      <a:headEnd type="none" w="med" len="med"/>
+                      <a:tailEnd type="none" w="med" len="med"/>
+                    </a:lnR>
+                    <a:lnT w="12700" cap="flat" cmpd="sng" algn="ctr">
+                      <a:solidFill>
+                        <a:schemeClr val="tx1"/>
+                      </a:solidFill>
+                      <a:prstDash val="solid"/>
+                      <a:round/>
+                      <a:headEnd type="none" w="med" len="med"/>
+                      <a:tailEnd type="none" w="med" len="med"/>
+                    </a:lnT>
+                    <a:lnB w="12700" cap="flat" cmpd="sng" algn="ctr">
+                      <a:solidFill>
+                        <a:schemeClr val="tx1"/>
+                      </a:solidFill>
+                      <a:prstDash val="solid"/>
+                      <a:round/>
+                      <a:headEnd type="none" w="med" len="med"/>
+                      <a:tailEnd type="none" w="med" len="med"/>
+                    </a:lnB>
+                  </a:tcPr>
+                </a:tc>
+                <a:tc>
+                  <a:txBody>
+                    <a:bodyPr/>
+                    <a:lstStyle/>
+                    <a:p>
+                      <a:r>
+                        <a:rPr lang="en-SG" sz="1400" smtClean="0"/>
+                        <a:t>Dun</a:t>
+                      </a:r>
+                      <a:endParaRPr lang="en-SG" sz="1400"/>
+                    </a:p>
+                  </a:txBody>
+                  <a:tcPr>
+                    <a:lnL w="12700" cap="flat" cmpd="sng" algn="ctr">
+                      <a:solidFill>
+                        <a:schemeClr val="tx1"/>
+                      </a:solidFill>
+                      <a:prstDash val="solid"/>
+                      <a:round/>
+                      <a:headEnd type="none" w="med" len="med"/>
+                      <a:tailEnd type="none" w="med" len="med"/>
+                    </a:lnL>
+                    <a:lnR w="12700" cap="flat" cmpd="sng" algn="ctr">
+                      <a:solidFill>
+                        <a:schemeClr val="tx1"/>
+                      </a:solidFill>
+                      <a:prstDash val="solid"/>
+                      <a:round/>
+                      <a:headEnd type="none" w="med" len="med"/>
+                      <a:tailEnd type="none" w="med" len="med"/>
+                    </a:lnR>
+                    <a:lnT w="12700" cap="flat" cmpd="sng" algn="ctr">
+                      <a:solidFill>
+                        <a:schemeClr val="tx1"/>
+                      </a:solidFill>
+                      <a:prstDash val="solid"/>
+                      <a:round/>
+                      <a:headEnd type="none" w="med" len="med"/>
+                      <a:tailEnd type="none" w="med" len="med"/>
+                    </a:lnT>
+                    <a:lnB w="12700" cap="flat" cmpd="sng" algn="ctr">
+                      <a:solidFill>
+                        <a:schemeClr val="tx1"/>
+                      </a:solidFill>
+                      <a:prstDash val="solid"/>
+                      <a:round/>
+                      <a:headEnd type="none" w="med" len="med"/>
+                      <a:tailEnd type="none" w="med" len="med"/>
+                    </a:lnB>
+                  </a:tcPr>
+                </a:tc>
+              </a:tr>
+              <a:tr h="215878">
+                <a:tc vMerge="1">
+                  <a:txBody>
+                    <a:bodyPr/>
+                    <a:lstStyle/>
+                    <a:p>
+                      <a:endParaRPr lang="en-SG"/>
+                    </a:p>
+                  </a:txBody>
+                  <a:tcPr/>
+                </a:tc>
+                <a:tc>
+                  <a:txBody>
+                    <a:bodyPr/>
+                    <a:lstStyle/>
+                    <a:p>
+                      <a:r>
+                        <a:rPr lang="en-SG" sz="1400" smtClean="0"/>
+                        <a:t>Compartments</a:t>
+                      </a:r>
+                      <a:endParaRPr lang="en-SG" sz="1400"/>
+                    </a:p>
+                  </a:txBody>
+                  <a:tcPr>
+                    <a:lnL w="12700" cap="flat" cmpd="sng" algn="ctr">
+                      <a:solidFill>
+                        <a:schemeClr val="tx1"/>
+                      </a:solidFill>
+                      <a:prstDash val="solid"/>
+                      <a:round/>
+                      <a:headEnd type="none" w="med" len="med"/>
+                      <a:tailEnd type="none" w="med" len="med"/>
+                    </a:lnL>
+                    <a:lnR w="12700" cap="flat" cmpd="sng" algn="ctr">
+                      <a:solidFill>
+                        <a:schemeClr val="tx1"/>
+                      </a:solidFill>
+                      <a:prstDash val="solid"/>
+                      <a:round/>
+                      <a:headEnd type="none" w="med" len="med"/>
+                      <a:tailEnd type="none" w="med" len="med"/>
+                    </a:lnR>
+                    <a:lnT w="12700" cap="flat" cmpd="sng" algn="ctr">
+                      <a:solidFill>
+                        <a:schemeClr val="tx1"/>
+                      </a:solidFill>
+                      <a:prstDash val="solid"/>
+                      <a:round/>
+                      <a:headEnd type="none" w="med" len="med"/>
+                      <a:tailEnd type="none" w="med" len="med"/>
+                    </a:lnT>
+                    <a:lnB w="12700" cap="flat" cmpd="sng" algn="ctr">
+                      <a:solidFill>
+                        <a:schemeClr val="tx1"/>
+                      </a:solidFill>
+                      <a:prstDash val="solid"/>
+                      <a:round/>
+                      <a:headEnd type="none" w="med" len="med"/>
+                      <a:tailEnd type="none" w="med" len="med"/>
+                    </a:lnB>
+                  </a:tcPr>
+                </a:tc>
+                <a:tc>
+                  <a:txBody>
+                    <a:bodyPr/>
+                    <a:lstStyle/>
+                    <a:p>
+                      <a:r>
+                        <a:rPr lang="en-SG" sz="1400" smtClean="0"/>
+                        <a:t>Compartment</a:t>
+                      </a:r>
+                      <a:endParaRPr lang="en-SG" sz="1400"/>
+                    </a:p>
+                  </a:txBody>
+                  <a:tcPr>
+                    <a:lnL w="12700" cap="flat" cmpd="sng" algn="ctr">
+                      <a:solidFill>
+                        <a:schemeClr val="tx1"/>
+                      </a:solidFill>
+                      <a:prstDash val="solid"/>
+                      <a:round/>
+                      <a:headEnd type="none" w="med" len="med"/>
+                      <a:tailEnd type="none" w="med" len="med"/>
+                    </a:lnL>
+                    <a:lnR w="12700" cap="flat" cmpd="sng" algn="ctr">
+                      <a:solidFill>
+                        <a:schemeClr val="tx1"/>
+                      </a:solidFill>
+                      <a:prstDash val="solid"/>
+                      <a:round/>
+                      <a:headEnd type="none" w="med" len="med"/>
+                      <a:tailEnd type="none" w="med" len="med"/>
+                    </a:lnR>
+                    <a:lnT w="12700" cap="flat" cmpd="sng" algn="ctr">
+                      <a:solidFill>
+                        <a:schemeClr val="tx1"/>
+                      </a:solidFill>
+                      <a:prstDash val="solid"/>
+                      <a:round/>
+                      <a:headEnd type="none" w="med" len="med"/>
+                      <a:tailEnd type="none" w="med" len="med"/>
+                    </a:lnT>
+                    <a:lnB w="12700" cap="flat" cmpd="sng" algn="ctr">
+                      <a:solidFill>
+                        <a:schemeClr val="tx1"/>
+                      </a:solidFill>
+                      <a:prstDash val="solid"/>
+                      <a:round/>
+                      <a:headEnd type="none" w="med" len="med"/>
+                      <a:tailEnd type="none" w="med" len="med"/>
+                    </a:lnB>
+                  </a:tcPr>
+                </a:tc>
+                <a:tc>
+                  <a:txBody>
+                    <a:bodyPr/>
+                    <a:lstStyle/>
+                    <a:p>
+                      <a:r>
+                        <a:rPr lang="en-SG" sz="1400" smtClean="0"/>
+                        <a:t>Dun</a:t>
+                      </a:r>
+                      <a:endParaRPr lang="en-SG" sz="1400"/>
+                    </a:p>
+                  </a:txBody>
+                  <a:tcPr>
+                    <a:lnL w="12700" cap="flat" cmpd="sng" algn="ctr">
+                      <a:solidFill>
+                        <a:schemeClr val="tx1"/>
+                      </a:solidFill>
+                      <a:prstDash val="solid"/>
+                      <a:round/>
+                      <a:headEnd type="none" w="med" len="med"/>
+                      <a:tailEnd type="none" w="med" len="med"/>
+                    </a:lnL>
+                    <a:lnR w="12700" cap="flat" cmpd="sng" algn="ctr">
+                      <a:solidFill>
+                        <a:schemeClr val="tx1"/>
+                      </a:solidFill>
+                      <a:prstDash val="solid"/>
+                      <a:round/>
+                      <a:headEnd type="none" w="med" len="med"/>
+                      <a:tailEnd type="none" w="med" len="med"/>
+                    </a:lnR>
+                    <a:lnT w="12700" cap="flat" cmpd="sng" algn="ctr">
+                      <a:solidFill>
+                        <a:schemeClr val="tx1"/>
+                      </a:solidFill>
+                      <a:prstDash val="solid"/>
+                      <a:round/>
+                      <a:headEnd type="none" w="med" len="med"/>
+                      <a:tailEnd type="none" w="med" len="med"/>
+                    </a:lnT>
+                    <a:lnB w="12700" cap="flat" cmpd="sng" algn="ctr">
+                      <a:solidFill>
+                        <a:schemeClr val="tx1"/>
+                      </a:solidFill>
+                      <a:prstDash val="solid"/>
+                      <a:round/>
+                      <a:headEnd type="none" w="med" len="med"/>
+                      <a:tailEnd type="none" w="med" len="med"/>
+                    </a:lnB>
+                  </a:tcPr>
+                </a:tc>
+              </a:tr>
+              <a:tr h="215878">
+                <a:tc vMerge="1">
+                  <a:txBody>
+                    <a:bodyPr/>
+                    <a:lstStyle/>
+                    <a:p>
+                      <a:endParaRPr lang="en-SG"/>
+                    </a:p>
+                  </a:txBody>
+                  <a:tcPr/>
+                </a:tc>
+                <a:tc>
+                  <a:txBody>
+                    <a:bodyPr/>
+                    <a:lstStyle/>
+                    <a:p>
+                      <a:r>
+                        <a:rPr lang="en-SG" sz="1400" smtClean="0"/>
+                        <a:t>Spatial (Not implemented yet)</a:t>
+                      </a:r>
+                      <a:endParaRPr lang="en-SG" sz="1400"/>
+                    </a:p>
+                  </a:txBody>
+                  <a:tcPr>
+                    <a:lnL w="12700" cap="flat" cmpd="sng" algn="ctr">
+                      <a:solidFill>
+                        <a:schemeClr val="tx1"/>
+                      </a:solidFill>
+                      <a:prstDash val="solid"/>
+                      <a:round/>
+                      <a:headEnd type="none" w="med" len="med"/>
+                      <a:tailEnd type="none" w="med" len="med"/>
+                    </a:lnL>
+                    <a:lnR w="12700" cap="flat" cmpd="sng" algn="ctr">
+                      <a:solidFill>
+                        <a:schemeClr val="tx1"/>
+                      </a:solidFill>
+                      <a:prstDash val="solid"/>
+                      <a:round/>
+                      <a:headEnd type="none" w="med" len="med"/>
+                      <a:tailEnd type="none" w="med" len="med"/>
+                    </a:lnR>
+                    <a:lnT w="12700" cap="flat" cmpd="sng" algn="ctr">
+                      <a:solidFill>
+                        <a:schemeClr val="tx1"/>
+                      </a:solidFill>
+                      <a:prstDash val="solid"/>
+                      <a:round/>
+                      <a:headEnd type="none" w="med" len="med"/>
+                      <a:tailEnd type="none" w="med" len="med"/>
+                    </a:lnT>
+                    <a:lnB w="12700" cap="flat" cmpd="sng" algn="ctr">
+                      <a:solidFill>
+                        <a:schemeClr val="tx1"/>
+                      </a:solidFill>
+                      <a:prstDash val="solid"/>
+                      <a:round/>
+                      <a:headEnd type="none" w="med" len="med"/>
+                      <a:tailEnd type="none" w="med" len="med"/>
+                    </a:lnB>
+                  </a:tcPr>
+                </a:tc>
+                <a:tc>
+                  <a:txBody>
+                    <a:bodyPr/>
+                    <a:lstStyle/>
+                    <a:p>
+                      <a:r>
+                        <a:rPr lang="en-SG" sz="1400" smtClean="0"/>
+                        <a:t>Spatial:</a:t>
+                      </a:r>
+                      <a:r>
+                        <a:rPr lang="en-SG" sz="1400" baseline="0" smtClean="0"/>
+                        <a:t> </a:t>
+                      </a:r>
+                      <a:r>
+                        <a:rPr lang="en-SG" sz="1400" baseline="0" smtClean="0"/>
+                        <a:t>Geometry</a:t>
+                      </a:r>
+                      <a:endParaRPr lang="en-SG" sz="1400"/>
+                    </a:p>
+                  </a:txBody>
+                  <a:tcPr>
+                    <a:lnL w="12700" cap="flat" cmpd="sng" algn="ctr">
+                      <a:solidFill>
+                        <a:schemeClr val="tx1"/>
+                      </a:solidFill>
+                      <a:prstDash val="solid"/>
+                      <a:round/>
+                      <a:headEnd type="none" w="med" len="med"/>
+                      <a:tailEnd type="none" w="med" len="med"/>
+                    </a:lnL>
+                    <a:lnR w="12700" cap="flat" cmpd="sng" algn="ctr">
+                      <a:solidFill>
+                        <a:schemeClr val="tx1"/>
+                      </a:solidFill>
+                      <a:prstDash val="solid"/>
+                      <a:round/>
+                      <a:headEnd type="none" w="med" len="med"/>
+                      <a:tailEnd type="none" w="med" len="med"/>
+                    </a:lnR>
+                    <a:lnT w="12700" cap="flat" cmpd="sng" algn="ctr">
+                      <a:solidFill>
+                        <a:schemeClr val="tx1"/>
+                      </a:solidFill>
+                      <a:prstDash val="solid"/>
+                      <a:round/>
+                      <a:headEnd type="none" w="med" len="med"/>
+                      <a:tailEnd type="none" w="med" len="med"/>
+                    </a:lnT>
+                    <a:lnB w="12700" cap="flat" cmpd="sng" algn="ctr">
+                      <a:solidFill>
+                        <a:schemeClr val="tx1"/>
+                      </a:solidFill>
+                      <a:prstDash val="solid"/>
+                      <a:round/>
+                      <a:headEnd type="none" w="med" len="med"/>
+                      <a:tailEnd type="none" w="med" len="med"/>
+                    </a:lnB>
+                  </a:tcPr>
+                </a:tc>
+                <a:tc>
+                  <a:txBody>
+                    <a:bodyPr/>
+                    <a:lstStyle/>
+                    <a:p>
+                      <a:r>
+                        <a:rPr lang="en-SG" sz="1400" smtClean="0"/>
+                        <a:t>Dun</a:t>
+                      </a:r>
+                      <a:endParaRPr lang="en-SG" sz="1400"/>
+                    </a:p>
+                  </a:txBody>
+                  <a:tcPr>
+                    <a:lnL w="12700" cap="flat" cmpd="sng" algn="ctr">
+                      <a:solidFill>
+                        <a:schemeClr val="tx1"/>
+                      </a:solidFill>
+                      <a:prstDash val="solid"/>
+                      <a:round/>
+                      <a:headEnd type="none" w="med" len="med"/>
+                      <a:tailEnd type="none" w="med" len="med"/>
+                    </a:lnL>
+                    <a:lnR w="12700" cap="flat" cmpd="sng" algn="ctr">
+                      <a:solidFill>
+                        <a:schemeClr val="tx1"/>
+                      </a:solidFill>
+                      <a:prstDash val="solid"/>
+                      <a:round/>
+                      <a:headEnd type="none" w="med" len="med"/>
+                      <a:tailEnd type="none" w="med" len="med"/>
+                    </a:lnR>
+                    <a:lnT w="12700" cap="flat" cmpd="sng" algn="ctr">
+                      <a:solidFill>
+                        <a:schemeClr val="tx1"/>
+                      </a:solidFill>
+                      <a:prstDash val="solid"/>
+                      <a:round/>
+                      <a:headEnd type="none" w="med" len="med"/>
+                      <a:tailEnd type="none" w="med" len="med"/>
+                    </a:lnT>
+                    <a:lnB w="12700" cap="flat" cmpd="sng" algn="ctr">
+                      <a:solidFill>
+                        <a:schemeClr val="tx1"/>
+                      </a:solidFill>
+                      <a:prstDash val="solid"/>
+                      <a:round/>
+                      <a:headEnd type="none" w="med" len="med"/>
+                      <a:tailEnd type="none" w="med" len="med"/>
+                    </a:lnB>
+                  </a:tcPr>
+                </a:tc>
+              </a:tr>
+              <a:tr h="215878">
+                <a:tc vMerge="1">
+                  <a:txBody>
+                    <a:bodyPr/>
+                    <a:lstStyle/>
+                    <a:p>
+                      <a:endParaRPr lang="en-SG" sz="1400"/>
+                    </a:p>
+                  </a:txBody>
+                  <a:tcPr>
+                    <a:lnL w="12700" cap="flat" cmpd="sng" algn="ctr">
+                      <a:solidFill>
+                        <a:schemeClr val="tx1"/>
+                      </a:solidFill>
+                      <a:prstDash val="solid"/>
+                      <a:round/>
+                      <a:headEnd type="none" w="med" len="med"/>
+                      <a:tailEnd type="none" w="med" len="med"/>
+                    </a:lnL>
+                    <a:lnR w="12700" cap="flat" cmpd="sng" algn="ctr">
+                      <a:solidFill>
+                        <a:schemeClr val="tx1"/>
+                      </a:solidFill>
+                      <a:prstDash val="solid"/>
+                      <a:round/>
+                      <a:headEnd type="none" w="med" len="med"/>
+                      <a:tailEnd type="none" w="med" len="med"/>
+                    </a:lnR>
+                    <a:lnT w="12700" cap="flat" cmpd="sng" algn="ctr">
+                      <a:solidFill>
+                        <a:schemeClr val="tx1"/>
+                      </a:solidFill>
+                      <a:prstDash val="solid"/>
+                      <a:round/>
+                      <a:headEnd type="none" w="med" len="med"/>
+                      <a:tailEnd type="none" w="med" len="med"/>
+                    </a:lnT>
+                    <a:lnB w="12700" cap="flat" cmpd="sng" algn="ctr">
+                      <a:solidFill>
+                        <a:schemeClr val="tx1"/>
+                      </a:solidFill>
+                      <a:prstDash val="solid"/>
+                      <a:round/>
+                      <a:headEnd type="none" w="med" len="med"/>
+                      <a:tailEnd type="none" w="med" len="med"/>
+                    </a:lnB>
+                  </a:tcPr>
+                </a:tc>
+                <a:tc>
+                  <a:txBody>
+                    <a:bodyPr/>
+                    <a:lstStyle/>
+                    <a:p>
+                      <a:r>
+                        <a:rPr lang="en-SG" sz="1400" smtClean="0"/>
+                        <a:t>GeneProduct</a:t>
+                      </a:r>
+                      <a:endParaRPr lang="en-SG" sz="1400"/>
+                    </a:p>
+                  </a:txBody>
+                  <a:tcPr>
+                    <a:lnL w="12700" cap="flat" cmpd="sng" algn="ctr">
+                      <a:solidFill>
+                        <a:schemeClr val="tx1"/>
+                      </a:solidFill>
+                      <a:prstDash val="solid"/>
+                      <a:round/>
+                      <a:headEnd type="none" w="med" len="med"/>
+                      <a:tailEnd type="none" w="med" len="med"/>
+                    </a:lnL>
+                    <a:lnR w="12700" cap="flat" cmpd="sng" algn="ctr">
+                      <a:solidFill>
+                        <a:schemeClr val="tx1"/>
+                      </a:solidFill>
+                      <a:prstDash val="solid"/>
+                      <a:round/>
+                      <a:headEnd type="none" w="med" len="med"/>
+                      <a:tailEnd type="none" w="med" len="med"/>
+                    </a:lnR>
+                    <a:lnT w="12700" cap="flat" cmpd="sng" algn="ctr">
+                      <a:solidFill>
+                        <a:schemeClr val="tx1"/>
+                      </a:solidFill>
+                      <a:prstDash val="solid"/>
+                      <a:round/>
+                      <a:headEnd type="none" w="med" len="med"/>
+                      <a:tailEnd type="none" w="med" len="med"/>
+                    </a:lnT>
+                    <a:lnB w="12700" cap="flat" cmpd="sng" algn="ctr">
+                      <a:solidFill>
+                        <a:schemeClr val="tx1"/>
+                      </a:solidFill>
+                      <a:prstDash val="solid"/>
+                      <a:round/>
+                      <a:headEnd type="none" w="med" len="med"/>
+                      <a:tailEnd type="none" w="med" len="med"/>
+                    </a:lnB>
+                  </a:tcPr>
+                </a:tc>
+                <a:tc>
+                  <a:txBody>
+                    <a:bodyPr/>
+                    <a:lstStyle/>
+                    <a:p>
+                      <a:r>
+                        <a:rPr lang="en-SG" sz="1400" smtClean="0"/>
+                        <a:t>FBC: GeneProduct</a:t>
+                      </a:r>
+                      <a:endParaRPr lang="en-SG" sz="1400"/>
+                    </a:p>
+                  </a:txBody>
+                  <a:tcPr>
+                    <a:lnL w="12700" cap="flat" cmpd="sng" algn="ctr">
+                      <a:solidFill>
+                        <a:schemeClr val="tx1"/>
+                      </a:solidFill>
+                      <a:prstDash val="solid"/>
+                      <a:round/>
+                      <a:headEnd type="none" w="med" len="med"/>
+                      <a:tailEnd type="none" w="med" len="med"/>
+                    </a:lnL>
+                    <a:lnR w="12700" cap="flat" cmpd="sng" algn="ctr">
+                      <a:solidFill>
+                        <a:schemeClr val="tx1"/>
+                      </a:solidFill>
+                      <a:prstDash val="solid"/>
+                      <a:round/>
+                      <a:headEnd type="none" w="med" len="med"/>
+                      <a:tailEnd type="none" w="med" len="med"/>
+                    </a:lnR>
+                    <a:lnT w="12700" cap="flat" cmpd="sng" algn="ctr">
+                      <a:solidFill>
+                        <a:schemeClr val="tx1"/>
+                      </a:solidFill>
+                      <a:prstDash val="solid"/>
+                      <a:round/>
+                      <a:headEnd type="none" w="med" len="med"/>
+                      <a:tailEnd type="none" w="med" len="med"/>
+                    </a:lnT>
+                    <a:lnB w="12700" cap="flat" cmpd="sng" algn="ctr">
+                      <a:solidFill>
+                        <a:schemeClr val="tx1"/>
+                      </a:solidFill>
+                      <a:prstDash val="solid"/>
+                      <a:round/>
+                      <a:headEnd type="none" w="med" len="med"/>
+                      <a:tailEnd type="none" w="med" len="med"/>
+                    </a:lnB>
+                  </a:tcPr>
+                </a:tc>
+                <a:tc>
+                  <a:txBody>
+                    <a:bodyPr/>
+                    <a:lstStyle/>
+                    <a:p>
+                      <a:r>
+                        <a:rPr lang="en-SG" sz="1400" smtClean="0"/>
+                        <a:t>Dun</a:t>
+                      </a:r>
+                      <a:endParaRPr lang="en-SG" sz="1400"/>
+                    </a:p>
+                  </a:txBody>
+                  <a:tcPr>
+                    <a:lnL w="12700" cap="flat" cmpd="sng" algn="ctr">
+                      <a:solidFill>
+                        <a:schemeClr val="tx1"/>
+                      </a:solidFill>
+                      <a:prstDash val="solid"/>
+                      <a:round/>
+                      <a:headEnd type="none" w="med" len="med"/>
+                      <a:tailEnd type="none" w="med" len="med"/>
+                    </a:lnL>
+                    <a:lnR w="12700" cap="flat" cmpd="sng" algn="ctr">
+                      <a:solidFill>
+                        <a:schemeClr val="tx1"/>
+                      </a:solidFill>
+                      <a:prstDash val="solid"/>
+                      <a:round/>
+                      <a:headEnd type="none" w="med" len="med"/>
+                      <a:tailEnd type="none" w="med" len="med"/>
+                    </a:lnR>
+                    <a:lnT w="12700" cap="flat" cmpd="sng" algn="ctr">
+                      <a:solidFill>
+                        <a:schemeClr val="tx1"/>
+                      </a:solidFill>
+                      <a:prstDash val="solid"/>
+                      <a:round/>
+                      <a:headEnd type="none" w="med" len="med"/>
+                      <a:tailEnd type="none" w="med" len="med"/>
+                    </a:lnT>
+                    <a:lnB w="12700" cap="flat" cmpd="sng" algn="ctr">
+                      <a:solidFill>
+                        <a:schemeClr val="tx1"/>
+                      </a:solidFill>
+                      <a:prstDash val="solid"/>
+                      <a:round/>
+                      <a:headEnd type="none" w="med" len="med"/>
+                      <a:tailEnd type="none" w="med" len="med"/>
+                    </a:lnB>
+                  </a:tcPr>
+                </a:tc>
+              </a:tr>
+              <a:tr h="215878">
+                <a:tc rowSpan="6">
+                  <a:txBody>
+                    <a:bodyPr/>
+                    <a:lstStyle/>
+                    <a:p>
+                      <a:r>
+                        <a:rPr lang="en-SG" sz="1400" smtClean="0"/>
+                        <a:t>Analysis</a:t>
+                      </a:r>
+                      <a:r>
+                        <a:rPr lang="en-SG" sz="1400" baseline="0" smtClean="0"/>
+                        <a:t> settings </a:t>
+                      </a:r>
+                      <a:endParaRPr lang="en-SG" sz="1400"/>
+                    </a:p>
+                  </a:txBody>
+                  <a:tcPr>
+                    <a:lnL w="12700" cap="flat" cmpd="sng" algn="ctr">
+                      <a:solidFill>
+                        <a:schemeClr val="tx1"/>
+                      </a:solidFill>
+                      <a:prstDash val="solid"/>
+                      <a:round/>
+                      <a:headEnd type="none" w="med" len="med"/>
+                      <a:tailEnd type="none" w="med" len="med"/>
+                    </a:lnL>
+                    <a:lnR w="12700" cap="flat" cmpd="sng" algn="ctr">
+                      <a:solidFill>
+                        <a:schemeClr val="tx1"/>
+                      </a:solidFill>
+                      <a:prstDash val="solid"/>
+                      <a:round/>
+                      <a:headEnd type="none" w="med" len="med"/>
+                      <a:tailEnd type="none" w="med" len="med"/>
+                    </a:lnR>
+                    <a:lnT w="12700" cap="flat" cmpd="sng" algn="ctr">
+                      <a:solidFill>
+                        <a:schemeClr val="tx1"/>
+                      </a:solidFill>
+                      <a:prstDash val="solid"/>
+                      <a:round/>
+                      <a:headEnd type="none" w="med" len="med"/>
+                      <a:tailEnd type="none" w="med" len="med"/>
+                    </a:lnT>
+                    <a:lnB w="12700" cap="flat" cmpd="sng" algn="ctr">
+                      <a:solidFill>
+                        <a:schemeClr val="tx1"/>
+                      </a:solidFill>
+                      <a:prstDash val="solid"/>
+                      <a:round/>
+                      <a:headEnd type="none" w="med" len="med"/>
+                      <a:tailEnd type="none" w="med" len="med"/>
+                    </a:lnB>
+                  </a:tcPr>
+                </a:tc>
+                <a:tc>
+                  <a:txBody>
+                    <a:bodyPr/>
+                    <a:lstStyle/>
+                    <a:p>
+                      <a:r>
+                        <a:rPr lang="en-SG" sz="1400" smtClean="0"/>
+                        <a:t>Optimize</a:t>
+                      </a:r>
+                      <a:endParaRPr lang="en-SG" sz="1400"/>
+                    </a:p>
+                  </a:txBody>
+                  <a:tcPr>
+                    <a:lnL w="12700" cap="flat" cmpd="sng" algn="ctr">
+                      <a:solidFill>
+                        <a:schemeClr val="tx1"/>
+                      </a:solidFill>
+                      <a:prstDash val="solid"/>
+                      <a:round/>
+                      <a:headEnd type="none" w="med" len="med"/>
+                      <a:tailEnd type="none" w="med" len="med"/>
+                    </a:lnL>
+                    <a:lnR w="12700" cap="flat" cmpd="sng" algn="ctr">
+                      <a:solidFill>
+                        <a:schemeClr val="tx1"/>
+                      </a:solidFill>
+                      <a:prstDash val="solid"/>
+                      <a:round/>
+                      <a:headEnd type="none" w="med" len="med"/>
+                      <a:tailEnd type="none" w="med" len="med"/>
+                    </a:lnR>
+                    <a:lnT w="12700" cap="flat" cmpd="sng" algn="ctr">
+                      <a:solidFill>
+                        <a:schemeClr val="tx1"/>
+                      </a:solidFill>
+                      <a:prstDash val="solid"/>
+                      <a:round/>
+                      <a:headEnd type="none" w="med" len="med"/>
+                      <a:tailEnd type="none" w="med" len="med"/>
+                    </a:lnT>
+                    <a:lnB w="12700" cap="flat" cmpd="sng" algn="ctr">
+                      <a:solidFill>
+                        <a:schemeClr val="tx1"/>
+                      </a:solidFill>
+                      <a:prstDash val="solid"/>
+                      <a:round/>
+                      <a:headEnd type="none" w="med" len="med"/>
+                      <a:tailEnd type="none" w="med" len="med"/>
+                    </a:lnB>
+                  </a:tcPr>
+                </a:tc>
+                <a:tc>
+                  <a:txBody>
+                    <a:bodyPr/>
+                    <a:lstStyle/>
+                    <a:p>
+                      <a:r>
+                        <a:rPr lang="en-SG" sz="1400" smtClean="0"/>
+                        <a:t>FBC: FluxObjective</a:t>
+                      </a:r>
+                      <a:endParaRPr lang="en-SG" sz="1400"/>
+                    </a:p>
+                  </a:txBody>
+                  <a:tcPr>
+                    <a:lnL w="12700" cap="flat" cmpd="sng" algn="ctr">
+                      <a:solidFill>
+                        <a:schemeClr val="tx1"/>
+                      </a:solidFill>
+                      <a:prstDash val="solid"/>
+                      <a:round/>
+                      <a:headEnd type="none" w="med" len="med"/>
+                      <a:tailEnd type="none" w="med" len="med"/>
+                    </a:lnL>
+                    <a:lnR w="12700" cap="flat" cmpd="sng" algn="ctr">
+                      <a:solidFill>
+                        <a:schemeClr val="tx1"/>
+                      </a:solidFill>
+                      <a:prstDash val="solid"/>
+                      <a:round/>
+                      <a:headEnd type="none" w="med" len="med"/>
+                      <a:tailEnd type="none" w="med" len="med"/>
+                    </a:lnR>
+                    <a:lnT w="12700" cap="flat" cmpd="sng" algn="ctr">
+                      <a:solidFill>
+                        <a:schemeClr val="tx1"/>
+                      </a:solidFill>
+                      <a:prstDash val="solid"/>
+                      <a:round/>
+                      <a:headEnd type="none" w="med" len="med"/>
+                      <a:tailEnd type="none" w="med" len="med"/>
+                    </a:lnT>
+                    <a:lnB w="12700" cap="flat" cmpd="sng" algn="ctr">
+                      <a:solidFill>
+                        <a:schemeClr val="tx1"/>
+                      </a:solidFill>
+                      <a:prstDash val="solid"/>
+                      <a:round/>
+                      <a:headEnd type="none" w="med" len="med"/>
+                      <a:tailEnd type="none" w="med" len="med"/>
+                    </a:lnB>
+                  </a:tcPr>
+                </a:tc>
+                <a:tc>
+                  <a:txBody>
+                    <a:bodyPr/>
+                    <a:lstStyle/>
+                    <a:p>
+                      <a:r>
+                        <a:rPr lang="en-SG" sz="1400" smtClean="0"/>
+                        <a:t>Dun</a:t>
+                      </a:r>
+                      <a:endParaRPr lang="en-SG" sz="1400"/>
+                    </a:p>
+                  </a:txBody>
+                  <a:tcPr>
+                    <a:lnL w="12700" cap="flat" cmpd="sng" algn="ctr">
+                      <a:solidFill>
+                        <a:schemeClr val="tx1"/>
+                      </a:solidFill>
+                      <a:prstDash val="solid"/>
+                      <a:round/>
+                      <a:headEnd type="none" w="med" len="med"/>
+                      <a:tailEnd type="none" w="med" len="med"/>
+                    </a:lnL>
+                    <a:lnR w="12700" cap="flat" cmpd="sng" algn="ctr">
+                      <a:solidFill>
+                        <a:schemeClr val="tx1"/>
+                      </a:solidFill>
+                      <a:prstDash val="solid"/>
+                      <a:round/>
+                      <a:headEnd type="none" w="med" len="med"/>
+                      <a:tailEnd type="none" w="med" len="med"/>
+                    </a:lnR>
+                    <a:lnT w="12700" cap="flat" cmpd="sng" algn="ctr">
+                      <a:solidFill>
+                        <a:schemeClr val="tx1"/>
+                      </a:solidFill>
+                      <a:prstDash val="solid"/>
+                      <a:round/>
+                      <a:headEnd type="none" w="med" len="med"/>
+                      <a:tailEnd type="none" w="med" len="med"/>
+                    </a:lnT>
+                    <a:lnB w="12700" cap="flat" cmpd="sng" algn="ctr">
+                      <a:solidFill>
+                        <a:schemeClr val="tx1"/>
+                      </a:solidFill>
+                      <a:prstDash val="solid"/>
+                      <a:round/>
+                      <a:headEnd type="none" w="med" len="med"/>
+                      <a:tailEnd type="none" w="med" len="med"/>
+                    </a:lnB>
+                  </a:tcPr>
+                </a:tc>
+              </a:tr>
+              <a:tr h="407503">
+                <a:tc vMerge="1">
+                  <a:txBody>
+                    <a:bodyPr/>
+                    <a:lstStyle/>
+                    <a:p>
+                      <a:endParaRPr lang="en-SG" sz="1400"/>
+                    </a:p>
+                  </a:txBody>
+                  <a:tcPr>
+                    <a:lnL w="12700" cap="flat" cmpd="sng" algn="ctr">
+                      <a:solidFill>
+                        <a:schemeClr val="tx1"/>
+                      </a:solidFill>
+                      <a:prstDash val="solid"/>
+                      <a:round/>
+                      <a:headEnd type="none" w="med" len="med"/>
+                      <a:tailEnd type="none" w="med" len="med"/>
+                    </a:lnL>
+                    <a:lnR w="12700" cap="flat" cmpd="sng" algn="ctr">
+                      <a:solidFill>
+                        <a:schemeClr val="tx1"/>
+                      </a:solidFill>
+                      <a:prstDash val="solid"/>
+                      <a:round/>
+                      <a:headEnd type="none" w="med" len="med"/>
+                      <a:tailEnd type="none" w="med" len="med"/>
+                    </a:lnR>
+                    <a:lnT w="12700" cap="flat" cmpd="sng" algn="ctr">
+                      <a:solidFill>
+                        <a:schemeClr val="tx1"/>
+                      </a:solidFill>
+                      <a:prstDash val="solid"/>
+                      <a:round/>
+                      <a:headEnd type="none" w="med" len="med"/>
+                      <a:tailEnd type="none" w="med" len="med"/>
+                    </a:lnT>
+                    <a:lnB w="12700" cap="flat" cmpd="sng" algn="ctr">
+                      <a:solidFill>
+                        <a:schemeClr val="tx1"/>
+                      </a:solidFill>
+                      <a:prstDash val="solid"/>
+                      <a:round/>
+                      <a:headEnd type="none" w="med" len="med"/>
+                      <a:tailEnd type="none" w="med" len="med"/>
+                    </a:lnB>
+                  </a:tcPr>
+                </a:tc>
+                <a:tc>
+                  <a:txBody>
+                    <a:bodyPr/>
+                    <a:lstStyle/>
+                    <a:p>
+                      <a:pPr marL="0" indent="0">
+                        <a:buFont typeface="Arial" panose="020B0604020202020204" pitchFamily="34" charset="0"/>
+                        <a:buNone/>
+                      </a:pPr>
+                      <a:r>
+                        <a:rPr lang="en-SG" sz="1400" smtClean="0"/>
+                        <a:t>Exv</a:t>
+                      </a:r>
+                    </a:p>
+                  </a:txBody>
+                  <a:tcPr>
+                    <a:lnL w="12700" cap="flat" cmpd="sng" algn="ctr">
+                      <a:solidFill>
+                        <a:schemeClr val="tx1"/>
+                      </a:solidFill>
+                      <a:prstDash val="solid"/>
+                      <a:round/>
+                      <a:headEnd type="none" w="med" len="med"/>
+                      <a:tailEnd type="none" w="med" len="med"/>
+                    </a:lnL>
+                    <a:lnR w="12700" cap="flat" cmpd="sng" algn="ctr">
+                      <a:solidFill>
+                        <a:schemeClr val="tx1"/>
+                      </a:solidFill>
+                      <a:prstDash val="solid"/>
+                      <a:round/>
+                      <a:headEnd type="none" w="med" len="med"/>
+                      <a:tailEnd type="none" w="med" len="med"/>
+                    </a:lnR>
+                    <a:lnT w="12700" cap="flat" cmpd="sng" algn="ctr">
+                      <a:solidFill>
+                        <a:schemeClr val="tx1"/>
+                      </a:solidFill>
+                      <a:prstDash val="solid"/>
+                      <a:round/>
+                      <a:headEnd type="none" w="med" len="med"/>
+                      <a:tailEnd type="none" w="med" len="med"/>
+                    </a:lnT>
+                    <a:lnB w="12700" cap="flat" cmpd="sng" algn="ctr">
+                      <a:solidFill>
+                        <a:schemeClr val="tx1"/>
+                      </a:solidFill>
+                      <a:prstDash val="solid"/>
+                      <a:round/>
+                      <a:headEnd type="none" w="med" len="med"/>
+                      <a:tailEnd type="none" w="med" len="med"/>
+                    </a:lnB>
+                    <a:lnTlToBr w="12700" cmpd="sng">
+                      <a:noFill/>
+                      <a:prstDash val="solid"/>
+                    </a:lnTlToBr>
+                    <a:lnBlToTr w="12700" cmpd="sng">
+                      <a:noFill/>
+                      <a:prstDash val="solid"/>
+                    </a:lnBlToTr>
+                  </a:tcPr>
+                </a:tc>
+                <a:tc>
+                  <a:txBody>
+                    <a:bodyPr/>
+                    <a:lstStyle/>
+                    <a:p>
+                      <a:pPr marL="0" indent="0">
+                        <a:buFont typeface="Arial" panose="020B0604020202020204" pitchFamily="34" charset="0"/>
+                        <a:buNone/>
+                      </a:pPr>
+                      <a:r>
+                        <a:rPr lang="en-SG" sz="1400" smtClean="0"/>
+                        <a:t>NA</a:t>
+                      </a:r>
+                    </a:p>
+                  </a:txBody>
+                  <a:tcPr>
+                    <a:lnL w="12700" cap="flat" cmpd="sng" algn="ctr">
+                      <a:solidFill>
+                        <a:schemeClr val="tx1"/>
+                      </a:solidFill>
+                      <a:prstDash val="solid"/>
+                      <a:round/>
+                      <a:headEnd type="none" w="med" len="med"/>
+                      <a:tailEnd type="none" w="med" len="med"/>
+                    </a:lnL>
+                    <a:lnR w="12700" cap="flat" cmpd="sng" algn="ctr">
+                      <a:solidFill>
+                        <a:schemeClr val="tx1"/>
+                      </a:solidFill>
+                      <a:prstDash val="solid"/>
+                      <a:round/>
+                      <a:headEnd type="none" w="med" len="med"/>
+                      <a:tailEnd type="none" w="med" len="med"/>
+                    </a:lnR>
+                    <a:lnT w="12700" cap="flat" cmpd="sng" algn="ctr">
+                      <a:solidFill>
+                        <a:schemeClr val="tx1"/>
+                      </a:solidFill>
+                      <a:prstDash val="solid"/>
+                      <a:round/>
+                      <a:headEnd type="none" w="med" len="med"/>
+                      <a:tailEnd type="none" w="med" len="med"/>
+                    </a:lnT>
+                    <a:lnB w="12700" cap="flat" cmpd="sng" algn="ctr">
+                      <a:solidFill>
+                        <a:schemeClr val="tx1"/>
+                      </a:solidFill>
+                      <a:prstDash val="solid"/>
+                      <a:round/>
+                      <a:headEnd type="none" w="med" len="med"/>
+                      <a:tailEnd type="none" w="med" len="med"/>
+                    </a:lnB>
+                    <a:lnTlToBr w="12700" cmpd="sng">
+                      <a:noFill/>
+                      <a:prstDash val="solid"/>
+                    </a:lnTlToBr>
+                    <a:lnBlToTr w="12700" cmpd="sng">
+                      <a:noFill/>
+                      <a:prstDash val="solid"/>
+                    </a:lnBlToTr>
+                  </a:tcPr>
+                </a:tc>
+                <a:tc>
+                  <a:txBody>
+                    <a:bodyPr/>
+                    <a:lstStyle/>
+                    <a:p>
+                      <a:pPr marL="0" indent="0">
+                        <a:buFont typeface="Arial" panose="020B0604020202020204" pitchFamily="34" charset="0"/>
+                        <a:buNone/>
+                      </a:pPr>
+                      <a:r>
+                        <a:rPr lang="en-SG" sz="1400" smtClean="0"/>
+                        <a:t>Py</a:t>
+                      </a:r>
+                    </a:p>
+                  </a:txBody>
+                  <a:tcPr>
+                    <a:lnL w="12700" cap="flat" cmpd="sng" algn="ctr">
+                      <a:solidFill>
+                        <a:schemeClr val="tx1"/>
+                      </a:solidFill>
+                      <a:prstDash val="solid"/>
+                      <a:round/>
+                      <a:headEnd type="none" w="med" len="med"/>
+                      <a:tailEnd type="none" w="med" len="med"/>
+                    </a:lnL>
+                    <a:lnR w="12700" cap="flat" cmpd="sng" algn="ctr">
+                      <a:solidFill>
+                        <a:schemeClr val="tx1"/>
+                      </a:solidFill>
+                      <a:prstDash val="solid"/>
+                      <a:round/>
+                      <a:headEnd type="none" w="med" len="med"/>
+                      <a:tailEnd type="none" w="med" len="med"/>
+                    </a:lnR>
+                    <a:lnT w="12700" cap="flat" cmpd="sng" algn="ctr">
+                      <a:solidFill>
+                        <a:schemeClr val="tx1"/>
+                      </a:solidFill>
+                      <a:prstDash val="solid"/>
+                      <a:round/>
+                      <a:headEnd type="none" w="med" len="med"/>
+                      <a:tailEnd type="none" w="med" len="med"/>
+                    </a:lnT>
+                    <a:lnB w="12700" cap="flat" cmpd="sng" algn="ctr">
+                      <a:solidFill>
+                        <a:schemeClr val="tx1"/>
+                      </a:solidFill>
+                      <a:prstDash val="solid"/>
+                      <a:round/>
+                      <a:headEnd type="none" w="med" len="med"/>
+                      <a:tailEnd type="none" w="med" len="med"/>
+                    </a:lnB>
+                    <a:lnTlToBr w="12700" cmpd="sng">
+                      <a:noFill/>
+                      <a:prstDash val="solid"/>
+                    </a:lnTlToBr>
+                    <a:lnBlToTr w="12700" cmpd="sng">
+                      <a:noFill/>
+                      <a:prstDash val="solid"/>
+                    </a:lnBlToTr>
+                  </a:tcPr>
+                </a:tc>
+              </a:tr>
+              <a:tr h="407503">
+                <a:tc vMerge="1">
+                  <a:txBody>
+                    <a:bodyPr/>
+                    <a:lstStyle/>
+                    <a:p>
+                      <a:endParaRPr lang="en-SG"/>
+                    </a:p>
+                  </a:txBody>
+                  <a:tcPr/>
+                </a:tc>
+                <a:tc>
+                  <a:txBody>
+                    <a:bodyPr/>
+                    <a:lstStyle/>
+                    <a:p>
+                      <a:pPr marL="0" indent="0">
+                        <a:buFont typeface="Arial" panose="020B0604020202020204" pitchFamily="34" charset="0"/>
+                        <a:buNone/>
+                      </a:pPr>
+                      <a:r>
+                        <a:rPr lang="en-SG" sz="1400" smtClean="0"/>
+                        <a:t>Cf_iterations</a:t>
+                      </a:r>
+                    </a:p>
+                  </a:txBody>
+                  <a:tcPr>
+                    <a:lnL w="12700" cap="flat" cmpd="sng" algn="ctr">
+                      <a:solidFill>
+                        <a:schemeClr val="tx1"/>
+                      </a:solidFill>
+                      <a:prstDash val="solid"/>
+                      <a:round/>
+                      <a:headEnd type="none" w="med" len="med"/>
+                      <a:tailEnd type="none" w="med" len="med"/>
+                    </a:lnL>
+                    <a:lnR w="12700" cap="flat" cmpd="sng" algn="ctr">
+                      <a:solidFill>
+                        <a:schemeClr val="tx1"/>
+                      </a:solidFill>
+                      <a:prstDash val="solid"/>
+                      <a:round/>
+                      <a:headEnd type="none" w="med" len="med"/>
+                      <a:tailEnd type="none" w="med" len="med"/>
+                    </a:lnR>
+                    <a:lnT w="12700" cap="flat" cmpd="sng" algn="ctr">
+                      <a:solidFill>
+                        <a:schemeClr val="tx1"/>
+                      </a:solidFill>
+                      <a:prstDash val="solid"/>
+                      <a:round/>
+                      <a:headEnd type="none" w="med" len="med"/>
+                      <a:tailEnd type="none" w="med" len="med"/>
+                    </a:lnT>
+                    <a:lnB w="12700" cap="flat" cmpd="sng" algn="ctr">
+                      <a:solidFill>
+                        <a:schemeClr val="tx1"/>
+                      </a:solidFill>
+                      <a:prstDash val="solid"/>
+                      <a:round/>
+                      <a:headEnd type="none" w="med" len="med"/>
+                      <a:tailEnd type="none" w="med" len="med"/>
+                    </a:lnB>
+                    <a:lnTlToBr w="12700" cmpd="sng">
+                      <a:noFill/>
+                      <a:prstDash val="solid"/>
+                    </a:lnTlToBr>
+                    <a:lnBlToTr w="12700" cmpd="sng">
+                      <a:noFill/>
+                      <a:prstDash val="solid"/>
+                    </a:lnBlToTr>
+                  </a:tcPr>
+                </a:tc>
+                <a:tc>
+                  <a:txBody>
+                    <a:bodyPr/>
+                    <a:lstStyle/>
+                    <a:p>
+                      <a:pPr marL="0" indent="0">
+                        <a:buFont typeface="Arial" panose="020B0604020202020204" pitchFamily="34" charset="0"/>
+                        <a:buNone/>
+                      </a:pPr>
+                      <a:r>
+                        <a:rPr lang="en-SG" sz="1400" smtClean="0"/>
+                        <a:t>NA</a:t>
+                      </a:r>
+                    </a:p>
+                  </a:txBody>
+                  <a:tcPr>
+                    <a:lnL w="12700" cap="flat" cmpd="sng" algn="ctr">
+                      <a:solidFill>
+                        <a:schemeClr val="tx1"/>
+                      </a:solidFill>
+                      <a:prstDash val="solid"/>
+                      <a:round/>
+                      <a:headEnd type="none" w="med" len="med"/>
+                      <a:tailEnd type="none" w="med" len="med"/>
+                    </a:lnL>
+                    <a:lnR w="12700" cap="flat" cmpd="sng" algn="ctr">
+                      <a:solidFill>
+                        <a:schemeClr val="tx1"/>
+                      </a:solidFill>
+                      <a:prstDash val="solid"/>
+                      <a:round/>
+                      <a:headEnd type="none" w="med" len="med"/>
+                      <a:tailEnd type="none" w="med" len="med"/>
+                    </a:lnR>
+                    <a:lnT w="12700" cap="flat" cmpd="sng" algn="ctr">
+                      <a:solidFill>
+                        <a:schemeClr val="tx1"/>
+                      </a:solidFill>
+                      <a:prstDash val="solid"/>
+                      <a:round/>
+                      <a:headEnd type="none" w="med" len="med"/>
+                      <a:tailEnd type="none" w="med" len="med"/>
+                    </a:lnT>
+                    <a:lnB w="12700" cap="flat" cmpd="sng" algn="ctr">
+                      <a:solidFill>
+                        <a:schemeClr val="tx1"/>
+                      </a:solidFill>
+                      <a:prstDash val="solid"/>
+                      <a:round/>
+                      <a:headEnd type="none" w="med" len="med"/>
+                      <a:tailEnd type="none" w="med" len="med"/>
+                    </a:lnB>
+                    <a:lnTlToBr w="12700" cmpd="sng">
+                      <a:noFill/>
+                      <a:prstDash val="solid"/>
+                    </a:lnTlToBr>
+                    <a:lnBlToTr w="12700" cmpd="sng">
+                      <a:noFill/>
+                      <a:prstDash val="solid"/>
+                    </a:lnBlToTr>
+                  </a:tcPr>
+                </a:tc>
+                <a:tc>
+                  <a:txBody>
+                    <a:bodyPr/>
+                    <a:lstStyle/>
+                    <a:p>
+                      <a:pPr marL="0" indent="0">
+                        <a:buFont typeface="Arial" panose="020B0604020202020204" pitchFamily="34" charset="0"/>
+                        <a:buNone/>
+                      </a:pPr>
+                      <a:r>
+                        <a:rPr lang="en-SG" sz="1400" smtClean="0"/>
+                        <a:t>Dun</a:t>
+                      </a:r>
+                    </a:p>
+                  </a:txBody>
+                  <a:tcPr>
+                    <a:lnL w="12700" cap="flat" cmpd="sng" algn="ctr">
+                      <a:solidFill>
+                        <a:schemeClr val="tx1"/>
+                      </a:solidFill>
+                      <a:prstDash val="solid"/>
+                      <a:round/>
+                      <a:headEnd type="none" w="med" len="med"/>
+                      <a:tailEnd type="none" w="med" len="med"/>
+                    </a:lnL>
+                    <a:lnR w="12700" cap="flat" cmpd="sng" algn="ctr">
+                      <a:solidFill>
+                        <a:schemeClr val="tx1"/>
+                      </a:solidFill>
+                      <a:prstDash val="solid"/>
+                      <a:round/>
+                      <a:headEnd type="none" w="med" len="med"/>
+                      <a:tailEnd type="none" w="med" len="med"/>
+                    </a:lnR>
+                    <a:lnT w="12700" cap="flat" cmpd="sng" algn="ctr">
+                      <a:solidFill>
+                        <a:schemeClr val="tx1"/>
+                      </a:solidFill>
+                      <a:prstDash val="solid"/>
+                      <a:round/>
+                      <a:headEnd type="none" w="med" len="med"/>
+                      <a:tailEnd type="none" w="med" len="med"/>
+                    </a:lnT>
+                    <a:lnB w="12700" cap="flat" cmpd="sng" algn="ctr">
+                      <a:solidFill>
+                        <a:schemeClr val="tx1"/>
+                      </a:solidFill>
+                      <a:prstDash val="solid"/>
+                      <a:round/>
+                      <a:headEnd type="none" w="med" len="med"/>
+                      <a:tailEnd type="none" w="med" len="med"/>
+                    </a:lnB>
+                    <a:lnTlToBr w="12700" cmpd="sng">
+                      <a:noFill/>
+                      <a:prstDash val="solid"/>
+                    </a:lnTlToBr>
+                    <a:lnBlToTr w="12700" cmpd="sng">
+                      <a:noFill/>
+                      <a:prstDash val="solid"/>
+                    </a:lnBlToTr>
+                  </a:tcPr>
+                </a:tc>
+              </a:tr>
+              <a:tr h="407502">
+                <a:tc vMerge="1">
+                  <a:txBody>
+                    <a:bodyPr/>
+                    <a:lstStyle/>
+                    <a:p>
+                      <a:endParaRPr lang="en-SG"/>
+                    </a:p>
+                  </a:txBody>
+                  <a:tcPr/>
+                </a:tc>
+                <a:tc>
+                  <a:txBody>
+                    <a:bodyPr/>
+                    <a:lstStyle/>
+                    <a:p>
+                      <a:pPr marL="0" indent="0">
+                        <a:buFont typeface="Arial" panose="020B0604020202020204" pitchFamily="34" charset="0"/>
+                        <a:buNone/>
+                      </a:pPr>
+                      <a:r>
+                        <a:rPr lang="en-SG" sz="1400" smtClean="0"/>
+                        <a:t>Priors</a:t>
+                      </a:r>
+                    </a:p>
+                  </a:txBody>
+                  <a:tcPr>
+                    <a:lnL w="12700" cap="flat" cmpd="sng" algn="ctr">
+                      <a:solidFill>
+                        <a:schemeClr val="tx1"/>
+                      </a:solidFill>
+                      <a:prstDash val="solid"/>
+                      <a:round/>
+                      <a:headEnd type="none" w="med" len="med"/>
+                      <a:tailEnd type="none" w="med" len="med"/>
+                    </a:lnL>
+                    <a:lnR w="12700" cap="flat" cmpd="sng" algn="ctr">
+                      <a:solidFill>
+                        <a:schemeClr val="tx1"/>
+                      </a:solidFill>
+                      <a:prstDash val="solid"/>
+                      <a:round/>
+                      <a:headEnd type="none" w="med" len="med"/>
+                      <a:tailEnd type="none" w="med" len="med"/>
+                    </a:lnR>
+                    <a:lnT w="12700" cap="flat" cmpd="sng" algn="ctr">
+                      <a:solidFill>
+                        <a:schemeClr val="tx1"/>
+                      </a:solidFill>
+                      <a:prstDash val="solid"/>
+                      <a:round/>
+                      <a:headEnd type="none" w="med" len="med"/>
+                      <a:tailEnd type="none" w="med" len="med"/>
+                    </a:lnT>
+                    <a:lnB w="12700" cap="flat" cmpd="sng" algn="ctr">
+                      <a:solidFill>
+                        <a:schemeClr val="tx1"/>
+                      </a:solidFill>
+                      <a:prstDash val="solid"/>
+                      <a:round/>
+                      <a:headEnd type="none" w="med" len="med"/>
+                      <a:tailEnd type="none" w="med" len="med"/>
+                    </a:lnB>
+                    <a:lnTlToBr w="12700" cmpd="sng">
+                      <a:noFill/>
+                      <a:prstDash val="solid"/>
+                    </a:lnTlToBr>
+                    <a:lnBlToTr w="12700" cmpd="sng">
+                      <a:noFill/>
+                      <a:prstDash val="solid"/>
+                    </a:lnBlToTr>
+                  </a:tcPr>
+                </a:tc>
+                <a:tc>
+                  <a:txBody>
+                    <a:bodyPr/>
+                    <a:lstStyle/>
+                    <a:p>
+                      <a:pPr marL="0" indent="0">
+                        <a:buFont typeface="Arial" panose="020B0604020202020204" pitchFamily="34" charset="0"/>
+                        <a:buNone/>
+                      </a:pPr>
+                      <a:r>
+                        <a:rPr lang="en-SG" sz="1400" smtClean="0"/>
+                        <a:t>NA</a:t>
+                      </a:r>
+                    </a:p>
+                  </a:txBody>
+                  <a:tcPr>
+                    <a:lnL w="12700" cap="flat" cmpd="sng" algn="ctr">
+                      <a:solidFill>
+                        <a:schemeClr val="tx1"/>
+                      </a:solidFill>
+                      <a:prstDash val="solid"/>
+                      <a:round/>
+                      <a:headEnd type="none" w="med" len="med"/>
+                      <a:tailEnd type="none" w="med" len="med"/>
+                    </a:lnL>
+                    <a:lnR w="12700" cap="flat" cmpd="sng" algn="ctr">
+                      <a:solidFill>
+                        <a:schemeClr val="tx1"/>
+                      </a:solidFill>
+                      <a:prstDash val="solid"/>
+                      <a:round/>
+                      <a:headEnd type="none" w="med" len="med"/>
+                      <a:tailEnd type="none" w="med" len="med"/>
+                    </a:lnR>
+                    <a:lnT w="12700" cap="flat" cmpd="sng" algn="ctr">
+                      <a:solidFill>
+                        <a:schemeClr val="tx1"/>
+                      </a:solidFill>
+                      <a:prstDash val="solid"/>
+                      <a:round/>
+                      <a:headEnd type="none" w="med" len="med"/>
+                      <a:tailEnd type="none" w="med" len="med"/>
+                    </a:lnT>
+                    <a:lnB w="12700" cap="flat" cmpd="sng" algn="ctr">
+                      <a:solidFill>
+                        <a:schemeClr val="tx1"/>
+                      </a:solidFill>
+                      <a:prstDash val="solid"/>
+                      <a:round/>
+                      <a:headEnd type="none" w="med" len="med"/>
+                      <a:tailEnd type="none" w="med" len="med"/>
+                    </a:lnB>
+                    <a:lnTlToBr w="12700" cmpd="sng">
+                      <a:noFill/>
+                      <a:prstDash val="solid"/>
+                    </a:lnTlToBr>
+                    <a:lnBlToTr w="12700" cmpd="sng">
+                      <a:noFill/>
+                      <a:prstDash val="solid"/>
+                    </a:lnBlToTr>
+                  </a:tcPr>
+                </a:tc>
+                <a:tc>
+                  <a:txBody>
+                    <a:bodyPr/>
+                    <a:lstStyle/>
+                    <a:p>
+                      <a:pPr marL="0" indent="0">
+                        <a:buFont typeface="Arial" panose="020B0604020202020204" pitchFamily="34" charset="0"/>
+                        <a:buNone/>
+                      </a:pPr>
+                      <a:r>
+                        <a:rPr lang="en-SG" sz="1400" smtClean="0"/>
+                        <a:t>Dun</a:t>
+                      </a:r>
+                    </a:p>
+                  </a:txBody>
+                  <a:tcPr>
+                    <a:lnL w="12700" cap="flat" cmpd="sng" algn="ctr">
+                      <a:solidFill>
+                        <a:schemeClr val="tx1"/>
+                      </a:solidFill>
+                      <a:prstDash val="solid"/>
+                      <a:round/>
+                      <a:headEnd type="none" w="med" len="med"/>
+                      <a:tailEnd type="none" w="med" len="med"/>
+                    </a:lnL>
+                    <a:lnR w="12700" cap="flat" cmpd="sng" algn="ctr">
+                      <a:solidFill>
+                        <a:schemeClr val="tx1"/>
+                      </a:solidFill>
+                      <a:prstDash val="solid"/>
+                      <a:round/>
+                      <a:headEnd type="none" w="med" len="med"/>
+                      <a:tailEnd type="none" w="med" len="med"/>
+                    </a:lnR>
+                    <a:lnT w="12700" cap="flat" cmpd="sng" algn="ctr">
+                      <a:solidFill>
+                        <a:schemeClr val="tx1"/>
+                      </a:solidFill>
+                      <a:prstDash val="solid"/>
+                      <a:round/>
+                      <a:headEnd type="none" w="med" len="med"/>
+                      <a:tailEnd type="none" w="med" len="med"/>
+                    </a:lnT>
+                    <a:lnB w="12700" cap="flat" cmpd="sng" algn="ctr">
+                      <a:solidFill>
+                        <a:schemeClr val="tx1"/>
+                      </a:solidFill>
+                      <a:prstDash val="solid"/>
+                      <a:round/>
+                      <a:headEnd type="none" w="med" len="med"/>
+                      <a:tailEnd type="none" w="med" len="med"/>
+                    </a:lnB>
+                    <a:lnTlToBr w="12700" cmpd="sng">
+                      <a:noFill/>
+                      <a:prstDash val="solid"/>
+                    </a:lnTlToBr>
+                    <a:lnBlToTr w="12700" cmpd="sng">
+                      <a:noFill/>
+                      <a:prstDash val="solid"/>
+                    </a:lnBlToTr>
+                  </a:tcPr>
+                </a:tc>
+              </a:tr>
+              <a:tr h="407503">
+                <a:tc vMerge="1">
+                  <a:txBody>
+                    <a:bodyPr/>
+                    <a:lstStyle/>
+                    <a:p>
+                      <a:endParaRPr lang="en-SG"/>
+                    </a:p>
+                  </a:txBody>
+                  <a:tcPr/>
+                </a:tc>
+                <a:tc>
+                  <a:txBody>
+                    <a:bodyPr/>
+                    <a:lstStyle/>
+                    <a:p>
+                      <a:pPr marL="0" indent="0">
+                        <a:buFont typeface="Arial" panose="020B0604020202020204" pitchFamily="34" charset="0"/>
+                        <a:buNone/>
+                      </a:pPr>
+                      <a:r>
+                        <a:rPr lang="en-SG" sz="1400" smtClean="0"/>
+                        <a:t>Param_bounds</a:t>
+                      </a:r>
+                    </a:p>
+                  </a:txBody>
+                  <a:tcPr>
+                    <a:lnL w="12700" cap="flat" cmpd="sng" algn="ctr">
+                      <a:solidFill>
+                        <a:schemeClr val="tx1"/>
+                      </a:solidFill>
+                      <a:prstDash val="solid"/>
+                      <a:round/>
+                      <a:headEnd type="none" w="med" len="med"/>
+                      <a:tailEnd type="none" w="med" len="med"/>
+                    </a:lnL>
+                    <a:lnR w="12700" cap="flat" cmpd="sng" algn="ctr">
+                      <a:solidFill>
+                        <a:schemeClr val="tx1"/>
+                      </a:solidFill>
+                      <a:prstDash val="solid"/>
+                      <a:round/>
+                      <a:headEnd type="none" w="med" len="med"/>
+                      <a:tailEnd type="none" w="med" len="med"/>
+                    </a:lnR>
+                    <a:lnT w="12700" cap="flat" cmpd="sng" algn="ctr">
+                      <a:solidFill>
+                        <a:schemeClr val="tx1"/>
+                      </a:solidFill>
+                      <a:prstDash val="solid"/>
+                      <a:round/>
+                      <a:headEnd type="none" w="med" len="med"/>
+                      <a:tailEnd type="none" w="med" len="med"/>
+                    </a:lnT>
+                    <a:lnB w="12700" cap="flat" cmpd="sng" algn="ctr">
+                      <a:solidFill>
+                        <a:schemeClr val="tx1"/>
+                      </a:solidFill>
+                      <a:prstDash val="solid"/>
+                      <a:round/>
+                      <a:headEnd type="none" w="med" len="med"/>
+                      <a:tailEnd type="none" w="med" len="med"/>
+                    </a:lnB>
+                    <a:lnTlToBr w="12700" cmpd="sng">
+                      <a:noFill/>
+                      <a:prstDash val="solid"/>
+                    </a:lnTlToBr>
+                    <a:lnBlToTr w="12700" cmpd="sng">
+                      <a:noFill/>
+                      <a:prstDash val="solid"/>
+                    </a:lnBlToTr>
+                  </a:tcPr>
+                </a:tc>
+                <a:tc>
+                  <a:txBody>
+                    <a:bodyPr/>
+                    <a:lstStyle/>
+                    <a:p>
+                      <a:pPr marL="0" indent="0">
+                        <a:buFont typeface="Arial" panose="020B0604020202020204" pitchFamily="34" charset="0"/>
+                        <a:buNone/>
+                      </a:pPr>
+                      <a:r>
+                        <a:rPr lang="en-SG" sz="1400" smtClean="0"/>
+                        <a:t>Constraints(TBC)</a:t>
+                      </a:r>
+                    </a:p>
+                  </a:txBody>
+                  <a:tcPr>
+                    <a:lnL w="12700" cap="flat" cmpd="sng" algn="ctr">
+                      <a:solidFill>
+                        <a:schemeClr val="tx1"/>
+                      </a:solidFill>
+                      <a:prstDash val="solid"/>
+                      <a:round/>
+                      <a:headEnd type="none" w="med" len="med"/>
+                      <a:tailEnd type="none" w="med" len="med"/>
+                    </a:lnL>
+                    <a:lnR w="12700" cap="flat" cmpd="sng" algn="ctr">
+                      <a:solidFill>
+                        <a:schemeClr val="tx1"/>
+                      </a:solidFill>
+                      <a:prstDash val="solid"/>
+                      <a:round/>
+                      <a:headEnd type="none" w="med" len="med"/>
+                      <a:tailEnd type="none" w="med" len="med"/>
+                    </a:lnR>
+                    <a:lnT w="12700" cap="flat" cmpd="sng" algn="ctr">
+                      <a:solidFill>
+                        <a:schemeClr val="tx1"/>
+                      </a:solidFill>
+                      <a:prstDash val="solid"/>
+                      <a:round/>
+                      <a:headEnd type="none" w="med" len="med"/>
+                      <a:tailEnd type="none" w="med" len="med"/>
+                    </a:lnT>
+                    <a:lnB w="12700" cap="flat" cmpd="sng" algn="ctr">
+                      <a:solidFill>
+                        <a:schemeClr val="tx1"/>
+                      </a:solidFill>
+                      <a:prstDash val="solid"/>
+                      <a:round/>
+                      <a:headEnd type="none" w="med" len="med"/>
+                      <a:tailEnd type="none" w="med" len="med"/>
+                    </a:lnB>
+                    <a:lnTlToBr w="12700" cmpd="sng">
+                      <a:noFill/>
+                      <a:prstDash val="solid"/>
+                    </a:lnTlToBr>
+                    <a:lnBlToTr w="12700" cmpd="sng">
+                      <a:noFill/>
+                      <a:prstDash val="solid"/>
+                    </a:lnBlToTr>
+                  </a:tcPr>
+                </a:tc>
+                <a:tc>
+                  <a:txBody>
+                    <a:bodyPr/>
+                    <a:lstStyle/>
+                    <a:p>
+                      <a:pPr marL="0" indent="0">
+                        <a:buFont typeface="Arial" panose="020B0604020202020204" pitchFamily="34" charset="0"/>
+                        <a:buNone/>
+                      </a:pPr>
+                      <a:r>
+                        <a:rPr lang="en-SG" sz="1400" smtClean="0"/>
+                        <a:t>Dun</a:t>
+                      </a:r>
+                    </a:p>
+                  </a:txBody>
+                  <a:tcPr>
+                    <a:lnL w="12700" cap="flat" cmpd="sng" algn="ctr">
+                      <a:solidFill>
+                        <a:schemeClr val="tx1"/>
+                      </a:solidFill>
+                      <a:prstDash val="solid"/>
+                      <a:round/>
+                      <a:headEnd type="none" w="med" len="med"/>
+                      <a:tailEnd type="none" w="med" len="med"/>
+                    </a:lnL>
+                    <a:lnR w="12700" cap="flat" cmpd="sng" algn="ctr">
+                      <a:solidFill>
+                        <a:schemeClr val="tx1"/>
+                      </a:solidFill>
+                      <a:prstDash val="solid"/>
+                      <a:round/>
+                      <a:headEnd type="none" w="med" len="med"/>
+                      <a:tailEnd type="none" w="med" len="med"/>
+                    </a:lnR>
+                    <a:lnT w="12700" cap="flat" cmpd="sng" algn="ctr">
+                      <a:solidFill>
+                        <a:schemeClr val="tx1"/>
+                      </a:solidFill>
+                      <a:prstDash val="solid"/>
+                      <a:round/>
+                      <a:headEnd type="none" w="med" len="med"/>
+                      <a:tailEnd type="none" w="med" len="med"/>
+                    </a:lnT>
+                    <a:lnB w="12700" cap="flat" cmpd="sng" algn="ctr">
+                      <a:solidFill>
+                        <a:schemeClr val="tx1"/>
+                      </a:solidFill>
+                      <a:prstDash val="solid"/>
+                      <a:round/>
+                      <a:headEnd type="none" w="med" len="med"/>
+                      <a:tailEnd type="none" w="med" len="med"/>
+                    </a:lnB>
+                    <a:lnTlToBr w="12700" cmpd="sng">
+                      <a:noFill/>
+                      <a:prstDash val="solid"/>
+                    </a:lnTlToBr>
+                    <a:lnBlToTr w="12700" cmpd="sng">
+                      <a:noFill/>
+                      <a:prstDash val="solid"/>
+                    </a:lnBlToTr>
+                  </a:tcPr>
+                </a:tc>
+              </a:tr>
+              <a:tr h="407503">
+                <a:tc vMerge="1">
+                  <a:txBody>
+                    <a:bodyPr/>
+                    <a:lstStyle/>
+                    <a:p>
+                      <a:endParaRPr lang="en-SG"/>
+                    </a:p>
+                  </a:txBody>
+                  <a:tcPr/>
+                </a:tc>
+                <a:tc>
+                  <a:txBody>
+                    <a:bodyPr/>
+                    <a:lstStyle/>
+                    <a:p>
+                      <a:pPr marL="0" indent="0">
+                        <a:buFont typeface="Arial" panose="020B0604020202020204" pitchFamily="34" charset="0"/>
+                        <a:buNone/>
+                      </a:pPr>
+                      <a:r>
+                        <a:rPr lang="en-SG" sz="1400" smtClean="0"/>
+                        <a:t>Solver_args</a:t>
+                      </a:r>
+                    </a:p>
+                  </a:txBody>
+                  <a:tcPr>
+                    <a:lnL w="12700" cap="flat" cmpd="sng" algn="ctr">
+                      <a:solidFill>
+                        <a:schemeClr val="tx1"/>
+                      </a:solidFill>
+                      <a:prstDash val="solid"/>
+                      <a:round/>
+                      <a:headEnd type="none" w="med" len="med"/>
+                      <a:tailEnd type="none" w="med" len="med"/>
+                    </a:lnL>
+                    <a:lnR w="12700" cap="flat" cmpd="sng" algn="ctr">
+                      <a:solidFill>
+                        <a:schemeClr val="tx1"/>
+                      </a:solidFill>
+                      <a:prstDash val="solid"/>
+                      <a:round/>
+                      <a:headEnd type="none" w="med" len="med"/>
+                      <a:tailEnd type="none" w="med" len="med"/>
+                    </a:lnR>
+                    <a:lnT w="12700" cap="flat" cmpd="sng" algn="ctr">
+                      <a:solidFill>
+                        <a:schemeClr val="tx1"/>
+                      </a:solidFill>
+                      <a:prstDash val="solid"/>
+                      <a:round/>
+                      <a:headEnd type="none" w="med" len="med"/>
+                      <a:tailEnd type="none" w="med" len="med"/>
+                    </a:lnT>
+                    <a:lnB w="12700" cap="flat" cmpd="sng" algn="ctr">
+                      <a:solidFill>
+                        <a:schemeClr val="tx1"/>
+                      </a:solidFill>
+                      <a:prstDash val="solid"/>
+                      <a:round/>
+                      <a:headEnd type="none" w="med" len="med"/>
+                      <a:tailEnd type="none" w="med" len="med"/>
+                    </a:lnB>
+                    <a:lnTlToBr w="12700" cmpd="sng">
+                      <a:noFill/>
+                      <a:prstDash val="solid"/>
+                    </a:lnTlToBr>
+                    <a:lnBlToTr w="12700" cmpd="sng">
+                      <a:noFill/>
+                      <a:prstDash val="solid"/>
+                    </a:lnBlToTr>
+                  </a:tcPr>
+                </a:tc>
+                <a:tc>
+                  <a:txBody>
+                    <a:bodyPr/>
+                    <a:lstStyle/>
+                    <a:p>
+                      <a:pPr marL="0" indent="0">
+                        <a:buFont typeface="Arial" panose="020B0604020202020204" pitchFamily="34" charset="0"/>
+                        <a:buNone/>
+                      </a:pPr>
+                      <a:r>
+                        <a:rPr lang="en-SG" sz="1400" smtClean="0"/>
+                        <a:t>NA</a:t>
+                      </a:r>
+                    </a:p>
+                  </a:txBody>
+                  <a:tcPr>
+                    <a:lnL w="12700" cap="flat" cmpd="sng" algn="ctr">
+                      <a:solidFill>
+                        <a:schemeClr val="tx1"/>
+                      </a:solidFill>
+                      <a:prstDash val="solid"/>
+                      <a:round/>
+                      <a:headEnd type="none" w="med" len="med"/>
+                      <a:tailEnd type="none" w="med" len="med"/>
+                    </a:lnL>
+                    <a:lnR w="12700" cap="flat" cmpd="sng" algn="ctr">
+                      <a:solidFill>
+                        <a:schemeClr val="tx1"/>
+                      </a:solidFill>
+                      <a:prstDash val="solid"/>
+                      <a:round/>
+                      <a:headEnd type="none" w="med" len="med"/>
+                      <a:tailEnd type="none" w="med" len="med"/>
+                    </a:lnR>
+                    <a:lnT w="12700" cap="flat" cmpd="sng" algn="ctr">
+                      <a:solidFill>
+                        <a:schemeClr val="tx1"/>
+                      </a:solidFill>
+                      <a:prstDash val="solid"/>
+                      <a:round/>
+                      <a:headEnd type="none" w="med" len="med"/>
+                      <a:tailEnd type="none" w="med" len="med"/>
+                    </a:lnT>
+                    <a:lnB w="12700" cap="flat" cmpd="sng" algn="ctr">
+                      <a:solidFill>
+                        <a:schemeClr val="tx1"/>
+                      </a:solidFill>
+                      <a:prstDash val="solid"/>
+                      <a:round/>
+                      <a:headEnd type="none" w="med" len="med"/>
+                      <a:tailEnd type="none" w="med" len="med"/>
+                    </a:lnB>
+                    <a:lnTlToBr w="12700" cmpd="sng">
+                      <a:noFill/>
+                      <a:prstDash val="solid"/>
+                    </a:lnTlToBr>
+                    <a:lnBlToTr w="12700" cmpd="sng">
+                      <a:noFill/>
+                      <a:prstDash val="solid"/>
+                    </a:lnBlToTr>
+                  </a:tcPr>
+                </a:tc>
+                <a:tc>
+                  <a:txBody>
+                    <a:bodyPr/>
+                    <a:lstStyle/>
+                    <a:p>
+                      <a:pPr marL="0" indent="0">
+                        <a:buFont typeface="Arial" panose="020B0604020202020204" pitchFamily="34" charset="0"/>
+                        <a:buNone/>
+                      </a:pPr>
+                      <a:r>
+                        <a:rPr lang="en-SG" sz="1400" smtClean="0"/>
+                        <a:t>Dun</a:t>
+                      </a:r>
+                    </a:p>
+                  </a:txBody>
+                  <a:tcPr>
+                    <a:lnL w="12700" cap="flat" cmpd="sng" algn="ctr">
+                      <a:solidFill>
+                        <a:schemeClr val="tx1"/>
+                      </a:solidFill>
+                      <a:prstDash val="solid"/>
+                      <a:round/>
+                      <a:headEnd type="none" w="med" len="med"/>
+                      <a:tailEnd type="none" w="med" len="med"/>
+                    </a:lnL>
+                    <a:lnR w="12700" cap="flat" cmpd="sng" algn="ctr">
+                      <a:solidFill>
+                        <a:schemeClr val="tx1"/>
+                      </a:solidFill>
+                      <a:prstDash val="solid"/>
+                      <a:round/>
+                      <a:headEnd type="none" w="med" len="med"/>
+                      <a:tailEnd type="none" w="med" len="med"/>
+                    </a:lnR>
+                    <a:lnT w="12700" cap="flat" cmpd="sng" algn="ctr">
+                      <a:solidFill>
+                        <a:schemeClr val="tx1"/>
+                      </a:solidFill>
+                      <a:prstDash val="solid"/>
+                      <a:round/>
+                      <a:headEnd type="none" w="med" len="med"/>
+                      <a:tailEnd type="none" w="med" len="med"/>
+                    </a:lnT>
+                    <a:lnB w="12700" cap="flat" cmpd="sng" algn="ctr">
+                      <a:solidFill>
+                        <a:schemeClr val="tx1"/>
+                      </a:solidFill>
+                      <a:prstDash val="solid"/>
+                      <a:round/>
+                      <a:headEnd type="none" w="med" len="med"/>
+                      <a:tailEnd type="none" w="med" len="med"/>
+                    </a:lnB>
+                    <a:lnTlToBr w="12700" cmpd="sng">
+                      <a:noFill/>
+                      <a:prstDash val="solid"/>
+                    </a:lnTlToBr>
+                    <a:lnBlToTr w="12700" cmpd="sng">
+                      <a:noFill/>
+                      <a:prstDash val="solid"/>
+                    </a:lnBlToTr>
+                  </a:tcPr>
+                </a:tc>
+              </a:tr>
+            </a:tbl>
+          </a:graphicData>
+        </a:graphic>
+      </p:graphicFrame>
+    </p:spTree>
+    <p:extLst>
+      <p:ext uri="{BB962C8B-B14F-4D97-AF65-F5344CB8AC3E}">
+        <p14:creationId xmlns:p14="http://schemas.microsoft.com/office/powerpoint/2010/main" val="3449718174"/>
+      </p:ext>
+    </p:extLst>
+  </p:cSld>
+  <p:clrMapOvr>
+    <a:masterClrMapping/>
+  </p:clrMapOvr>
+</p:sld>
+</file>
+
+<file path=ppt/slides/slide14.xml><?xml version="1.0" encoding="utf-8"?>
+<p:sld xmlns:a="http://schemas.openxmlformats.org/drawingml/2006/main" xmlns:r="http://schemas.openxmlformats.org/officeDocument/2006/relationships" xmlns:p="http://schemas.openxmlformats.org/presentationml/2006/main">
+  <p:cSld>
+    <p:spTree>
+      <p:nvGrpSpPr>
+        <p:cNvPr id="1" name=""/>
+        <p:cNvGrpSpPr/>
+        <p:nvPr/>
+      </p:nvGrpSpPr>
+      <p:grpSpPr>
+        <a:xfrm>
+          <a:off x="0" y="0"/>
+          <a:ext cx="0" cy="0"/>
+          <a:chOff x="0" y="0"/>
+          <a:chExt cx="0" cy="0"/>
+        </a:xfrm>
+      </p:grpSpPr>
+      <p:sp>
+        <p:nvSpPr>
+          <p:cNvPr id="2" name="Title 1"/>
+          <p:cNvSpPr>
+            <a:spLocks noGrp="1"/>
+          </p:cNvSpPr>
+          <p:nvPr>
+            <p:ph type="title"/>
+          </p:nvPr>
+        </p:nvSpPr>
+        <p:spPr/>
+        <p:txBody>
+          <a:bodyPr/>
+          <a:lstStyle/>
+          <a:p>
+            <a:r>
+              <a:rPr lang="en-SG" smtClean="0"/>
+              <a:t>Dun Elements</a:t>
+            </a:r>
+            <a:endParaRPr lang="en-SG"/>
+          </a:p>
+        </p:txBody>
+      </p:sp>
+      <p:sp>
+        <p:nvSpPr>
+          <p:cNvPr id="3" name="Content Placeholder 2"/>
+          <p:cNvSpPr>
+            <a:spLocks noGrp="1"/>
+          </p:cNvSpPr>
+          <p:nvPr>
+            <p:ph idx="1"/>
+          </p:nvPr>
+        </p:nvSpPr>
+        <p:spPr/>
+        <p:txBody>
+          <a:bodyPr>
+            <a:normAutofit lnSpcReduction="10000"/>
+          </a:bodyPr>
+          <a:lstStyle/>
+          <a:p>
+            <a:r>
+              <a:rPr lang="en-SG" smtClean="0"/>
+              <a:t>Motivation</a:t>
+            </a:r>
+          </a:p>
+          <a:p>
+            <a:pPr lvl="1"/>
+            <a:r>
+              <a:rPr lang="en-SG" smtClean="0"/>
+              <a:t>Hold numerical/string values or nested numerical/string values</a:t>
+            </a:r>
+          </a:p>
+          <a:p>
+            <a:pPr lvl="1"/>
+            <a:r>
+              <a:rPr lang="en-SG" smtClean="0"/>
+              <a:t>Detect numbers and convert them into float</a:t>
+            </a:r>
+          </a:p>
+          <a:p>
+            <a:r>
+              <a:rPr lang="en-SG" smtClean="0"/>
+              <a:t>A single key-value pair where the value can be</a:t>
+            </a:r>
+          </a:p>
+          <a:p>
+            <a:pPr lvl="1"/>
+            <a:r>
+              <a:rPr lang="en-SG" smtClean="0"/>
+              <a:t>A single value</a:t>
+            </a:r>
+          </a:p>
+          <a:p>
+            <a:pPr lvl="1"/>
+            <a:r>
+              <a:rPr lang="en-SG" smtClean="0"/>
+              <a:t>A list</a:t>
+            </a:r>
+          </a:p>
+          <a:p>
+            <a:pPr lvl="1"/>
+            <a:r>
+              <a:rPr lang="en-SG" smtClean="0"/>
+              <a:t>A dictionary of key-value pairs</a:t>
+            </a:r>
+          </a:p>
+          <a:p>
+            <a:r>
+              <a:rPr lang="en-SG" smtClean="0"/>
+              <a:t>Nesting is possible but the parser for each subsection type can set a minimum/maximum level of nesting</a:t>
+            </a:r>
+          </a:p>
+          <a:p>
+            <a:r>
+              <a:rPr lang="en-SG"/>
+              <a:t>Not whitespace sensitive </a:t>
+            </a:r>
+            <a:endParaRPr lang="en-SG" smtClean="0"/>
+          </a:p>
+          <a:p>
+            <a:endParaRPr lang="en-SG"/>
+          </a:p>
+        </p:txBody>
+      </p:sp>
+      <p:sp>
+        <p:nvSpPr>
+          <p:cNvPr id="4" name="Slide Number Placeholder 3"/>
+          <p:cNvSpPr>
+            <a:spLocks noGrp="1"/>
+          </p:cNvSpPr>
+          <p:nvPr>
+            <p:ph type="sldNum" sz="quarter" idx="12"/>
+          </p:nvPr>
+        </p:nvSpPr>
+        <p:spPr/>
+        <p:txBody>
+          <a:bodyPr/>
+          <a:lstStyle/>
+          <a:p>
+            <a:fld id="{6A34CF32-D65E-4FFE-97AB-911DF53E1B39}" type="slidenum">
+              <a:rPr lang="en-SG" smtClean="0"/>
+              <a:t>14</a:t>
+            </a:fld>
+            <a:endParaRPr lang="en-SG"/>
+          </a:p>
+        </p:txBody>
+      </p:sp>
+    </p:spTree>
+    <p:extLst>
+      <p:ext uri="{BB962C8B-B14F-4D97-AF65-F5344CB8AC3E}">
+        <p14:creationId xmlns:p14="http://schemas.microsoft.com/office/powerpoint/2010/main" val="1512246959"/>
+      </p:ext>
+    </p:extLst>
+  </p:cSld>
+  <p:clrMapOvr>
+    <a:masterClrMapping/>
+  </p:clrMapOvr>
+</p:sld>
+</file>
+
+<file path=ppt/slides/slide15.xml><?xml version="1.0" encoding="utf-8"?>
+<p:sld xmlns:a="http://schemas.openxmlformats.org/drawingml/2006/main" xmlns:r="http://schemas.openxmlformats.org/officeDocument/2006/relationships" xmlns:p="http://schemas.openxmlformats.org/presentationml/2006/main">
+  <p:cSld>
+    <p:spTree>
+      <p:nvGrpSpPr>
+        <p:cNvPr id="1" name=""/>
+        <p:cNvGrpSpPr/>
+        <p:nvPr/>
+      </p:nvGrpSpPr>
+      <p:grpSpPr>
+        <a:xfrm>
+          <a:off x="0" y="0"/>
+          <a:ext cx="0" cy="0"/>
+          <a:chOff x="0" y="0"/>
+          <a:chExt cx="0" cy="0"/>
+        </a:xfrm>
+      </p:grpSpPr>
+      <p:sp>
+        <p:nvSpPr>
+          <p:cNvPr id="2" name="Title 1"/>
+          <p:cNvSpPr>
+            <a:spLocks noGrp="1"/>
+          </p:cNvSpPr>
+          <p:nvPr>
+            <p:ph type="title"/>
+          </p:nvPr>
+        </p:nvSpPr>
+        <p:spPr/>
+        <p:txBody>
+          <a:bodyPr/>
+          <a:lstStyle/>
+          <a:p>
+            <a:r>
+              <a:rPr lang="en-SG" smtClean="0"/>
+              <a:t>Py Elements</a:t>
+            </a:r>
+            <a:endParaRPr lang="en-SG"/>
+          </a:p>
+        </p:txBody>
+      </p:sp>
+      <p:sp>
+        <p:nvSpPr>
+          <p:cNvPr id="3" name="Content Placeholder 2"/>
+          <p:cNvSpPr>
+            <a:spLocks noGrp="1"/>
+          </p:cNvSpPr>
+          <p:nvPr>
+            <p:ph idx="1"/>
+          </p:nvPr>
+        </p:nvSpPr>
+        <p:spPr/>
+        <p:txBody>
+          <a:bodyPr/>
+          <a:lstStyle/>
+          <a:p>
+            <a:r>
+              <a:rPr lang="en-SG" smtClean="0"/>
+              <a:t>Motivation</a:t>
+            </a:r>
+          </a:p>
+          <a:p>
+            <a:pPr lvl="1"/>
+            <a:r>
+              <a:rPr lang="en-SG" smtClean="0"/>
+              <a:t>Holds Python code that can be inserted into templated functions.</a:t>
+            </a:r>
+          </a:p>
+          <a:p>
+            <a:pPr lvl="1"/>
+            <a:r>
+              <a:rPr lang="en-SG" smtClean="0"/>
+              <a:t>Is whitespace sensitive. This avoids the problem of having to infer indentation or limit functionality.</a:t>
+            </a:r>
+          </a:p>
+          <a:p>
+            <a:r>
+              <a:rPr lang="en-SG" smtClean="0"/>
+              <a:t>Note:</a:t>
+            </a:r>
+          </a:p>
+          <a:p>
+            <a:pPr lvl="1"/>
+            <a:r>
+              <a:rPr lang="en-SG" smtClean="0"/>
+              <a:t>Definition of the element should start on the line after its declaration. If it does not, dunlin will try to infer the correct level of indentation for the first line of code (which may not always work)</a:t>
+            </a:r>
+            <a:endParaRPr lang="en-SG"/>
+          </a:p>
+        </p:txBody>
+      </p:sp>
+      <p:sp>
+        <p:nvSpPr>
+          <p:cNvPr id="4" name="Slide Number Placeholder 3"/>
+          <p:cNvSpPr>
+            <a:spLocks noGrp="1"/>
+          </p:cNvSpPr>
+          <p:nvPr>
+            <p:ph type="sldNum" sz="quarter" idx="12"/>
+          </p:nvPr>
+        </p:nvSpPr>
+        <p:spPr/>
+        <p:txBody>
+          <a:bodyPr/>
+          <a:lstStyle/>
+          <a:p>
+            <a:fld id="{6A34CF32-D65E-4FFE-97AB-911DF53E1B39}" type="slidenum">
+              <a:rPr lang="en-SG" smtClean="0"/>
+              <a:t>15</a:t>
+            </a:fld>
+            <a:endParaRPr lang="en-SG"/>
+          </a:p>
+        </p:txBody>
+      </p:sp>
+    </p:spTree>
+    <p:extLst>
+      <p:ext uri="{BB962C8B-B14F-4D97-AF65-F5344CB8AC3E}">
+        <p14:creationId xmlns:p14="http://schemas.microsoft.com/office/powerpoint/2010/main" val="1883620426"/>
+      </p:ext>
+    </p:extLst>
+  </p:cSld>
+  <p:clrMapOvr>
+    <a:masterClrMapping/>
+  </p:clrMapOvr>
+</p:sld>
+</file>
+
+<file path=ppt/slides/slide16.xml><?xml version="1.0" encoding="utf-8"?>
+<p:sld xmlns:a="http://schemas.openxmlformats.org/drawingml/2006/main" xmlns:r="http://schemas.openxmlformats.org/officeDocument/2006/relationships" xmlns:p="http://schemas.openxmlformats.org/presentationml/2006/main">
+  <p:cSld>
+    <p:spTree>
+      <p:nvGrpSpPr>
+        <p:cNvPr id="1" name=""/>
+        <p:cNvGrpSpPr/>
+        <p:nvPr/>
+      </p:nvGrpSpPr>
+      <p:grpSpPr>
+        <a:xfrm>
+          <a:off x="0" y="0"/>
+          <a:ext cx="0" cy="0"/>
+          <a:chOff x="0" y="0"/>
+          <a:chExt cx="0" cy="0"/>
+        </a:xfrm>
+      </p:grpSpPr>
+      <p:sp>
+        <p:nvSpPr>
+          <p:cNvPr id="2" name="Title 1"/>
+          <p:cNvSpPr>
+            <a:spLocks noGrp="1"/>
+          </p:cNvSpPr>
+          <p:nvPr>
+            <p:ph type="title"/>
+          </p:nvPr>
+        </p:nvSpPr>
+        <p:spPr/>
+        <p:txBody>
+          <a:bodyPr/>
+          <a:lstStyle/>
+          <a:p>
+            <a:r>
+              <a:rPr lang="en-SG" smtClean="0"/>
+              <a:t>Overview of Algorithm for Reading .dun</a:t>
+            </a:r>
+            <a:endParaRPr lang="en-SG"/>
+          </a:p>
+        </p:txBody>
+      </p:sp>
+      <p:sp>
+        <p:nvSpPr>
+          <p:cNvPr id="5" name="Text Placeholder 4"/>
+          <p:cNvSpPr>
+            <a:spLocks noGrp="1"/>
+          </p:cNvSpPr>
+          <p:nvPr>
+            <p:ph type="body" idx="1"/>
+          </p:nvPr>
+        </p:nvSpPr>
+        <p:spPr/>
+        <p:txBody>
+          <a:bodyPr/>
+          <a:lstStyle/>
+          <a:p>
+            <a:endParaRPr lang="en-SG"/>
+          </a:p>
+        </p:txBody>
+      </p:sp>
+      <p:sp>
+        <p:nvSpPr>
+          <p:cNvPr id="4" name="Slide Number Placeholder 3"/>
+          <p:cNvSpPr>
+            <a:spLocks noGrp="1"/>
+          </p:cNvSpPr>
+          <p:nvPr>
+            <p:ph type="sldNum" sz="quarter" idx="12"/>
+          </p:nvPr>
+        </p:nvSpPr>
+        <p:spPr/>
+        <p:txBody>
+          <a:bodyPr/>
+          <a:lstStyle/>
+          <a:p>
+            <a:fld id="{6A34CF32-D65E-4FFE-97AB-911DF53E1B39}" type="slidenum">
+              <a:rPr lang="en-SG" smtClean="0"/>
+              <a:t>16</a:t>
+            </a:fld>
+            <a:endParaRPr lang="en-SG"/>
+          </a:p>
+        </p:txBody>
+      </p:sp>
+    </p:spTree>
+    <p:extLst>
+      <p:ext uri="{BB962C8B-B14F-4D97-AF65-F5344CB8AC3E}">
+        <p14:creationId xmlns:p14="http://schemas.microsoft.com/office/powerpoint/2010/main" val="1095064927"/>
+      </p:ext>
+    </p:extLst>
+  </p:cSld>
+  <p:clrMapOvr>
+    <a:masterClrMapping/>
+  </p:clrMapOvr>
+  <p:timing>
+    <p:tnLst>
+      <p:par>
+        <p:cTn id="1" dur="indefinite" restart="never" nodeType="tmRoot"/>
+      </p:par>
+    </p:tnLst>
+  </p:timing>
+</p:sld>
+</file>
+
+<file path=ppt/slides/slide17.xml><?xml version="1.0" encoding="utf-8"?>
+<p:sld xmlns:a="http://schemas.openxmlformats.org/drawingml/2006/main" xmlns:r="http://schemas.openxmlformats.org/officeDocument/2006/relationships" xmlns:p="http://schemas.openxmlformats.org/presentationml/2006/main">
+  <p:cSld>
+    <p:spTree>
+      <p:nvGrpSpPr>
+        <p:cNvPr id="1" name=""/>
+        <p:cNvGrpSpPr/>
+        <p:nvPr/>
+      </p:nvGrpSpPr>
+      <p:grpSpPr>
+        <a:xfrm>
+          <a:off x="0" y="0"/>
+          <a:ext cx="0" cy="0"/>
+          <a:chOff x="0" y="0"/>
+          <a:chExt cx="0" cy="0"/>
+        </a:xfrm>
+      </p:grpSpPr>
+      <p:sp>
+        <p:nvSpPr>
+          <p:cNvPr id="4" name="Slide Number Placeholder 3"/>
+          <p:cNvSpPr>
+            <a:spLocks noGrp="1"/>
+          </p:cNvSpPr>
+          <p:nvPr>
+            <p:ph type="sldNum" sz="quarter" idx="12"/>
+          </p:nvPr>
+        </p:nvSpPr>
+        <p:spPr/>
+        <p:txBody>
+          <a:bodyPr/>
+          <a:lstStyle/>
+          <a:p>
+            <a:fld id="{6A34CF32-D65E-4FFE-97AB-911DF53E1B39}" type="slidenum">
+              <a:rPr lang="en-SG" smtClean="0"/>
+              <a:t>17</a:t>
+            </a:fld>
+            <a:endParaRPr lang="en-SG"/>
+          </a:p>
+        </p:txBody>
+      </p:sp>
+      <p:graphicFrame>
+        <p:nvGraphicFramePr>
+          <p:cNvPr id="6" name="Table 5"/>
+          <p:cNvGraphicFramePr>
+            <a:graphicFrameLocks noGrp="1"/>
+          </p:cNvGraphicFramePr>
+          <p:nvPr>
+            <p:extLst>
+              <p:ext uri="{D42A27DB-BD31-4B8C-83A1-F6EECF244321}">
+                <p14:modId xmlns:p14="http://schemas.microsoft.com/office/powerpoint/2010/main" val="738054269"/>
+              </p:ext>
+            </p:extLst>
+          </p:nvPr>
+        </p:nvGraphicFramePr>
+        <p:xfrm>
+          <a:off x="776224" y="1360498"/>
+          <a:ext cx="3240000" cy="1264831"/>
+        </p:xfrm>
+        <a:graphic>
+          <a:graphicData uri="http://schemas.openxmlformats.org/drawingml/2006/table">
+            <a:tbl>
+              <a:tblPr firstRow="1" bandRow="1">
+                <a:tableStyleId>{5C22544A-7EE6-4342-B048-85BDC9FD1C3A}</a:tableStyleId>
+              </a:tblPr>
+              <a:tblGrid>
+                <a:gridCol w="3240000"/>
+              </a:tblGrid>
+              <a:tr h="262440">
+                <a:tc>
+                  <a:txBody>
+                    <a:bodyPr/>
+                    <a:lstStyle/>
+                    <a:p>
+                      <a:pPr algn="ctr"/>
+                      <a:r>
+                        <a:rPr lang="en-SG" sz="1400" smtClean="0">
+                          <a:solidFill>
+                            <a:srgbClr val="2B251A"/>
+                          </a:solidFill>
+                        </a:rPr>
+                        <a:t>dun_element_reader</a:t>
+                      </a:r>
+                      <a:endParaRPr lang="en-SG" sz="1400">
+                        <a:solidFill>
+                          <a:srgbClr val="2B251A"/>
+                        </a:solidFill>
+                      </a:endParaRPr>
+                    </a:p>
+                  </a:txBody>
+                  <a:tcPr>
+                    <a:solidFill>
+                      <a:srgbClr val="D69E34"/>
+                    </a:solidFill>
+                  </a:tcPr>
+                </a:tc>
+              </a:tr>
+              <a:tr h="960031">
+                <a:tc>
+                  <a:txBody>
+                    <a:bodyPr/>
+                    <a:lstStyle/>
+                    <a:p>
+                      <a:pPr marL="285750" indent="-285750" algn="l">
+                        <a:buFont typeface="Arial" panose="020B0604020202020204" pitchFamily="34" charset="0"/>
+                        <a:buChar char="•"/>
+                      </a:pPr>
+                      <a:r>
+                        <a:rPr lang="en-SG" sz="1400" smtClean="0"/>
+                        <a:t>Contains</a:t>
+                      </a:r>
+                      <a:r>
+                        <a:rPr lang="en-SG" sz="1400" baseline="0" smtClean="0"/>
+                        <a:t> parsers for each type of subsection</a:t>
+                      </a:r>
+                    </a:p>
+                    <a:p>
+                      <a:pPr marL="285750" indent="-285750" algn="l">
+                        <a:buFont typeface="Arial" panose="020B0604020202020204" pitchFamily="34" charset="0"/>
+                        <a:buChar char="•"/>
+                      </a:pPr>
+                      <a:r>
+                        <a:rPr lang="en-SG" sz="1400" baseline="0" smtClean="0"/>
+                        <a:t>Parses shorthands and converts elements to strings</a:t>
+                      </a:r>
+                    </a:p>
+                  </a:txBody>
+                  <a:tcPr>
+                    <a:solidFill>
+                      <a:schemeClr val="bg1"/>
+                    </a:solidFill>
+                  </a:tcPr>
+                </a:tc>
+              </a:tr>
+            </a:tbl>
+          </a:graphicData>
+        </a:graphic>
+      </p:graphicFrame>
+      <p:graphicFrame>
+        <p:nvGraphicFramePr>
+          <p:cNvPr id="8" name="Table 7"/>
+          <p:cNvGraphicFramePr>
+            <a:graphicFrameLocks noGrp="1"/>
+          </p:cNvGraphicFramePr>
+          <p:nvPr>
+            <p:extLst>
+              <p:ext uri="{D42A27DB-BD31-4B8C-83A1-F6EECF244321}">
+                <p14:modId xmlns:p14="http://schemas.microsoft.com/office/powerpoint/2010/main" val="986255350"/>
+              </p:ext>
+            </p:extLst>
+          </p:nvPr>
+        </p:nvGraphicFramePr>
+        <p:xfrm>
+          <a:off x="776224" y="291145"/>
+          <a:ext cx="3240000" cy="889720"/>
+        </p:xfrm>
+        <a:graphic>
+          <a:graphicData uri="http://schemas.openxmlformats.org/drawingml/2006/table">
+            <a:tbl>
+              <a:tblPr firstRow="1" bandRow="1">
+                <a:tableStyleId>{5C22544A-7EE6-4342-B048-85BDC9FD1C3A}</a:tableStyleId>
+              </a:tblPr>
+              <a:tblGrid>
+                <a:gridCol w="3240000"/>
+              </a:tblGrid>
+              <a:tr h="302802">
+                <a:tc>
+                  <a:txBody>
+                    <a:bodyPr/>
+                    <a:lstStyle/>
+                    <a:p>
+                      <a:pPr algn="ctr"/>
+                      <a:r>
+                        <a:rPr lang="en-SG" sz="1400" smtClean="0">
+                          <a:solidFill>
+                            <a:srgbClr val="2B251A"/>
+                          </a:solidFill>
+                        </a:rPr>
+                        <a:t>dun_string_reader</a:t>
+                      </a:r>
+                      <a:endParaRPr lang="en-SG" sz="1400">
+                        <a:solidFill>
+                          <a:srgbClr val="2B251A"/>
+                        </a:solidFill>
+                      </a:endParaRPr>
+                    </a:p>
+                  </a:txBody>
+                  <a:tcPr>
+                    <a:solidFill>
+                      <a:srgbClr val="D69E34"/>
+                    </a:solidFill>
+                  </a:tcPr>
+                </a:tc>
+              </a:tr>
+              <a:tr h="584920">
+                <a:tc>
+                  <a:txBody>
+                    <a:bodyPr/>
+                    <a:lstStyle/>
+                    <a:p>
+                      <a:pPr marL="285750" indent="-285750" algn="l">
+                        <a:buFont typeface="Arial" panose="020B0604020202020204" pitchFamily="34" charset="0"/>
+                        <a:buChar char="•"/>
+                      </a:pPr>
+                      <a:r>
+                        <a:rPr lang="en-SG" sz="1400" baseline="0" smtClean="0"/>
+                        <a:t>Parses strings and converts them into data</a:t>
+                      </a:r>
+                    </a:p>
+                  </a:txBody>
+                  <a:tcPr>
+                    <a:solidFill>
+                      <a:schemeClr val="bg1"/>
+                    </a:solidFill>
+                  </a:tcPr>
+                </a:tc>
+              </a:tr>
+            </a:tbl>
+          </a:graphicData>
+        </a:graphic>
+      </p:graphicFrame>
+      <p:graphicFrame>
+        <p:nvGraphicFramePr>
+          <p:cNvPr id="9" name="Table 8"/>
+          <p:cNvGraphicFramePr>
+            <a:graphicFrameLocks noGrp="1"/>
+          </p:cNvGraphicFramePr>
+          <p:nvPr>
+            <p:extLst>
+              <p:ext uri="{D42A27DB-BD31-4B8C-83A1-F6EECF244321}">
+                <p14:modId xmlns:p14="http://schemas.microsoft.com/office/powerpoint/2010/main" val="4203155740"/>
+              </p:ext>
+            </p:extLst>
+          </p:nvPr>
+        </p:nvGraphicFramePr>
+        <p:xfrm>
+          <a:off x="776224" y="2800096"/>
+          <a:ext cx="3240000" cy="1267808"/>
+        </p:xfrm>
+        <a:graphic>
+          <a:graphicData uri="http://schemas.openxmlformats.org/drawingml/2006/table">
+            <a:tbl>
+              <a:tblPr firstRow="1" bandRow="1">
+                <a:tableStyleId>{5C22544A-7EE6-4342-B048-85BDC9FD1C3A}</a:tableStyleId>
+              </a:tblPr>
+              <a:tblGrid>
+                <a:gridCol w="3240000"/>
+              </a:tblGrid>
+              <a:tr h="322928">
+                <a:tc>
+                  <a:txBody>
+                    <a:bodyPr/>
+                    <a:lstStyle/>
+                    <a:p>
+                      <a:pPr algn="ctr"/>
+                      <a:r>
+                        <a:rPr lang="en-SG" sz="1400" smtClean="0">
+                          <a:solidFill>
+                            <a:srgbClr val="2B251A"/>
+                          </a:solidFill>
+                        </a:rPr>
+                        <a:t>dun_file_reader</a:t>
+                      </a:r>
+                      <a:endParaRPr lang="en-SG" sz="1400">
+                        <a:solidFill>
+                          <a:srgbClr val="2B251A"/>
+                        </a:solidFill>
+                      </a:endParaRPr>
+                    </a:p>
+                  </a:txBody>
+                  <a:tcPr>
+                    <a:solidFill>
+                      <a:srgbClr val="D69E34"/>
+                    </a:solidFill>
+                  </a:tcPr>
+                </a:tc>
+              </a:tr>
+              <a:tr h="598436">
+                <a:tc>
+                  <a:txBody>
+                    <a:bodyPr/>
+                    <a:lstStyle/>
+                    <a:p>
+                      <a:pPr marL="285750" indent="-285750" algn="l">
+                        <a:buFont typeface="Arial" panose="020B0604020202020204" pitchFamily="34" charset="0"/>
+                        <a:buChar char="•"/>
+                      </a:pPr>
+                      <a:r>
+                        <a:rPr lang="en-SG" sz="1400" baseline="0" smtClean="0"/>
+                        <a:t>Reads full file and returns dun_data (structure TBC)</a:t>
+                      </a:r>
+                    </a:p>
+                    <a:p>
+                      <a:pPr marL="285750" indent="-285750" algn="l">
+                        <a:buFont typeface="Arial" panose="020B0604020202020204" pitchFamily="34" charset="0"/>
+                        <a:buChar char="•"/>
+                      </a:pPr>
+                      <a:r>
+                        <a:rPr lang="en-SG" sz="1400" baseline="0" smtClean="0"/>
+                        <a:t>Augment to accept SBML in the future.</a:t>
+                      </a:r>
+                    </a:p>
+                  </a:txBody>
+                  <a:tcPr>
+                    <a:solidFill>
+                      <a:schemeClr val="bg1"/>
+                    </a:solidFill>
+                  </a:tcPr>
+                </a:tc>
+              </a:tr>
+            </a:tbl>
+          </a:graphicData>
+        </a:graphic>
+      </p:graphicFrame>
+      <p:graphicFrame>
+        <p:nvGraphicFramePr>
+          <p:cNvPr id="10" name="Table 9"/>
+          <p:cNvGraphicFramePr>
+            <a:graphicFrameLocks noGrp="1"/>
+          </p:cNvGraphicFramePr>
+          <p:nvPr>
+            <p:extLst>
+              <p:ext uri="{D42A27DB-BD31-4B8C-83A1-F6EECF244321}">
+                <p14:modId xmlns:p14="http://schemas.microsoft.com/office/powerpoint/2010/main" val="3259717698"/>
+              </p:ext>
+            </p:extLst>
+          </p:nvPr>
+        </p:nvGraphicFramePr>
+        <p:xfrm>
+          <a:off x="776224" y="4323730"/>
+          <a:ext cx="3240000" cy="877539"/>
+        </p:xfrm>
+        <a:graphic>
+          <a:graphicData uri="http://schemas.openxmlformats.org/drawingml/2006/table">
+            <a:tbl>
+              <a:tblPr firstRow="1" bandRow="1">
+                <a:tableStyleId>{5C22544A-7EE6-4342-B048-85BDC9FD1C3A}</a:tableStyleId>
+              </a:tblPr>
+              <a:tblGrid>
+                <a:gridCol w="3240000"/>
+              </a:tblGrid>
+              <a:tr h="307568">
+                <a:tc>
+                  <a:txBody>
+                    <a:bodyPr/>
+                    <a:lstStyle/>
+                    <a:p>
+                      <a:pPr algn="ctr"/>
+                      <a:r>
+                        <a:rPr lang="en-SG" sz="1400" smtClean="0">
+                          <a:solidFill>
+                            <a:srgbClr val="2B251A"/>
+                          </a:solidFill>
+                        </a:rPr>
+                        <a:t>base_error</a:t>
+                      </a:r>
+                      <a:endParaRPr lang="en-SG" sz="1400">
+                        <a:solidFill>
+                          <a:srgbClr val="2B251A"/>
+                        </a:solidFill>
+                      </a:endParaRPr>
+                    </a:p>
+                  </a:txBody>
+                  <a:tcPr>
+                    <a:solidFill>
+                      <a:srgbClr val="D69E34"/>
+                    </a:solidFill>
+                  </a:tcPr>
+                </a:tc>
+              </a:tr>
+              <a:tr h="569971">
+                <a:tc>
+                  <a:txBody>
+                    <a:bodyPr/>
+                    <a:lstStyle/>
+                    <a:p>
+                      <a:pPr marL="285750" indent="-285750" algn="l">
+                        <a:buFont typeface="Arial" panose="020B0604020202020204" pitchFamily="34" charset="0"/>
+                        <a:buChar char="•"/>
+                      </a:pPr>
+                      <a:r>
+                        <a:rPr lang="en-SG" sz="1400" baseline="0" smtClean="0"/>
+                        <a:t>Contains the template for raising dunlin-based exceptions</a:t>
+                      </a:r>
+                    </a:p>
+                  </a:txBody>
+                  <a:tcPr>
+                    <a:solidFill>
+                      <a:schemeClr val="bg1"/>
+                    </a:solidFill>
+                  </a:tcPr>
+                </a:tc>
+              </a:tr>
+            </a:tbl>
+          </a:graphicData>
+        </a:graphic>
+      </p:graphicFrame>
+      <p:sp>
+        <p:nvSpPr>
+          <p:cNvPr id="15" name="Rectangle 14"/>
+          <p:cNvSpPr/>
+          <p:nvPr/>
+        </p:nvSpPr>
+        <p:spPr>
+          <a:xfrm>
+            <a:off x="8435534" y="4318000"/>
+            <a:ext cx="3633530" cy="1143000"/>
+          </a:xfrm>
+          <a:prstGeom prst="rect">
+            <a:avLst/>
+          </a:prstGeom>
+          <a:solidFill>
+            <a:srgbClr val="5A4D3D"/>
+          </a:solidFill>
+          <a:ln>
+            <a:noFill/>
+          </a:ln>
+        </p:spPr>
+        <p:style>
+          <a:lnRef idx="2">
+            <a:schemeClr val="accent1">
+              <a:shade val="50000"/>
+            </a:schemeClr>
+          </a:lnRef>
+          <a:fillRef idx="1">
+            <a:schemeClr val="accent1"/>
+          </a:fillRef>
+          <a:effectRef idx="0">
+            <a:schemeClr val="accent1"/>
+          </a:effectRef>
+          <a:fontRef idx="minor">
+            <a:schemeClr val="lt1"/>
+          </a:fontRef>
+        </p:style>
+        <p:txBody>
+          <a:bodyPr rtlCol="0" anchor="ctr"/>
+          <a:lstStyle/>
+          <a:p>
+            <a:pPr algn="ctr"/>
+            <a:endParaRPr lang="en-SG"/>
+          </a:p>
+        </p:txBody>
+      </p:sp>
+      <p:sp>
+        <p:nvSpPr>
+          <p:cNvPr id="16" name="Rectangle 15"/>
+          <p:cNvSpPr/>
+          <p:nvPr/>
+        </p:nvSpPr>
+        <p:spPr>
+          <a:xfrm>
+            <a:off x="8435534" y="3175000"/>
+            <a:ext cx="3633530" cy="1143000"/>
+          </a:xfrm>
+          <a:prstGeom prst="rect">
+            <a:avLst/>
+          </a:prstGeom>
+          <a:solidFill>
+            <a:srgbClr val="746A6D"/>
+          </a:solidFill>
+          <a:ln>
+            <a:noFill/>
+          </a:ln>
+        </p:spPr>
+        <p:style>
+          <a:lnRef idx="2">
+            <a:schemeClr val="accent1">
+              <a:shade val="50000"/>
+            </a:schemeClr>
+          </a:lnRef>
+          <a:fillRef idx="1">
+            <a:schemeClr val="accent1"/>
+          </a:fillRef>
+          <a:effectRef idx="0">
+            <a:schemeClr val="accent1"/>
+          </a:effectRef>
+          <a:fontRef idx="minor">
+            <a:schemeClr val="lt1"/>
+          </a:fontRef>
+        </p:style>
+        <p:txBody>
+          <a:bodyPr rtlCol="0" anchor="ctr"/>
+          <a:lstStyle/>
+          <a:p>
+            <a:pPr algn="ctr"/>
+            <a:endParaRPr lang="en-SG"/>
+          </a:p>
+        </p:txBody>
+      </p:sp>
+      <p:sp>
+        <p:nvSpPr>
+          <p:cNvPr id="17" name="Rectangle 16"/>
+          <p:cNvSpPr/>
+          <p:nvPr/>
+        </p:nvSpPr>
+        <p:spPr>
+          <a:xfrm>
+            <a:off x="8435534" y="5461000"/>
+            <a:ext cx="3633530" cy="1143000"/>
+          </a:xfrm>
+          <a:prstGeom prst="rect">
+            <a:avLst/>
+          </a:prstGeom>
+          <a:solidFill>
+            <a:srgbClr val="2B251A"/>
+          </a:solidFill>
+          <a:ln>
+            <a:noFill/>
+          </a:ln>
+        </p:spPr>
+        <p:style>
+          <a:lnRef idx="2">
+            <a:schemeClr val="accent1">
+              <a:shade val="50000"/>
+            </a:schemeClr>
+          </a:lnRef>
+          <a:fillRef idx="1">
+            <a:schemeClr val="accent1"/>
+          </a:fillRef>
+          <a:effectRef idx="0">
+            <a:schemeClr val="accent1"/>
+          </a:effectRef>
+          <a:fontRef idx="minor">
+            <a:schemeClr val="lt1"/>
+          </a:fontRef>
+        </p:style>
+        <p:txBody>
+          <a:bodyPr rtlCol="0" anchor="ctr"/>
+          <a:lstStyle/>
+          <a:p>
+            <a:pPr algn="ctr"/>
+            <a:endParaRPr lang="en-SG"/>
+          </a:p>
+        </p:txBody>
+      </p:sp>
+      <p:sp>
+        <p:nvSpPr>
+          <p:cNvPr id="18" name="Rectangle 17"/>
+          <p:cNvSpPr/>
+          <p:nvPr/>
+        </p:nvSpPr>
+        <p:spPr>
+          <a:xfrm>
+            <a:off x="9624113" y="3474720"/>
+            <a:ext cx="1256372" cy="2575560"/>
+          </a:xfrm>
+          <a:prstGeom prst="rect">
+            <a:avLst/>
+          </a:prstGeom>
+          <a:solidFill>
+            <a:srgbClr val="DCAB52"/>
+          </a:solidFill>
+          <a:ln>
+            <a:noFill/>
+          </a:ln>
+        </p:spPr>
+        <p:style>
+          <a:lnRef idx="2">
+            <a:schemeClr val="accent1">
+              <a:shade val="50000"/>
+            </a:schemeClr>
+          </a:lnRef>
+          <a:fillRef idx="1">
+            <a:schemeClr val="accent1"/>
+          </a:fillRef>
+          <a:effectRef idx="0">
+            <a:schemeClr val="accent1"/>
+          </a:effectRef>
+          <a:fontRef idx="minor">
+            <a:schemeClr val="lt1"/>
+          </a:fontRef>
+        </p:style>
+        <p:txBody>
+          <a:bodyPr rtlCol="0" anchor="ctr"/>
+          <a:lstStyle/>
+          <a:p>
+            <a:pPr algn="ctr"/>
+            <a:endParaRPr lang="en-SG"/>
+          </a:p>
+        </p:txBody>
+      </p:sp>
+      <p:cxnSp>
+        <p:nvCxnSpPr>
+          <p:cNvPr id="42" name="Straight Arrow Connector 41"/>
+          <p:cNvCxnSpPr/>
+          <p:nvPr/>
+        </p:nvCxnSpPr>
+        <p:spPr>
+          <a:xfrm>
+            <a:off x="7070852" y="5461000"/>
+            <a:ext cx="0" cy="768946"/>
+          </a:xfrm>
+          <a:prstGeom prst="straightConnector1">
+            <a:avLst/>
+          </a:prstGeom>
+          <a:ln w="57150">
+            <a:solidFill>
+              <a:srgbClr val="746A6D"/>
+            </a:solidFill>
+            <a:tailEnd type="triangle"/>
+          </a:ln>
+        </p:spPr>
+        <p:style>
+          <a:lnRef idx="1">
+            <a:schemeClr val="accent1"/>
+          </a:lnRef>
+          <a:fillRef idx="0">
+            <a:schemeClr val="accent1"/>
+          </a:fillRef>
+          <a:effectRef idx="0">
+            <a:schemeClr val="accent1"/>
+          </a:effectRef>
+          <a:fontRef idx="minor">
+            <a:schemeClr val="tx1"/>
+          </a:fontRef>
+        </p:style>
+      </p:cxnSp>
+      <p:sp>
+        <p:nvSpPr>
+          <p:cNvPr id="45" name="TextBox 44"/>
+          <p:cNvSpPr txBox="1"/>
+          <p:nvPr/>
+        </p:nvSpPr>
+        <p:spPr>
+          <a:xfrm>
+            <a:off x="9463024" y="406391"/>
+            <a:ext cx="2606040" cy="954107"/>
+          </a:xfrm>
+          <a:prstGeom prst="rect">
+            <a:avLst/>
+          </a:prstGeom>
+          <a:noFill/>
+          <a:ln w="57150">
+            <a:solidFill>
+              <a:srgbClr val="DCAB52"/>
+            </a:solidFill>
+            <a:prstDash val="dash"/>
+          </a:ln>
+        </p:spPr>
+        <p:txBody>
+          <a:bodyPr wrap="square" rtlCol="0">
+            <a:spAutoFit/>
+          </a:bodyPr>
+          <a:lstStyle/>
+          <a:p>
+            <a:pPr algn="ctr"/>
+            <a:r>
+              <a:rPr lang="en-SG" sz="2800" smtClean="0">
+                <a:solidFill>
+                  <a:srgbClr val="DCAB52"/>
+                </a:solidFill>
+              </a:rPr>
+              <a:t>Downstream operations</a:t>
+            </a:r>
+            <a:endParaRPr lang="en-SG" sz="2800">
+              <a:solidFill>
+                <a:srgbClr val="DCAB52"/>
+              </a:solidFill>
+            </a:endParaRPr>
+          </a:p>
+        </p:txBody>
+      </p:sp>
+    </p:spTree>
+    <p:extLst>
+      <p:ext uri="{BB962C8B-B14F-4D97-AF65-F5344CB8AC3E}">
+        <p14:creationId xmlns:p14="http://schemas.microsoft.com/office/powerpoint/2010/main" val="2336960812"/>
+      </p:ext>
+    </p:extLst>
+  </p:cSld>
+  <p:clrMapOvr>
+    <a:masterClrMapping/>
+  </p:clrMapOvr>
+  <p:timing>
+    <p:tnLst>
+      <p:par>
+        <p:cTn id="1" dur="indefinite" restart="never" nodeType="tmRoot"/>
+      </p:par>
+    </p:tnLst>
+  </p:timing>
+</p:sld>
+</file>
+
+<file path=ppt/slides/slide18.xml><?xml version="1.0" encoding="utf-8"?>
+<p:sld xmlns:a="http://schemas.openxmlformats.org/drawingml/2006/main" xmlns:r="http://schemas.openxmlformats.org/officeDocument/2006/relationships" xmlns:p="http://schemas.openxmlformats.org/presentationml/2006/main">
+  <p:cSld>
+    <p:spTree>
+      <p:nvGrpSpPr>
+        <p:cNvPr id="1" name=""/>
+        <p:cNvGrpSpPr/>
+        <p:nvPr/>
+      </p:nvGrpSpPr>
+      <p:grpSpPr>
+        <a:xfrm>
+          <a:off x="0" y="0"/>
+          <a:ext cx="0" cy="0"/>
+          <a:chOff x="0" y="0"/>
+          <a:chExt cx="0" cy="0"/>
+        </a:xfrm>
+      </p:grpSpPr>
+      <p:sp>
+        <p:nvSpPr>
+          <p:cNvPr id="3" name="Title 2"/>
+          <p:cNvSpPr>
+            <a:spLocks noGrp="1"/>
+          </p:cNvSpPr>
+          <p:nvPr>
+            <p:ph type="title"/>
+          </p:nvPr>
+        </p:nvSpPr>
+        <p:spPr/>
+        <p:txBody>
+          <a:bodyPr/>
+          <a:lstStyle/>
+          <a:p>
+            <a:r>
+              <a:rPr lang="en-SG" smtClean="0"/>
+              <a:t>Future Work</a:t>
+            </a:r>
+            <a:endParaRPr lang="en-SG"/>
+          </a:p>
+        </p:txBody>
+      </p:sp>
+      <p:sp>
+        <p:nvSpPr>
+          <p:cNvPr id="4" name="Content Placeholder 3"/>
+          <p:cNvSpPr>
+            <a:spLocks noGrp="1"/>
+          </p:cNvSpPr>
+          <p:nvPr>
+            <p:ph idx="1"/>
+          </p:nvPr>
+        </p:nvSpPr>
+        <p:spPr/>
+        <p:txBody>
+          <a:bodyPr/>
+          <a:lstStyle/>
+          <a:p>
+            <a:r>
+              <a:rPr lang="en-SG" smtClean="0"/>
+              <a:t>Reading and writing SBML</a:t>
+            </a:r>
+          </a:p>
+          <a:p>
+            <a:pPr lvl="1"/>
+            <a:r>
+              <a:rPr lang="en-SG" smtClean="0"/>
+              <a:t>Map information according to the table shown earlier</a:t>
+            </a:r>
+          </a:p>
+          <a:p>
+            <a:pPr lvl="1"/>
+            <a:r>
+              <a:rPr lang="en-SG" smtClean="0"/>
+              <a:t>Roundtripping not guaranteed</a:t>
+            </a:r>
+            <a:endParaRPr lang="en-SG"/>
+          </a:p>
+          <a:p>
+            <a:r>
+              <a:rPr lang="en-SG" smtClean="0"/>
+              <a:t>SBML spatial and multi</a:t>
+            </a:r>
+          </a:p>
+          <a:p>
+            <a:pPr lvl="1"/>
+            <a:r>
+              <a:rPr lang="en-SG" smtClean="0"/>
+              <a:t>Generate multiple lines with shorthands</a:t>
+            </a:r>
+          </a:p>
+          <a:p>
+            <a:r>
+              <a:rPr lang="en-SG" smtClean="0"/>
+              <a:t>SBML FBC</a:t>
+            </a:r>
+          </a:p>
+          <a:p>
+            <a:pPr lvl="1"/>
+            <a:r>
+              <a:rPr lang="en-SG" smtClean="0"/>
+              <a:t>Similar to parameter estimation</a:t>
+            </a:r>
+          </a:p>
+          <a:p>
+            <a:pPr lvl="1"/>
+            <a:r>
+              <a:rPr lang="en-SG" smtClean="0"/>
+              <a:t>Optimize a function other than the posterior/SSE</a:t>
+            </a:r>
+          </a:p>
+          <a:p>
+            <a:pPr lvl="1"/>
+            <a:endParaRPr lang="en-SG"/>
+          </a:p>
+        </p:txBody>
+      </p:sp>
+      <p:sp>
+        <p:nvSpPr>
+          <p:cNvPr id="2" name="Slide Number Placeholder 1"/>
+          <p:cNvSpPr>
+            <a:spLocks noGrp="1"/>
+          </p:cNvSpPr>
+          <p:nvPr>
+            <p:ph type="sldNum" sz="quarter" idx="12"/>
+          </p:nvPr>
+        </p:nvSpPr>
+        <p:spPr/>
+        <p:txBody>
+          <a:bodyPr/>
+          <a:lstStyle/>
+          <a:p>
+            <a:fld id="{6A34CF32-D65E-4FFE-97AB-911DF53E1B39}" type="slidenum">
+              <a:rPr lang="en-SG" smtClean="0"/>
+              <a:t>18</a:t>
+            </a:fld>
+            <a:endParaRPr lang="en-SG"/>
+          </a:p>
+        </p:txBody>
+      </p:sp>
+    </p:spTree>
+    <p:extLst>
+      <p:ext uri="{BB962C8B-B14F-4D97-AF65-F5344CB8AC3E}">
+        <p14:creationId xmlns:p14="http://schemas.microsoft.com/office/powerpoint/2010/main" val="3068920594"/>
+      </p:ext>
+    </p:extLst>
+  </p:cSld>
+  <p:clrMapOvr>
+    <a:masterClrMapping/>
+  </p:clrMapOvr>
+</p:sld>
+</file>
+
+<file path=ppt/slides/slide19.xml><?xml version="1.0" encoding="utf-8"?>
+<p:sld xmlns:a="http://schemas.openxmlformats.org/drawingml/2006/main" xmlns:r="http://schemas.openxmlformats.org/officeDocument/2006/relationships" xmlns:p="http://schemas.openxmlformats.org/presentationml/2006/main">
+  <p:cSld>
+    <p:spTree>
+      <p:nvGrpSpPr>
+        <p:cNvPr id="1" name=""/>
+        <p:cNvGrpSpPr/>
+        <p:nvPr/>
+      </p:nvGrpSpPr>
+      <p:grpSpPr>
+        <a:xfrm>
+          <a:off x="0" y="0"/>
+          <a:ext cx="0" cy="0"/>
+          <a:chOff x="0" y="0"/>
+          <a:chExt cx="0" cy="0"/>
+        </a:xfrm>
+      </p:grpSpPr>
+      <p:sp>
+        <p:nvSpPr>
+          <p:cNvPr id="2" name="Title 1"/>
+          <p:cNvSpPr>
+            <a:spLocks noGrp="1"/>
+          </p:cNvSpPr>
+          <p:nvPr>
+            <p:ph type="title"/>
+          </p:nvPr>
+        </p:nvSpPr>
+        <p:spPr/>
+        <p:txBody>
+          <a:bodyPr/>
+          <a:lstStyle/>
+          <a:p>
+            <a:r>
+              <a:rPr lang="en-SG" smtClean="0"/>
+              <a:t>Overview</a:t>
+            </a:r>
+            <a:endParaRPr lang="en-SG"/>
+          </a:p>
+        </p:txBody>
+      </p:sp>
+      <p:sp>
+        <p:nvSpPr>
+          <p:cNvPr id="3" name="Content Placeholder 2"/>
+          <p:cNvSpPr>
+            <a:spLocks noGrp="1"/>
+          </p:cNvSpPr>
+          <p:nvPr>
+            <p:ph idx="1"/>
+          </p:nvPr>
+        </p:nvSpPr>
+        <p:spPr/>
+        <p:txBody>
+          <a:bodyPr>
+            <a:normAutofit/>
+          </a:bodyPr>
+          <a:lstStyle/>
+          <a:p>
+            <a:endParaRPr lang="en-SG"/>
+          </a:p>
+        </p:txBody>
+      </p:sp>
+      <p:sp>
+        <p:nvSpPr>
+          <p:cNvPr id="4" name="Slide Number Placeholder 3"/>
+          <p:cNvSpPr>
+            <a:spLocks noGrp="1"/>
+          </p:cNvSpPr>
+          <p:nvPr>
+            <p:ph type="sldNum" sz="quarter" idx="12"/>
+          </p:nvPr>
+        </p:nvSpPr>
+        <p:spPr/>
+        <p:txBody>
+          <a:bodyPr/>
+          <a:lstStyle/>
+          <a:p>
+            <a:fld id="{6A34CF32-D65E-4FFE-97AB-911DF53E1B39}" type="slidenum">
+              <a:rPr lang="en-SG" smtClean="0"/>
+              <a:t>19</a:t>
+            </a:fld>
+            <a:endParaRPr lang="en-SG"/>
+          </a:p>
+        </p:txBody>
+      </p:sp>
+    </p:spTree>
+    <p:extLst>
+      <p:ext uri="{BB962C8B-B14F-4D97-AF65-F5344CB8AC3E}">
+        <p14:creationId xmlns:p14="http://schemas.microsoft.com/office/powerpoint/2010/main" val="2372304639"/>
+      </p:ext>
+    </p:extLst>
+  </p:cSld>
+  <p:clrMapOvr>
+    <a:masterClrMapping/>
+  </p:clrMapOvr>
+</p:sld>
+</file>
+
 <file path=ppt/slides/slide2.xml><?xml version="1.0" encoding="utf-8"?>
 <p:sld xmlns:a="http://schemas.openxmlformats.org/drawingml/2006/main" xmlns:r="http://schemas.openxmlformats.org/officeDocument/2006/relationships" xmlns:p="http://schemas.openxmlformats.org/presentationml/2006/main">
   <p:cSld>
@@ -3536,7 +9019,27 @@
             </a:pPr>
             <a:r>
               <a:rPr lang="en-SG" smtClean="0"/>
-              <a:t>Models are specified using .ini-based format.</a:t>
+              <a:t>Models are specified using .ini-based format OR SBML.</a:t>
+            </a:r>
+          </a:p>
+          <a:p>
+            <a:pPr marL="742950" lvl="1" indent="-285750">
+              <a:buFont typeface="Arial" panose="020B0604020202020204" pitchFamily="34" charset="0"/>
+              <a:buChar char="•"/>
+            </a:pPr>
+            <a:r>
+              <a:rPr lang="en-SG" smtClean="0"/>
+              <a:t>SBML for inter-operability</a:t>
+            </a:r>
+          </a:p>
+          <a:p>
+            <a:pPr marL="742950" lvl="1" indent="-285750">
+              <a:buFont typeface="Arial" panose="020B0604020202020204" pitchFamily="34" charset="0"/>
+              <a:buChar char="•"/>
+            </a:pPr>
+            <a:r>
+              <a:rPr lang="en-SG" smtClean="0"/>
+              <a:t>.ini for convenience</a:t>
             </a:r>
           </a:p>
           <a:p>
@@ -3546,7 +9049,7 @@
             </a:pPr>
             <a:r>
               <a:rPr lang="en-SG" smtClean="0"/>
-              <a:t>The file is read and a config/dict is produced.</a:t>
+              <a:t>The file is read and config data/a dict is produced.</a:t>
             </a:r>
           </a:p>
           <a:p>
@@ -3568,7 +9071,6 @@
               <a:rPr lang="en-SG" smtClean="0"/>
               <a:t>The results can be used to update the config.</a:t>
             </a:r>
-            <a:endParaRPr lang="en-SG" smtClean="0"/>
           </a:p>
         </p:txBody>
       </p:sp>
@@ -3620,7 +9122,7 @@
                   <a:srgbClr val="2E261F"/>
                 </a:solidFill>
               </a:rPr>
-              <a:t>.ini</a:t>
+              <a:t>Text File</a:t>
             </a:r>
             <a:endParaRPr lang="en-SG">
               <a:solidFill>
@@ -3673,12 +9175,20 @@
           <a:p>
             <a:pPr algn="ctr"/>
             <a:r>
+              <a:rPr lang="en-SG">
+                <a:solidFill>
+                  <a:srgbClr val="2E261F"/>
+                </a:solidFill>
+              </a:rPr>
+              <a:t>C</a:t>
+            </a:r>
+            <a:r>
               <a:rPr lang="en-SG" smtClean="0">
                 <a:solidFill>
                   <a:srgbClr val="2E261F"/>
                 </a:solidFill>
               </a:rPr>
-              <a:t>config</a:t>
+              <a:t>onfig Data</a:t>
             </a:r>
             <a:endParaRPr lang="en-SG">
               <a:solidFill>
@@ -3731,20 +9241,12 @@
           <a:p>
             <a:pPr algn="ctr"/>
             <a:r>
-              <a:rPr lang="en-SG">
-                <a:solidFill>
-                  <a:srgbClr val="2E261F"/>
-                </a:solidFill>
-              </a:rPr>
-              <a:t>m</a:t>
-            </a:r>
-            <a:r>
               <a:rPr lang="en-SG" smtClean="0">
                 <a:solidFill>
                   <a:srgbClr val="2E261F"/>
                 </a:solidFill>
               </a:rPr>
-              <a:t>odel_data</a:t>
+              <a:t>Model Data</a:t>
             </a:r>
             <a:endParaRPr lang="en-SG">
               <a:solidFill>
@@ -3802,7 +9304,7 @@
                   <a:srgbClr val="2E261F"/>
                 </a:solidFill>
               </a:rPr>
-              <a:t>results</a:t>
+              <a:t>Results</a:t>
             </a:r>
             <a:endParaRPr lang="en-SG">
               <a:solidFill>
@@ -4067,7 +9569,7 @@
                   <a:srgbClr val="2E261F"/>
                 </a:solidFill>
               </a:rPr>
-              <a:t>ser code</a:t>
+              <a:t>ser Code</a:t>
             </a:r>
             <a:endParaRPr lang="en-SG">
               <a:solidFill>
@@ -4306,6 +9808,29 @@
           </a:p>
         </p:txBody>
       </p:sp>
+      <p:sp>
+        <p:nvSpPr>
+          <p:cNvPr id="3" name="Slide Number Placeholder 2"/>
+          <p:cNvSpPr>
+            <a:spLocks noGrp="1"/>
+          </p:cNvSpPr>
+          <p:nvPr>
+            <p:ph type="sldNum" sz="quarter" idx="12"/>
+          </p:nvPr>
+        </p:nvSpPr>
+        <p:spPr/>
+        <p:txBody>
+          <a:bodyPr/>
+          <a:lstStyle/>
+          <a:p>
+            <a:fld id="{6A34CF32-D65E-4FFE-97AB-911DF53E1B39}" type="slidenum">
+              <a:rPr lang="en-SG" smtClean="0"/>
+              <a:t>2</a:t>
+            </a:fld>
+            <a:endParaRPr lang="en-SG"/>
+          </a:p>
+        </p:txBody>
+      </p:sp>
     </p:spTree>
     <p:extLst>
       <p:ext uri="{BB962C8B-B14F-4D97-AF65-F5344CB8AC3E}">
@@ -4323,6 +9848,690 @@
       </p:par>
     </p:tnLst>
   </p:timing>
+</p:sld>
+</file>
+
+<file path=ppt/slides/slide20.xml><?xml version="1.0" encoding="utf-8"?>
+<p:sld xmlns:a="http://schemas.openxmlformats.org/drawingml/2006/main" xmlns:r="http://schemas.openxmlformats.org/officeDocument/2006/relationships" xmlns:p="http://schemas.openxmlformats.org/presentationml/2006/main">
+  <p:cSld>
+    <p:spTree>
+      <p:nvGrpSpPr>
+        <p:cNvPr id="1" name=""/>
+        <p:cNvGrpSpPr/>
+        <p:nvPr/>
+      </p:nvGrpSpPr>
+      <p:grpSpPr>
+        <a:xfrm>
+          <a:off x="0" y="0"/>
+          <a:ext cx="0" cy="0"/>
+          <a:chOff x="0" y="0"/>
+          <a:chExt cx="0" cy="0"/>
+        </a:xfrm>
+      </p:grpSpPr>
+      <p:sp>
+        <p:nvSpPr>
+          <p:cNvPr id="4" name="Slide Number Placeholder 3"/>
+          <p:cNvSpPr>
+            <a:spLocks noGrp="1"/>
+          </p:cNvSpPr>
+          <p:nvPr>
+            <p:ph type="sldNum" sz="quarter" idx="12"/>
+          </p:nvPr>
+        </p:nvSpPr>
+        <p:spPr/>
+        <p:txBody>
+          <a:bodyPr/>
+          <a:lstStyle/>
+          <a:p>
+            <a:fld id="{6A34CF32-D65E-4FFE-97AB-911DF53E1B39}" type="slidenum">
+              <a:rPr lang="en-SG" smtClean="0"/>
+              <a:t>20</a:t>
+            </a:fld>
+            <a:endParaRPr lang="en-SG"/>
+          </a:p>
+        </p:txBody>
+      </p:sp>
+      <p:graphicFrame>
+        <p:nvGraphicFramePr>
+          <p:cNvPr id="5" name="Table 4"/>
+          <p:cNvGraphicFramePr>
+            <a:graphicFrameLocks noGrp="1"/>
+          </p:cNvGraphicFramePr>
+          <p:nvPr>
+            <p:extLst>
+              <p:ext uri="{D42A27DB-BD31-4B8C-83A1-F6EECF244321}">
+                <p14:modId xmlns:p14="http://schemas.microsoft.com/office/powerpoint/2010/main" val="179349613"/>
+              </p:ext>
+            </p:extLst>
+          </p:nvPr>
+        </p:nvGraphicFramePr>
+        <p:xfrm>
+          <a:off x="3888232" y="5157216"/>
+          <a:ext cx="3445256" cy="1380744"/>
+        </p:xfrm>
+        <a:graphic>
+          <a:graphicData uri="http://schemas.openxmlformats.org/drawingml/2006/table">
+            <a:tbl>
+              <a:tblPr firstRow="1" bandRow="1">
+                <a:tableStyleId>{5C22544A-7EE6-4342-B048-85BDC9FD1C3A}</a:tableStyleId>
+              </a:tblPr>
+              <a:tblGrid>
+                <a:gridCol w="3445256"/>
+              </a:tblGrid>
+              <a:tr h="374904">
+                <a:tc>
+                  <a:txBody>
+                    <a:bodyPr/>
+                    <a:lstStyle/>
+                    <a:p>
+                      <a:pPr algn="ctr"/>
+                      <a:r>
+                        <a:rPr lang="en-SG" smtClean="0">
+                          <a:solidFill>
+                            <a:srgbClr val="2B251A"/>
+                          </a:solidFill>
+                        </a:rPr>
+                        <a:t>funcs</a:t>
+                      </a:r>
+                      <a:endParaRPr lang="en-SG">
+                        <a:solidFill>
+                          <a:srgbClr val="2B251A"/>
+                        </a:solidFill>
+                      </a:endParaRPr>
+                    </a:p>
+                  </a:txBody>
+                  <a:tcPr>
+                    <a:solidFill>
+                      <a:srgbClr val="D69E34"/>
+                    </a:solidFill>
+                  </a:tcPr>
+                </a:tc>
+              </a:tr>
+              <a:tr h="320040">
+                <a:tc>
+                  <a:txBody>
+                    <a:bodyPr/>
+                    <a:lstStyle/>
+                    <a:p>
+                      <a:pPr algn="ctr"/>
+                      <a:r>
+                        <a:rPr lang="en-SG" smtClean="0"/>
+                        <a:t>Purpose: Store dynamically generated functions </a:t>
+                      </a:r>
+                      <a:endParaRPr lang="en-SG"/>
+                    </a:p>
+                  </a:txBody>
+                  <a:tcPr>
+                    <a:solidFill>
+                      <a:schemeClr val="bg1"/>
+                    </a:solidFill>
+                  </a:tcPr>
+                </a:tc>
+              </a:tr>
+              <a:tr h="320040">
+                <a:tc>
+                  <a:txBody>
+                    <a:bodyPr/>
+                    <a:lstStyle/>
+                    <a:p>
+                      <a:pPr algn="ctr"/>
+                      <a:endParaRPr lang="en-SG"/>
+                    </a:p>
+                  </a:txBody>
+                  <a:tcPr>
+                    <a:solidFill>
+                      <a:schemeClr val="bg1"/>
+                    </a:solidFill>
+                  </a:tcPr>
+                </a:tc>
+              </a:tr>
+            </a:tbl>
+          </a:graphicData>
+        </a:graphic>
+      </p:graphicFrame>
+      <p:graphicFrame>
+        <p:nvGraphicFramePr>
+          <p:cNvPr id="6" name="Table 5"/>
+          <p:cNvGraphicFramePr>
+            <a:graphicFrameLocks noGrp="1"/>
+          </p:cNvGraphicFramePr>
+          <p:nvPr>
+            <p:extLst>
+              <p:ext uri="{D42A27DB-BD31-4B8C-83A1-F6EECF244321}">
+                <p14:modId xmlns:p14="http://schemas.microsoft.com/office/powerpoint/2010/main" val="2232586051"/>
+              </p:ext>
+            </p:extLst>
+          </p:nvPr>
+        </p:nvGraphicFramePr>
+        <p:xfrm>
+          <a:off x="1891792" y="774192"/>
+          <a:ext cx="3445256" cy="1106424"/>
+        </p:xfrm>
+        <a:graphic>
+          <a:graphicData uri="http://schemas.openxmlformats.org/drawingml/2006/table">
+            <a:tbl>
+              <a:tblPr firstRow="1" bandRow="1">
+                <a:tableStyleId>{5C22544A-7EE6-4342-B048-85BDC9FD1C3A}</a:tableStyleId>
+              </a:tblPr>
+              <a:tblGrid>
+                <a:gridCol w="3445256"/>
+              </a:tblGrid>
+              <a:tr h="374904">
+                <a:tc>
+                  <a:txBody>
+                    <a:bodyPr/>
+                    <a:lstStyle/>
+                    <a:p>
+                      <a:pPr algn="ctr"/>
+                      <a:r>
+                        <a:rPr lang="en-SG" smtClean="0">
+                          <a:solidFill>
+                            <a:srgbClr val="2B251A"/>
+                          </a:solidFill>
+                        </a:rPr>
+                        <a:t>dn_reader</a:t>
+                      </a:r>
+                      <a:endParaRPr lang="en-SG">
+                        <a:solidFill>
+                          <a:srgbClr val="2B251A"/>
+                        </a:solidFill>
+                      </a:endParaRPr>
+                    </a:p>
+                  </a:txBody>
+                  <a:tcPr>
+                    <a:solidFill>
+                      <a:srgbClr val="D69E34"/>
+                    </a:solidFill>
+                  </a:tcPr>
+                </a:tc>
+              </a:tr>
+              <a:tr h="320040">
+                <a:tc>
+                  <a:txBody>
+                    <a:bodyPr/>
+                    <a:lstStyle/>
+                    <a:p>
+                      <a:pPr algn="ctr"/>
+                      <a:r>
+                        <a:rPr lang="en-SG" smtClean="0"/>
+                        <a:t>Purpose: Read .dun files</a:t>
+                      </a:r>
+                      <a:endParaRPr lang="en-SG"/>
+                    </a:p>
+                  </a:txBody>
+                  <a:tcPr>
+                    <a:solidFill>
+                      <a:schemeClr val="bg1"/>
+                    </a:solidFill>
+                  </a:tcPr>
+                </a:tc>
+              </a:tr>
+              <a:tr h="320040">
+                <a:tc>
+                  <a:txBody>
+                    <a:bodyPr/>
+                    <a:lstStyle/>
+                    <a:p>
+                      <a:pPr algn="ctr"/>
+                      <a:endParaRPr lang="en-SG"/>
+                    </a:p>
+                  </a:txBody>
+                  <a:tcPr>
+                    <a:solidFill>
+                      <a:schemeClr val="bg1"/>
+                    </a:solidFill>
+                  </a:tcPr>
+                </a:tc>
+              </a:tr>
+            </a:tbl>
+          </a:graphicData>
+        </a:graphic>
+      </p:graphicFrame>
+      <p:graphicFrame>
+        <p:nvGraphicFramePr>
+          <p:cNvPr id="7" name="Table 6"/>
+          <p:cNvGraphicFramePr>
+            <a:graphicFrameLocks noGrp="1"/>
+          </p:cNvGraphicFramePr>
+          <p:nvPr>
+            <p:extLst>
+              <p:ext uri="{D42A27DB-BD31-4B8C-83A1-F6EECF244321}">
+                <p14:modId xmlns:p14="http://schemas.microsoft.com/office/powerpoint/2010/main" val="203733424"/>
+              </p:ext>
+            </p:extLst>
+          </p:nvPr>
+        </p:nvGraphicFramePr>
+        <p:xfrm>
+          <a:off x="6096000" y="774192"/>
+          <a:ext cx="3445256" cy="1380744"/>
+        </p:xfrm>
+        <a:graphic>
+          <a:graphicData uri="http://schemas.openxmlformats.org/drawingml/2006/table">
+            <a:tbl>
+              <a:tblPr firstRow="1" bandRow="1">
+                <a:tableStyleId>{5C22544A-7EE6-4342-B048-85BDC9FD1C3A}</a:tableStyleId>
+              </a:tblPr>
+              <a:tblGrid>
+                <a:gridCol w="3445256"/>
+              </a:tblGrid>
+              <a:tr h="374904">
+                <a:tc>
+                  <a:txBody>
+                    <a:bodyPr/>
+                    <a:lstStyle/>
+                    <a:p>
+                      <a:pPr algn="ctr"/>
+                      <a:r>
+                        <a:rPr lang="en-SG" smtClean="0">
+                          <a:solidFill>
+                            <a:srgbClr val="2B251A"/>
+                          </a:solidFill>
+                        </a:rPr>
+                        <a:t>base_error</a:t>
+                      </a:r>
+                      <a:endParaRPr lang="en-SG">
+                        <a:solidFill>
+                          <a:srgbClr val="2B251A"/>
+                        </a:solidFill>
+                      </a:endParaRPr>
+                    </a:p>
+                  </a:txBody>
+                  <a:tcPr>
+                    <a:solidFill>
+                      <a:srgbClr val="D69E34"/>
+                    </a:solidFill>
+                  </a:tcPr>
+                </a:tc>
+              </a:tr>
+              <a:tr h="320040">
+                <a:tc>
+                  <a:txBody>
+                    <a:bodyPr/>
+                    <a:lstStyle/>
+                    <a:p>
+                      <a:pPr algn="ctr"/>
+                      <a:r>
+                        <a:rPr lang="en-SG" smtClean="0"/>
+                        <a:t>Purpose: Provide the class for Dunlin-related</a:t>
+                      </a:r>
+                      <a:r>
+                        <a:rPr lang="en-SG" baseline="0" smtClean="0"/>
+                        <a:t> errors</a:t>
+                      </a:r>
+                      <a:endParaRPr lang="en-SG"/>
+                    </a:p>
+                  </a:txBody>
+                  <a:tcPr>
+                    <a:solidFill>
+                      <a:schemeClr val="bg1"/>
+                    </a:solidFill>
+                  </a:tcPr>
+                </a:tc>
+              </a:tr>
+              <a:tr h="320040">
+                <a:tc>
+                  <a:txBody>
+                    <a:bodyPr/>
+                    <a:lstStyle/>
+                    <a:p>
+                      <a:pPr algn="ctr"/>
+                      <a:endParaRPr lang="en-SG"/>
+                    </a:p>
+                  </a:txBody>
+                  <a:tcPr>
+                    <a:solidFill>
+                      <a:schemeClr val="bg1"/>
+                    </a:solidFill>
+                  </a:tcPr>
+                </a:tc>
+              </a:tr>
+            </a:tbl>
+          </a:graphicData>
+        </a:graphic>
+      </p:graphicFrame>
+    </p:spTree>
+    <p:extLst>
+      <p:ext uri="{BB962C8B-B14F-4D97-AF65-F5344CB8AC3E}">
+        <p14:creationId xmlns:p14="http://schemas.microsoft.com/office/powerpoint/2010/main" val="200514673"/>
+      </p:ext>
+    </p:extLst>
+  </p:cSld>
+  <p:clrMapOvr>
+    <a:masterClrMapping/>
+  </p:clrMapOvr>
+</p:sld>
+</file>
+
+<file path=ppt/slides/slide21.xml><?xml version="1.0" encoding="utf-8"?>
+<p:sld xmlns:a="http://schemas.openxmlformats.org/drawingml/2006/main" xmlns:r="http://schemas.openxmlformats.org/officeDocument/2006/relationships" xmlns:p="http://schemas.openxmlformats.org/presentationml/2006/main">
+  <p:cSld>
+    <p:spTree>
+      <p:nvGrpSpPr>
+        <p:cNvPr id="1" name=""/>
+        <p:cNvGrpSpPr/>
+        <p:nvPr/>
+      </p:nvGrpSpPr>
+      <p:grpSpPr>
+        <a:xfrm>
+          <a:off x="0" y="0"/>
+          <a:ext cx="0" cy="0"/>
+          <a:chOff x="0" y="0"/>
+          <a:chExt cx="0" cy="0"/>
+        </a:xfrm>
+      </p:grpSpPr>
+      <p:sp>
+        <p:nvSpPr>
+          <p:cNvPr id="2" name="Title 1"/>
+          <p:cNvSpPr>
+            <a:spLocks noGrp="1"/>
+          </p:cNvSpPr>
+          <p:nvPr>
+            <p:ph type="title"/>
+          </p:nvPr>
+        </p:nvSpPr>
+        <p:spPr/>
+        <p:txBody>
+          <a:bodyPr/>
+          <a:lstStyle/>
+          <a:p>
+            <a:r>
+              <a:rPr lang="en-SG" smtClean="0"/>
+              <a:t>Event handling</a:t>
+            </a:r>
+            <a:endParaRPr lang="en-SG"/>
+          </a:p>
+        </p:txBody>
+      </p:sp>
+      <p:sp>
+        <p:nvSpPr>
+          <p:cNvPr id="3" name="Content Placeholder 2"/>
+          <p:cNvSpPr>
+            <a:spLocks noGrp="1"/>
+          </p:cNvSpPr>
+          <p:nvPr>
+            <p:ph idx="1"/>
+          </p:nvPr>
+        </p:nvSpPr>
+        <p:spPr/>
+        <p:txBody>
+          <a:bodyPr/>
+          <a:lstStyle/>
+          <a:p>
+            <a:endParaRPr lang="en-SG" smtClean="0"/>
+          </a:p>
+          <a:p>
+            <a:r>
+              <a:rPr lang="en-SG" smtClean="0"/>
+              <a:t>Map to scipy.integrate.solve_ivp event argument</a:t>
+            </a:r>
+          </a:p>
+          <a:p>
+            <a:pPr lvl="1"/>
+            <a:r>
+              <a:rPr lang="en-SG">
+                <a:hlinkClick r:id="rId2"/>
+              </a:rPr>
+              <a:t>https://</a:t>
+            </a:r>
+            <a:r>
+              <a:rPr lang="en-SG" smtClean="0">
+                <a:hlinkClick r:id="rId2"/>
+              </a:rPr>
+              <a:t>docs.scipy.org/doc/scipy/reference/generated/scipy.integrate.solve_ivp.html</a:t>
+            </a:r>
+            <a:endParaRPr lang="en-SG" smtClean="0"/>
+          </a:p>
+          <a:p>
+            <a:pPr lvl="1"/>
+            <a:r>
+              <a:rPr lang="en-SG" smtClean="0"/>
+              <a:t>Create a function with the “terminal” attribute set to True</a:t>
+            </a:r>
+            <a:endParaRPr lang="en-SG"/>
+          </a:p>
+        </p:txBody>
+      </p:sp>
+      <p:sp>
+        <p:nvSpPr>
+          <p:cNvPr id="4" name="Slide Number Placeholder 3"/>
+          <p:cNvSpPr>
+            <a:spLocks noGrp="1"/>
+          </p:cNvSpPr>
+          <p:nvPr>
+            <p:ph type="sldNum" sz="quarter" idx="12"/>
+          </p:nvPr>
+        </p:nvSpPr>
+        <p:spPr/>
+        <p:txBody>
+          <a:bodyPr/>
+          <a:lstStyle/>
+          <a:p>
+            <a:fld id="{6A34CF32-D65E-4FFE-97AB-911DF53E1B39}" type="slidenum">
+              <a:rPr lang="en-SG" smtClean="0"/>
+              <a:t>21</a:t>
+            </a:fld>
+            <a:endParaRPr lang="en-SG"/>
+          </a:p>
+        </p:txBody>
+      </p:sp>
+    </p:spTree>
+    <p:extLst>
+      <p:ext uri="{BB962C8B-B14F-4D97-AF65-F5344CB8AC3E}">
+        <p14:creationId xmlns:p14="http://schemas.microsoft.com/office/powerpoint/2010/main" val="2727835433"/>
+      </p:ext>
+    </p:extLst>
+  </p:cSld>
+  <p:clrMapOvr>
+    <a:masterClrMapping/>
+  </p:clrMapOvr>
+</p:sld>
+</file>
+
+<file path=ppt/slides/slide22.xml><?xml version="1.0" encoding="utf-8"?>
+<p:sld xmlns:a="http://schemas.openxmlformats.org/drawingml/2006/main" xmlns:r="http://schemas.openxmlformats.org/officeDocument/2006/relationships" xmlns:p="http://schemas.openxmlformats.org/presentationml/2006/main">
+  <p:cSld>
+    <p:spTree>
+      <p:nvGrpSpPr>
+        <p:cNvPr id="1" name=""/>
+        <p:cNvGrpSpPr/>
+        <p:nvPr/>
+      </p:nvGrpSpPr>
+      <p:grpSpPr>
+        <a:xfrm>
+          <a:off x="0" y="0"/>
+          <a:ext cx="0" cy="0"/>
+          <a:chOff x="0" y="0"/>
+          <a:chExt cx="0" cy="0"/>
+        </a:xfrm>
+      </p:grpSpPr>
+      <p:sp>
+        <p:nvSpPr>
+          <p:cNvPr id="2" name="Title 1"/>
+          <p:cNvSpPr>
+            <a:spLocks noGrp="1"/>
+          </p:cNvSpPr>
+          <p:nvPr>
+            <p:ph type="title"/>
+          </p:nvPr>
+        </p:nvSpPr>
+        <p:spPr/>
+        <p:txBody>
+          <a:bodyPr/>
+          <a:lstStyle/>
+          <a:p>
+            <a:r>
+              <a:rPr lang="en-SG" smtClean="0"/>
+              <a:t>Initial Assignments</a:t>
+            </a:r>
+            <a:endParaRPr lang="en-SG"/>
+          </a:p>
+        </p:txBody>
+      </p:sp>
+      <p:sp>
+        <p:nvSpPr>
+          <p:cNvPr id="3" name="Content Placeholder 2"/>
+          <p:cNvSpPr>
+            <a:spLocks noGrp="1"/>
+          </p:cNvSpPr>
+          <p:nvPr>
+            <p:ph idx="1"/>
+          </p:nvPr>
+        </p:nvSpPr>
+        <p:spPr/>
+        <p:txBody>
+          <a:bodyPr/>
+          <a:lstStyle/>
+          <a:p>
+            <a:endParaRPr lang="en-SG"/>
+          </a:p>
+        </p:txBody>
+      </p:sp>
+      <p:sp>
+        <p:nvSpPr>
+          <p:cNvPr id="4" name="Slide Number Placeholder 3"/>
+          <p:cNvSpPr>
+            <a:spLocks noGrp="1"/>
+          </p:cNvSpPr>
+          <p:nvPr>
+            <p:ph type="sldNum" sz="quarter" idx="12"/>
+          </p:nvPr>
+        </p:nvSpPr>
+        <p:spPr/>
+        <p:txBody>
+          <a:bodyPr/>
+          <a:lstStyle/>
+          <a:p>
+            <a:fld id="{6A34CF32-D65E-4FFE-97AB-911DF53E1B39}" type="slidenum">
+              <a:rPr lang="en-SG" smtClean="0"/>
+              <a:t>22</a:t>
+            </a:fld>
+            <a:endParaRPr lang="en-SG"/>
+          </a:p>
+        </p:txBody>
+      </p:sp>
+    </p:spTree>
+    <p:extLst>
+      <p:ext uri="{BB962C8B-B14F-4D97-AF65-F5344CB8AC3E}">
+        <p14:creationId xmlns:p14="http://schemas.microsoft.com/office/powerpoint/2010/main" val="1914675986"/>
+      </p:ext>
+    </p:extLst>
+  </p:cSld>
+  <p:clrMapOvr>
+    <a:masterClrMapping/>
+  </p:clrMapOvr>
+</p:sld>
+</file>
+
+<file path=ppt/slides/slide23.xml><?xml version="1.0" encoding="utf-8"?>
+<p:sld xmlns:a="http://schemas.openxmlformats.org/drawingml/2006/main" xmlns:r="http://schemas.openxmlformats.org/officeDocument/2006/relationships" xmlns:p="http://schemas.openxmlformats.org/presentationml/2006/main">
+  <p:cSld>
+    <p:spTree>
+      <p:nvGrpSpPr>
+        <p:cNvPr id="1" name=""/>
+        <p:cNvGrpSpPr/>
+        <p:nvPr/>
+      </p:nvGrpSpPr>
+      <p:grpSpPr>
+        <a:xfrm>
+          <a:off x="0" y="0"/>
+          <a:ext cx="0" cy="0"/>
+          <a:chOff x="0" y="0"/>
+          <a:chExt cx="0" cy="0"/>
+        </a:xfrm>
+      </p:grpSpPr>
+      <p:sp>
+        <p:nvSpPr>
+          <p:cNvPr id="4" name="Slide Number Placeholder 3"/>
+          <p:cNvSpPr>
+            <a:spLocks noGrp="1"/>
+          </p:cNvSpPr>
+          <p:nvPr>
+            <p:ph type="sldNum" sz="quarter" idx="12"/>
+          </p:nvPr>
+        </p:nvSpPr>
+        <p:spPr/>
+        <p:txBody>
+          <a:bodyPr/>
+          <a:lstStyle/>
+          <a:p>
+            <a:fld id="{6A34CF32-D65E-4FFE-97AB-911DF53E1B39}" type="slidenum">
+              <a:rPr lang="en-SG" smtClean="0"/>
+              <a:t>23</a:t>
+            </a:fld>
+            <a:endParaRPr lang="en-SG"/>
+          </a:p>
+        </p:txBody>
+      </p:sp>
+      <p:pic>
+        <p:nvPicPr>
+          <p:cNvPr id="6" name="Picture 5"/>
+          <p:cNvPicPr>
+            <a:picLocks noChangeAspect="1"/>
+          </p:cNvPicPr>
+          <p:nvPr/>
+        </p:nvPicPr>
+        <p:blipFill>
+          <a:blip r:embed="rId2">
+            <a:extLst>
+              <a:ext uri="{28A0092B-C50C-407E-A947-70E740481C1C}">
+                <a14:useLocalDpi xmlns:a14="http://schemas.microsoft.com/office/drawing/2010/main" val="0"/>
+              </a:ext>
+            </a:extLst>
+          </a:blip>
+          <a:stretch>
+            <a:fillRect/>
+          </a:stretch>
+        </p:blipFill>
+        <p:spPr>
+          <a:xfrm>
+            <a:off x="3467100" y="0"/>
+            <a:ext cx="5143500" cy="6858000"/>
+          </a:xfrm>
+          <a:prstGeom prst="rect">
+            <a:avLst/>
+          </a:prstGeom>
+        </p:spPr>
+      </p:pic>
+      <p:sp>
+        <p:nvSpPr>
+          <p:cNvPr id="7" name="TextBox 6"/>
+          <p:cNvSpPr txBox="1"/>
+          <p:nvPr/>
+        </p:nvSpPr>
+        <p:spPr>
+          <a:xfrm>
+            <a:off x="9509760" y="4425696"/>
+            <a:ext cx="2432304" cy="369332"/>
+          </a:xfrm>
+          <a:prstGeom prst="rect">
+            <a:avLst/>
+          </a:prstGeom>
+          <a:noFill/>
+        </p:spPr>
+        <p:txBody>
+          <a:bodyPr wrap="square" rtlCol="0">
+            <a:spAutoFit/>
+          </a:bodyPr>
+          <a:lstStyle/>
+          <a:p>
+            <a:r>
+              <a:rPr lang="en-SG" smtClean="0"/>
+              <a:t>Conc: 2.25~2.50 mg/L</a:t>
+            </a:r>
+            <a:endParaRPr lang="en-SG"/>
+          </a:p>
+        </p:txBody>
+      </p:sp>
+    </p:spTree>
+    <p:extLst>
+      <p:ext uri="{BB962C8B-B14F-4D97-AF65-F5344CB8AC3E}">
+        <p14:creationId xmlns:p14="http://schemas.microsoft.com/office/powerpoint/2010/main" val="2511583052"/>
+      </p:ext>
+    </p:extLst>
+  </p:cSld>
+  <p:clrMapOvr>
+    <a:masterClrMapping/>
+  </p:clrMapOvr>
 </p:sld>
 </file>
 
@@ -4366,8 +10575,8 @@
         </p:blipFill>
         <p:spPr bwMode="auto">
           <a:xfrm>
-            <a:off x="-957073" y="558590"/>
-            <a:ext cx="8604504" cy="5740819"/>
+            <a:off x="-1435538" y="767912"/>
+            <a:ext cx="9127998" cy="6090088"/>
           </a:xfrm>
           <a:prstGeom prst="rect">
             <a:avLst/>
@@ -4407,7 +10616,7 @@
         </p:blipFill>
         <p:spPr bwMode="auto">
           <a:xfrm>
-            <a:off x="5862693" y="0"/>
+            <a:off x="5407017" y="0"/>
             <a:ext cx="7642368" cy="5398612"/>
           </a:xfrm>
           <a:prstGeom prst="rect">
@@ -4701,6 +10910,29 @@
           </a:p>
         </p:txBody>
       </p:sp>
+      <p:sp>
+        <p:nvSpPr>
+          <p:cNvPr id="2" name="Slide Number Placeholder 1"/>
+          <p:cNvSpPr>
+            <a:spLocks noGrp="1"/>
+          </p:cNvSpPr>
+          <p:nvPr>
+            <p:ph type="sldNum" sz="quarter" idx="12"/>
+          </p:nvPr>
+        </p:nvSpPr>
+        <p:spPr/>
+        <p:txBody>
+          <a:bodyPr/>
+          <a:lstStyle/>
+          <a:p>
+            <a:fld id="{6A34CF32-D65E-4FFE-97AB-911DF53E1B39}" type="slidenum">
+              <a:rPr lang="en-SG" smtClean="0"/>
+              <a:t>3</a:t>
+            </a:fld>
+            <a:endParaRPr lang="en-SG"/>
+          </a:p>
+        </p:txBody>
+      </p:sp>
     </p:spTree>
     <p:extLst>
       <p:ext uri="{BB962C8B-B14F-4D97-AF65-F5344CB8AC3E}">
@@ -4724,6 +10956,14 @@
 <file path=ppt/slides/slide4.xml><?xml version="1.0" encoding="utf-8"?>
 <p:sld xmlns:a="http://schemas.openxmlformats.org/drawingml/2006/main" xmlns:r="http://schemas.openxmlformats.org/officeDocument/2006/relationships" xmlns:p="http://schemas.openxmlformats.org/presentationml/2006/main">
   <p:cSld>
+    <p:bg>
+      <p:bgPr>
+        <a:solidFill>
+          <a:schemeClr val="bg1"/>
+        </a:solidFill>
+        <a:effectLst/>
+      </p:bgPr>
+    </p:bg>
     <p:spTree>
       <p:nvGrpSpPr>
         <p:cNvPr id="1" name=""/>
@@ -4738,100 +10978,313 @@
           <a:chExt cx="0" cy="0"/>
         </a:xfrm>
       </p:grpSpPr>
-      <p:sp>
-        <p:nvSpPr>
-          <p:cNvPr id="2" name="TextBox 1"/>
-          <p:cNvSpPr txBox="1"/>
+      <p:grpSp>
+        <p:nvGrpSpPr>
+          <p:cNvPr id="5" name="Group 4"/>
+          <p:cNvGrpSpPr/>
+          <p:nvPr/>
+        </p:nvGrpSpPr>
+        <p:grpSpPr>
+          <a:xfrm>
+            <a:off x="3036000" y="282472"/>
+            <a:ext cx="6120000" cy="2471298"/>
+            <a:chOff x="3036000" y="299915"/>
+            <a:chExt cx="6120000" cy="2471298"/>
+          </a:xfrm>
+        </p:grpSpPr>
+        <p:sp>
+          <p:nvSpPr>
+            <p:cNvPr id="6" name="Rectangle 5"/>
+            <p:cNvSpPr/>
+            <p:nvPr/>
+          </p:nvSpPr>
+          <p:spPr>
+            <a:xfrm>
+              <a:off x="3036000" y="1691213"/>
+              <a:ext cx="6120000" cy="1080000"/>
+            </a:xfrm>
+            <a:prstGeom prst="rect">
+              <a:avLst/>
+            </a:prstGeom>
+            <a:solidFill>
+              <a:srgbClr val="5A4D3D"/>
+            </a:solidFill>
+            <a:ln>
+              <a:noFill/>
+            </a:ln>
+          </p:spPr>
+          <p:style>
+            <a:lnRef idx="2">
+              <a:schemeClr val="accent1">
+                <a:shade val="50000"/>
+              </a:schemeClr>
+            </a:lnRef>
+            <a:fillRef idx="1">
+              <a:schemeClr val="accent1"/>
+            </a:fillRef>
+            <a:effectRef idx="0">
+              <a:schemeClr val="accent1"/>
+            </a:effectRef>
+            <a:fontRef idx="minor">
+              <a:schemeClr val="lt1"/>
+            </a:fontRef>
+          </p:style>
+          <p:txBody>
+            <a:bodyPr rtlCol="0" anchor="ctr"/>
+            <a:lstStyle/>
+            <a:p>
+              <a:pPr algn="ctr"/>
+              <a:endParaRPr lang="en-SG"/>
+            </a:p>
+          </p:txBody>
+        </p:sp>
+        <p:sp>
+          <p:nvSpPr>
+            <p:cNvPr id="11" name="Rectangle 10"/>
+            <p:cNvSpPr/>
+            <p:nvPr/>
+          </p:nvSpPr>
+          <p:spPr>
+            <a:xfrm>
+              <a:off x="7115628" y="299915"/>
+              <a:ext cx="900000" cy="2160000"/>
+            </a:xfrm>
+            <a:prstGeom prst="rect">
+              <a:avLst/>
+            </a:prstGeom>
+            <a:solidFill>
+              <a:srgbClr val="2E261F"/>
+            </a:solidFill>
+            <a:ln>
+              <a:noFill/>
+            </a:ln>
+          </p:spPr>
+          <p:style>
+            <a:lnRef idx="2">
+              <a:schemeClr val="accent1">
+                <a:shade val="50000"/>
+              </a:schemeClr>
+            </a:lnRef>
+            <a:fillRef idx="1">
+              <a:schemeClr val="accent1"/>
+            </a:fillRef>
+            <a:effectRef idx="0">
+              <a:schemeClr val="accent1"/>
+            </a:effectRef>
+            <a:fontRef idx="minor">
+              <a:schemeClr val="lt1"/>
+            </a:fontRef>
+          </p:style>
+          <p:txBody>
+            <a:bodyPr rtlCol="0" anchor="ctr"/>
+            <a:lstStyle/>
+            <a:p>
+              <a:pPr algn="ctr"/>
+              <a:endParaRPr lang="en-SG"/>
+            </a:p>
+          </p:txBody>
+        </p:sp>
+        <p:sp>
+          <p:nvSpPr>
+            <p:cNvPr id="13" name="Rectangle 12"/>
+            <p:cNvSpPr/>
+            <p:nvPr/>
+          </p:nvSpPr>
+          <p:spPr>
+            <a:xfrm>
+              <a:off x="8015628" y="839915"/>
+              <a:ext cx="900000" cy="1080000"/>
+            </a:xfrm>
+            <a:prstGeom prst="rect">
+              <a:avLst/>
+            </a:prstGeom>
+            <a:solidFill>
+              <a:srgbClr val="6C6366"/>
+            </a:solidFill>
+            <a:ln>
+              <a:noFill/>
+            </a:ln>
+          </p:spPr>
+          <p:style>
+            <a:lnRef idx="2">
+              <a:schemeClr val="accent1">
+                <a:shade val="50000"/>
+              </a:schemeClr>
+            </a:lnRef>
+            <a:fillRef idx="1">
+              <a:schemeClr val="accent1"/>
+            </a:fillRef>
+            <a:effectRef idx="0">
+              <a:schemeClr val="accent1"/>
+            </a:effectRef>
+            <a:fontRef idx="minor">
+              <a:schemeClr val="lt1"/>
+            </a:fontRef>
+          </p:style>
+          <p:txBody>
+            <a:bodyPr rtlCol="0" anchor="ctr"/>
+            <a:lstStyle/>
+            <a:p>
+              <a:pPr algn="ctr"/>
+              <a:endParaRPr lang="en-SG"/>
+            </a:p>
+          </p:txBody>
+        </p:sp>
+        <p:sp>
+          <p:nvSpPr>
+            <p:cNvPr id="12" name="Rectangle 11"/>
+            <p:cNvSpPr/>
+            <p:nvPr/>
+          </p:nvSpPr>
+          <p:spPr>
+            <a:xfrm>
+              <a:off x="7691628" y="1335315"/>
+              <a:ext cx="648000" cy="864000"/>
+            </a:xfrm>
+            <a:prstGeom prst="rect">
+              <a:avLst/>
+            </a:prstGeom>
+            <a:solidFill>
+              <a:srgbClr val="D4DFF1"/>
+            </a:solidFill>
+            <a:ln>
+              <a:noFill/>
+            </a:ln>
+          </p:spPr>
+          <p:style>
+            <a:lnRef idx="2">
+              <a:schemeClr val="accent1">
+                <a:shade val="50000"/>
+              </a:schemeClr>
+            </a:lnRef>
+            <a:fillRef idx="1">
+              <a:schemeClr val="accent1"/>
+            </a:fillRef>
+            <a:effectRef idx="0">
+              <a:schemeClr val="accent1"/>
+            </a:effectRef>
+            <a:fontRef idx="minor">
+              <a:schemeClr val="lt1"/>
+            </a:fontRef>
+          </p:style>
+          <p:txBody>
+            <a:bodyPr rtlCol="0" anchor="ctr"/>
+            <a:lstStyle/>
+            <a:p>
+              <a:pPr algn="ctr"/>
+              <a:endParaRPr lang="en-SG"/>
+            </a:p>
+          </p:txBody>
+        </p:sp>
+        <p:sp>
+          <p:nvSpPr>
+            <p:cNvPr id="15" name="Rectangle 14"/>
+            <p:cNvSpPr/>
+            <p:nvPr/>
+          </p:nvSpPr>
+          <p:spPr>
+            <a:xfrm>
+              <a:off x="6096000" y="693675"/>
+              <a:ext cx="1260000" cy="1620000"/>
+            </a:xfrm>
+            <a:prstGeom prst="rect">
+              <a:avLst/>
+            </a:prstGeom>
+            <a:solidFill>
+              <a:srgbClr val="D4DFF1"/>
+            </a:solidFill>
+            <a:ln>
+              <a:noFill/>
+            </a:ln>
+          </p:spPr>
+          <p:style>
+            <a:lnRef idx="2">
+              <a:schemeClr val="accent1">
+                <a:shade val="50000"/>
+              </a:schemeClr>
+            </a:lnRef>
+            <a:fillRef idx="1">
+              <a:schemeClr val="accent1"/>
+            </a:fillRef>
+            <a:effectRef idx="0">
+              <a:schemeClr val="accent1"/>
+            </a:effectRef>
+            <a:fontRef idx="minor">
+              <a:schemeClr val="lt1"/>
+            </a:fontRef>
+          </p:style>
+          <p:txBody>
+            <a:bodyPr rtlCol="0" anchor="ctr"/>
+            <a:lstStyle/>
+            <a:p>
+              <a:pPr algn="ctr"/>
+              <a:endParaRPr lang="en-SG"/>
+            </a:p>
+          </p:txBody>
+        </p:sp>
+        <p:sp>
+          <p:nvSpPr>
+            <p:cNvPr id="9" name="Rectangle 8"/>
+            <p:cNvSpPr/>
+            <p:nvPr/>
+          </p:nvSpPr>
+          <p:spPr>
+            <a:xfrm>
+              <a:off x="5579256" y="919745"/>
+              <a:ext cx="720000" cy="1080000"/>
+            </a:xfrm>
+            <a:prstGeom prst="rect">
+              <a:avLst/>
+            </a:prstGeom>
+            <a:solidFill>
+              <a:srgbClr val="DCAB52"/>
+            </a:solidFill>
+            <a:ln>
+              <a:noFill/>
+            </a:ln>
+          </p:spPr>
+          <p:style>
+            <a:lnRef idx="2">
+              <a:schemeClr val="accent1">
+                <a:shade val="50000"/>
+              </a:schemeClr>
+            </a:lnRef>
+            <a:fillRef idx="1">
+              <a:schemeClr val="accent1"/>
+            </a:fillRef>
+            <a:effectRef idx="0">
+              <a:schemeClr val="accent1"/>
+            </a:effectRef>
+            <a:fontRef idx="minor">
+              <a:schemeClr val="lt1"/>
+            </a:fontRef>
+          </p:style>
+          <p:txBody>
+            <a:bodyPr rtlCol="0" anchor="ctr"/>
+            <a:lstStyle/>
+            <a:p>
+              <a:pPr algn="ctr"/>
+              <a:endParaRPr lang="en-SG"/>
+            </a:p>
+          </p:txBody>
+        </p:sp>
+      </p:grpSp>
+      <p:sp>
+        <p:nvSpPr>
+          <p:cNvPr id="21" name="Rectangle 20"/>
+          <p:cNvSpPr/>
           <p:nvPr/>
         </p:nvSpPr>
         <p:spPr>
           <a:xfrm>
-            <a:off x="1686560" y="3007360"/>
-            <a:ext cx="5659120" cy="1477328"/>
-          </a:xfrm>
-          <a:prstGeom prst="rect">
-            <a:avLst/>
-          </a:prstGeom>
-          <a:noFill/>
-        </p:spPr>
-        <p:txBody>
-          <a:bodyPr wrap="square" rtlCol="0">
-            <a:spAutoFit/>
-          </a:bodyPr>
-          <a:lstStyle/>
-          <a:p>
-            <a:r>
-              <a:rPr lang="en-SG" smtClean="0">
-                <a:solidFill>
-                  <a:srgbClr val="2E261F"/>
-                </a:solidFill>
-              </a:rPr>
-              <a:t>Light blue 212 223 #D4DFF1</a:t>
-            </a:r>
-          </a:p>
-          <a:p>
-            <a:r>
-              <a:rPr lang="en-SG" smtClean="0">
-                <a:solidFill>
-                  <a:srgbClr val="2E261F"/>
-                </a:solidFill>
-              </a:rPr>
-              <a:t>Gray 116, 106, 109 #746A6D</a:t>
-            </a:r>
-          </a:p>
-          <a:p>
-            <a:r>
-              <a:rPr lang="en-SG" smtClean="0">
-                <a:solidFill>
-                  <a:srgbClr val="2E261F"/>
-                </a:solidFill>
-              </a:rPr>
-              <a:t>Dark brown 46 38 31 #2E261F</a:t>
-            </a:r>
-          </a:p>
-          <a:p>
-            <a:r>
-              <a:rPr lang="en-SG" smtClean="0">
-                <a:solidFill>
-                  <a:srgbClr val="2E261F"/>
-                </a:solidFill>
-              </a:rPr>
-              <a:t>Orange 220, 171, 82 #DCAB52</a:t>
-            </a:r>
-          </a:p>
-          <a:p>
-            <a:r>
-              <a:rPr lang="en-SG" smtClean="0">
-                <a:solidFill>
-                  <a:srgbClr val="2E261F"/>
-                </a:solidFill>
-              </a:rPr>
-              <a:t> </a:t>
-            </a:r>
-            <a:endParaRPr lang="en-SG">
-              <a:solidFill>
-                <a:srgbClr val="2E261F"/>
-              </a:solidFill>
-            </a:endParaRPr>
-          </a:p>
-        </p:txBody>
-      </p:sp>
-      <p:sp>
-        <p:nvSpPr>
-          <p:cNvPr id="3" name="Rectangle 2"/>
-          <p:cNvSpPr/>
-          <p:nvPr/>
-        </p:nvSpPr>
-        <p:spPr>
-          <a:xfrm>
-            <a:off x="7745388" y="967415"/>
-            <a:ext cx="3745572" cy="4923169"/>
+            <a:off x="0" y="3429000"/>
+            <a:ext cx="12192000" cy="3429000"/>
           </a:xfrm>
           <a:prstGeom prst="rect">
             <a:avLst/>
           </a:prstGeom>
           <a:solidFill>
-            <a:srgbClr val="DCAB52"/>
+            <a:schemeClr val="tx1"/>
           </a:solidFill>
           <a:ln>
             <a:noFill/>
@@ -4862,140 +11315,316 @@
           </a:p>
         </p:txBody>
       </p:sp>
-      <p:sp>
-        <p:nvSpPr>
-          <p:cNvPr id="6" name="Rectangle 5"/>
-          <p:cNvSpPr/>
+      <p:grpSp>
+        <p:nvGrpSpPr>
+          <p:cNvPr id="41" name="Group 40"/>
+          <p:cNvGrpSpPr/>
           <p:nvPr/>
-        </p:nvSpPr>
-        <p:spPr>
+        </p:nvGrpSpPr>
+        <p:grpSpPr>
           <a:xfrm>
-            <a:off x="6414710" y="2286000"/>
-            <a:ext cx="3633530" cy="1143000"/>
+            <a:off x="3036000" y="3907851"/>
+            <a:ext cx="6120000" cy="2471298"/>
+            <a:chOff x="3036000" y="299915"/>
+            <a:chExt cx="6120000" cy="2471298"/>
           </a:xfrm>
-          <a:prstGeom prst="rect">
-            <a:avLst/>
-          </a:prstGeom>
-          <a:solidFill>
-            <a:srgbClr val="5A4D3D"/>
-          </a:solidFill>
-          <a:ln>
-            <a:noFill/>
-          </a:ln>
-        </p:spPr>
-        <p:style>
-          <a:lnRef idx="2">
-            <a:schemeClr val="accent1">
-              <a:shade val="50000"/>
-            </a:schemeClr>
-          </a:lnRef>
-          <a:fillRef idx="1">
-            <a:schemeClr val="accent1"/>
-          </a:fillRef>
-          <a:effectRef idx="0">
-            <a:schemeClr val="accent1"/>
-          </a:effectRef>
-          <a:fontRef idx="minor">
-            <a:schemeClr val="lt1"/>
-          </a:fontRef>
-        </p:style>
-        <p:txBody>
-          <a:bodyPr rtlCol="0" anchor="ctr"/>
-          <a:lstStyle/>
-          <a:p>
-            <a:pPr algn="ctr"/>
-            <a:endParaRPr lang="en-SG"/>
-          </a:p>
-        </p:txBody>
-      </p:sp>
-      <p:sp>
-        <p:nvSpPr>
-          <p:cNvPr id="8" name="Rectangle 7"/>
-          <p:cNvSpPr/>
-          <p:nvPr/>
-        </p:nvSpPr>
-        <p:spPr>
-          <a:xfrm>
-            <a:off x="6414710" y="3429000"/>
-            <a:ext cx="3633530" cy="1143000"/>
-          </a:xfrm>
-          <a:prstGeom prst="rect">
-            <a:avLst/>
-          </a:prstGeom>
-          <a:solidFill>
-            <a:srgbClr val="2B251A"/>
-          </a:solidFill>
-          <a:ln>
-            <a:noFill/>
-          </a:ln>
-        </p:spPr>
-        <p:style>
-          <a:lnRef idx="2">
-            <a:schemeClr val="accent1">
-              <a:shade val="50000"/>
-            </a:schemeClr>
-          </a:lnRef>
-          <a:fillRef idx="1">
-            <a:schemeClr val="accent1"/>
-          </a:fillRef>
-          <a:effectRef idx="0">
-            <a:schemeClr val="accent1"/>
-          </a:effectRef>
-          <a:fontRef idx="minor">
-            <a:schemeClr val="lt1"/>
-          </a:fontRef>
-        </p:style>
-        <p:txBody>
-          <a:bodyPr rtlCol="0" anchor="ctr"/>
-          <a:lstStyle/>
-          <a:p>
-            <a:pPr algn="ctr"/>
-            <a:endParaRPr lang="en-SG"/>
-          </a:p>
-        </p:txBody>
-      </p:sp>
-      <p:sp>
-        <p:nvSpPr>
-          <p:cNvPr id="9" name="Rectangle 8"/>
-          <p:cNvSpPr/>
-          <p:nvPr/>
-        </p:nvSpPr>
-        <p:spPr>
-          <a:xfrm>
-            <a:off x="6414710" y="1143000"/>
-            <a:ext cx="3633530" cy="1143000"/>
-          </a:xfrm>
-          <a:prstGeom prst="rect">
-            <a:avLst/>
-          </a:prstGeom>
-          <a:solidFill>
-            <a:srgbClr val="746A6D"/>
-          </a:solidFill>
-          <a:ln>
-            <a:noFill/>
-          </a:ln>
-        </p:spPr>
-        <p:style>
-          <a:lnRef idx="2">
-            <a:schemeClr val="accent1">
-              <a:shade val="50000"/>
-            </a:schemeClr>
-          </a:lnRef>
-          <a:fillRef idx="1">
-            <a:schemeClr val="accent1"/>
-          </a:fillRef>
-          <a:effectRef idx="0">
-            <a:schemeClr val="accent1"/>
-          </a:effectRef>
-          <a:fontRef idx="minor">
-            <a:schemeClr val="lt1"/>
-          </a:fontRef>
-        </p:style>
-        <p:txBody>
-          <a:bodyPr rtlCol="0" anchor="ctr"/>
-          <a:lstStyle/>
-          <a:p>
-            <a:pPr algn="ctr"/>
+        </p:grpSpPr>
+        <p:sp>
+          <p:nvSpPr>
+            <p:cNvPr id="42" name="Rectangle 41"/>
+            <p:cNvSpPr/>
+            <p:nvPr/>
+          </p:nvSpPr>
+          <p:spPr>
+            <a:xfrm>
+              <a:off x="3036000" y="1691213"/>
+              <a:ext cx="6120000" cy="1080000"/>
+            </a:xfrm>
+            <a:prstGeom prst="rect">
+              <a:avLst/>
+            </a:prstGeom>
+            <a:solidFill>
+              <a:srgbClr val="5A4D3D"/>
+            </a:solidFill>
+            <a:ln>
+              <a:noFill/>
+            </a:ln>
+          </p:spPr>
+          <p:style>
+            <a:lnRef idx="2">
+              <a:schemeClr val="accent1">
+                <a:shade val="50000"/>
+              </a:schemeClr>
+            </a:lnRef>
+            <a:fillRef idx="1">
+              <a:schemeClr val="accent1"/>
+            </a:fillRef>
+            <a:effectRef idx="0">
+              <a:schemeClr val="accent1"/>
+            </a:effectRef>
+            <a:fontRef idx="minor">
+              <a:schemeClr val="lt1"/>
+            </a:fontRef>
+          </p:style>
+          <p:txBody>
+            <a:bodyPr rtlCol="0" anchor="ctr"/>
+            <a:lstStyle/>
+            <a:p>
+              <a:pPr algn="ctr"/>
+              <a:endParaRPr lang="en-SG"/>
+            </a:p>
+          </p:txBody>
+        </p:sp>
+        <p:sp>
+          <p:nvSpPr>
+            <p:cNvPr id="43" name="Rectangle 42"/>
+            <p:cNvSpPr/>
+            <p:nvPr/>
+          </p:nvSpPr>
+          <p:spPr>
+            <a:xfrm>
+              <a:off x="7115628" y="299915"/>
+              <a:ext cx="900000" cy="2160000"/>
+            </a:xfrm>
+            <a:prstGeom prst="rect">
+              <a:avLst/>
+            </a:prstGeom>
+            <a:solidFill>
+              <a:srgbClr val="2E261F"/>
+            </a:solidFill>
+            <a:ln>
+              <a:noFill/>
+            </a:ln>
+          </p:spPr>
+          <p:style>
+            <a:lnRef idx="2">
+              <a:schemeClr val="accent1">
+                <a:shade val="50000"/>
+              </a:schemeClr>
+            </a:lnRef>
+            <a:fillRef idx="1">
+              <a:schemeClr val="accent1"/>
+            </a:fillRef>
+            <a:effectRef idx="0">
+              <a:schemeClr val="accent1"/>
+            </a:effectRef>
+            <a:fontRef idx="minor">
+              <a:schemeClr val="lt1"/>
+            </a:fontRef>
+          </p:style>
+          <p:txBody>
+            <a:bodyPr rtlCol="0" anchor="ctr"/>
+            <a:lstStyle/>
+            <a:p>
+              <a:pPr algn="ctr"/>
+              <a:endParaRPr lang="en-SG"/>
+            </a:p>
+          </p:txBody>
+        </p:sp>
+        <p:sp>
+          <p:nvSpPr>
+            <p:cNvPr id="44" name="Rectangle 43"/>
+            <p:cNvSpPr/>
+            <p:nvPr/>
+          </p:nvSpPr>
+          <p:spPr>
+            <a:xfrm>
+              <a:off x="8015628" y="839915"/>
+              <a:ext cx="900000" cy="1080000"/>
+            </a:xfrm>
+            <a:prstGeom prst="rect">
+              <a:avLst/>
+            </a:prstGeom>
+            <a:solidFill>
+              <a:srgbClr val="6C6366"/>
+            </a:solidFill>
+            <a:ln>
+              <a:noFill/>
+            </a:ln>
+          </p:spPr>
+          <p:style>
+            <a:lnRef idx="2">
+              <a:schemeClr val="accent1">
+                <a:shade val="50000"/>
+              </a:schemeClr>
+            </a:lnRef>
+            <a:fillRef idx="1">
+              <a:schemeClr val="accent1"/>
+            </a:fillRef>
+            <a:effectRef idx="0">
+              <a:schemeClr val="accent1"/>
+            </a:effectRef>
+            <a:fontRef idx="minor">
+              <a:schemeClr val="lt1"/>
+            </a:fontRef>
+          </p:style>
+          <p:txBody>
+            <a:bodyPr rtlCol="0" anchor="ctr"/>
+            <a:lstStyle/>
+            <a:p>
+              <a:pPr algn="ctr"/>
+              <a:endParaRPr lang="en-SG"/>
+            </a:p>
+          </p:txBody>
+        </p:sp>
+        <p:sp>
+          <p:nvSpPr>
+            <p:cNvPr id="45" name="Rectangle 44"/>
+            <p:cNvSpPr/>
+            <p:nvPr/>
+          </p:nvSpPr>
+          <p:spPr>
+            <a:xfrm>
+              <a:off x="7691628" y="1335315"/>
+              <a:ext cx="648000" cy="864000"/>
+            </a:xfrm>
+            <a:prstGeom prst="rect">
+              <a:avLst/>
+            </a:prstGeom>
+            <a:solidFill>
+              <a:srgbClr val="D4DFF1"/>
+            </a:solidFill>
+            <a:ln>
+              <a:noFill/>
+            </a:ln>
+          </p:spPr>
+          <p:style>
+            <a:lnRef idx="2">
+              <a:schemeClr val="accent1">
+                <a:shade val="50000"/>
+              </a:schemeClr>
+            </a:lnRef>
+            <a:fillRef idx="1">
+              <a:schemeClr val="accent1"/>
+            </a:fillRef>
+            <a:effectRef idx="0">
+              <a:schemeClr val="accent1"/>
+            </a:effectRef>
+            <a:fontRef idx="minor">
+              <a:schemeClr val="lt1"/>
+            </a:fontRef>
+          </p:style>
+          <p:txBody>
+            <a:bodyPr rtlCol="0" anchor="ctr"/>
+            <a:lstStyle/>
+            <a:p>
+              <a:pPr algn="ctr"/>
+              <a:endParaRPr lang="en-SG"/>
+            </a:p>
+          </p:txBody>
+        </p:sp>
+        <p:sp>
+          <p:nvSpPr>
+            <p:cNvPr id="46" name="Rectangle 45"/>
+            <p:cNvSpPr/>
+            <p:nvPr/>
+          </p:nvSpPr>
+          <p:spPr>
+            <a:xfrm>
+              <a:off x="6096000" y="693675"/>
+              <a:ext cx="1260000" cy="1620000"/>
+            </a:xfrm>
+            <a:prstGeom prst="rect">
+              <a:avLst/>
+            </a:prstGeom>
+            <a:solidFill>
+              <a:srgbClr val="D4DFF1"/>
+            </a:solidFill>
+            <a:ln>
+              <a:noFill/>
+            </a:ln>
+          </p:spPr>
+          <p:style>
+            <a:lnRef idx="2">
+              <a:schemeClr val="accent1">
+                <a:shade val="50000"/>
+              </a:schemeClr>
+            </a:lnRef>
+            <a:fillRef idx="1">
+              <a:schemeClr val="accent1"/>
+            </a:fillRef>
+            <a:effectRef idx="0">
+              <a:schemeClr val="accent1"/>
+            </a:effectRef>
+            <a:fontRef idx="minor">
+              <a:schemeClr val="lt1"/>
+            </a:fontRef>
+          </p:style>
+          <p:txBody>
+            <a:bodyPr rtlCol="0" anchor="ctr"/>
+            <a:lstStyle/>
+            <a:p>
+              <a:pPr algn="ctr"/>
+              <a:endParaRPr lang="en-SG"/>
+            </a:p>
+          </p:txBody>
+        </p:sp>
+        <p:sp>
+          <p:nvSpPr>
+            <p:cNvPr id="47" name="Rectangle 46"/>
+            <p:cNvSpPr/>
+            <p:nvPr/>
+          </p:nvSpPr>
+          <p:spPr>
+            <a:xfrm>
+              <a:off x="5579256" y="919745"/>
+              <a:ext cx="720000" cy="1080000"/>
+            </a:xfrm>
+            <a:prstGeom prst="rect">
+              <a:avLst/>
+            </a:prstGeom>
+            <a:solidFill>
+              <a:srgbClr val="DCAB52"/>
+            </a:solidFill>
+            <a:ln>
+              <a:noFill/>
+            </a:ln>
+          </p:spPr>
+          <p:style>
+            <a:lnRef idx="2">
+              <a:schemeClr val="accent1">
+                <a:shade val="50000"/>
+              </a:schemeClr>
+            </a:lnRef>
+            <a:fillRef idx="1">
+              <a:schemeClr val="accent1"/>
+            </a:fillRef>
+            <a:effectRef idx="0">
+              <a:schemeClr val="accent1"/>
+            </a:effectRef>
+            <a:fontRef idx="minor">
+              <a:schemeClr val="lt1"/>
+            </a:fontRef>
+          </p:style>
+          <p:txBody>
+            <a:bodyPr rtlCol="0" anchor="ctr"/>
+            <a:lstStyle/>
+            <a:p>
+              <a:pPr algn="ctr"/>
+              <a:endParaRPr lang="en-SG"/>
+            </a:p>
+          </p:txBody>
+        </p:sp>
+      </p:grpSp>
+      <p:sp>
+        <p:nvSpPr>
+          <p:cNvPr id="2" name="Slide Number Placeholder 1"/>
+          <p:cNvSpPr>
+            <a:spLocks noGrp="1"/>
+          </p:cNvSpPr>
+          <p:nvPr>
+            <p:ph type="sldNum" sz="quarter" idx="12"/>
+          </p:nvPr>
+        </p:nvSpPr>
+        <p:spPr/>
+        <p:txBody>
+          <a:bodyPr/>
+          <a:lstStyle/>
+          <a:p>
+            <a:fld id="{6A34CF32-D65E-4FFE-97AB-911DF53E1B39}" type="slidenum">
+              <a:rPr lang="en-SG" smtClean="0"/>
+              <a:t>4</a:t>
+            </a:fld>
             <a:endParaRPr lang="en-SG"/>
           </a:p>
         </p:txBody>
@@ -5003,7 +11632,7 @@
     </p:spTree>
     <p:extLst>
       <p:ext uri="{BB962C8B-B14F-4D97-AF65-F5344CB8AC3E}">
-        <p14:creationId xmlns:p14="http://schemas.microsoft.com/office/powerpoint/2010/main" val="2185405324"/>
+        <p14:creationId xmlns:p14="http://schemas.microsoft.com/office/powerpoint/2010/main" val="3006145422"/>
       </p:ext>
     </p:extLst>
   </p:cSld>
@@ -5039,13 +11668,137 @@
       </p:grpSpPr>
       <p:sp>
         <p:nvSpPr>
+          <p:cNvPr id="2" name="TextBox 1"/>
+          <p:cNvSpPr txBox="1"/>
+          <p:nvPr/>
+        </p:nvSpPr>
+        <p:spPr>
+          <a:xfrm>
+            <a:off x="1686560" y="3007360"/>
+            <a:ext cx="5659120" cy="1477328"/>
+          </a:xfrm>
+          <a:prstGeom prst="rect">
+            <a:avLst/>
+          </a:prstGeom>
+          <a:noFill/>
+        </p:spPr>
+        <p:txBody>
+          <a:bodyPr wrap="square" rtlCol="0">
+            <a:spAutoFit/>
+          </a:bodyPr>
+          <a:lstStyle/>
+          <a:p>
+            <a:r>
+              <a:rPr lang="en-SG" smtClean="0">
+                <a:solidFill>
+                  <a:srgbClr val="2E261F"/>
+                </a:solidFill>
+              </a:rPr>
+              <a:t>Light blue 212 223 #D4DFF1</a:t>
+            </a:r>
+          </a:p>
+          <a:p>
+            <a:r>
+              <a:rPr lang="en-SG" smtClean="0">
+                <a:solidFill>
+                  <a:srgbClr val="2E261F"/>
+                </a:solidFill>
+              </a:rPr>
+              <a:t>Gray 116, 106, 109 #746A6D</a:t>
+            </a:r>
+          </a:p>
+          <a:p>
+            <a:r>
+              <a:rPr lang="en-SG" smtClean="0">
+                <a:solidFill>
+                  <a:srgbClr val="2E261F"/>
+                </a:solidFill>
+              </a:rPr>
+              <a:t>Dark brown 46 38 31 #2E261F</a:t>
+            </a:r>
+          </a:p>
+          <a:p>
+            <a:r>
+              <a:rPr lang="en-SG" smtClean="0">
+                <a:solidFill>
+                  <a:srgbClr val="2E261F"/>
+                </a:solidFill>
+              </a:rPr>
+              <a:t>Orange 220, 171, 82 #DCAB52</a:t>
+            </a:r>
+          </a:p>
+          <a:p>
+            <a:r>
+              <a:rPr lang="en-SG" smtClean="0">
+                <a:solidFill>
+                  <a:srgbClr val="2E261F"/>
+                </a:solidFill>
+              </a:rPr>
+              <a:t> </a:t>
+            </a:r>
+            <a:endParaRPr lang="en-SG">
+              <a:solidFill>
+                <a:srgbClr val="2E261F"/>
+              </a:solidFill>
+            </a:endParaRPr>
+          </a:p>
+        </p:txBody>
+      </p:sp>
+      <p:sp>
+        <p:nvSpPr>
+          <p:cNvPr id="3" name="Rectangle 2"/>
+          <p:cNvSpPr/>
+          <p:nvPr/>
+        </p:nvSpPr>
+        <p:spPr>
+          <a:xfrm>
+            <a:off x="7745388" y="967415"/>
+            <a:ext cx="3745572" cy="4923169"/>
+          </a:xfrm>
+          <a:prstGeom prst="rect">
+            <a:avLst/>
+          </a:prstGeom>
+          <a:solidFill>
+            <a:srgbClr val="DCAB52"/>
+          </a:solidFill>
+          <a:ln>
+            <a:noFill/>
+          </a:ln>
+        </p:spPr>
+        <p:style>
+          <a:lnRef idx="2">
+            <a:schemeClr val="accent1">
+              <a:shade val="50000"/>
+            </a:schemeClr>
+          </a:lnRef>
+          <a:fillRef idx="1">
+            <a:schemeClr val="accent1"/>
+          </a:fillRef>
+          <a:effectRef idx="0">
+            <a:schemeClr val="accent1"/>
+          </a:effectRef>
+          <a:fontRef idx="minor">
+            <a:schemeClr val="lt1"/>
+          </a:fontRef>
+        </p:style>
+        <p:txBody>
+          <a:bodyPr rtlCol="0" anchor="ctr"/>
+          <a:lstStyle/>
+          <a:p>
+            <a:pPr algn="ctr"/>
+            <a:endParaRPr lang="en-SG"/>
+          </a:p>
+        </p:txBody>
+      </p:sp>
+      <p:sp>
+        <p:nvSpPr>
           <p:cNvPr id="6" name="Rectangle 5"/>
           <p:cNvSpPr/>
           <p:nvPr/>
         </p:nvSpPr>
         <p:spPr>
           <a:xfrm>
-            <a:off x="8243510" y="1437640"/>
+            <a:off x="6414710" y="2286000"/>
             <a:ext cx="3633530" cy="1143000"/>
           </a:xfrm>
           <a:prstGeom prst="rect">
@@ -5085,13 +11838,59 @@
       </p:sp>
       <p:sp>
         <p:nvSpPr>
-          <p:cNvPr id="7" name="Rectangle 6"/>
+          <p:cNvPr id="8" name="Rectangle 7"/>
           <p:cNvSpPr/>
           <p:nvPr/>
         </p:nvSpPr>
         <p:spPr>
           <a:xfrm>
-            <a:off x="8243510" y="294640"/>
+            <a:off x="6414710" y="3429000"/>
+            <a:ext cx="3633530" cy="1143000"/>
+          </a:xfrm>
+          <a:prstGeom prst="rect">
+            <a:avLst/>
+          </a:prstGeom>
+          <a:solidFill>
+            <a:srgbClr val="2B251A"/>
+          </a:solidFill>
+          <a:ln>
+            <a:noFill/>
+          </a:ln>
+        </p:spPr>
+        <p:style>
+          <a:lnRef idx="2">
+            <a:schemeClr val="accent1">
+              <a:shade val="50000"/>
+            </a:schemeClr>
+          </a:lnRef>
+          <a:fillRef idx="1">
+            <a:schemeClr val="accent1"/>
+          </a:fillRef>
+          <a:effectRef idx="0">
+            <a:schemeClr val="accent1"/>
+          </a:effectRef>
+          <a:fontRef idx="minor">
+            <a:schemeClr val="lt1"/>
+          </a:fontRef>
+        </p:style>
+        <p:txBody>
+          <a:bodyPr rtlCol="0" anchor="ctr"/>
+          <a:lstStyle/>
+          <a:p>
+            <a:pPr algn="ctr"/>
+            <a:endParaRPr lang="en-SG"/>
+          </a:p>
+        </p:txBody>
+      </p:sp>
+      <p:sp>
+        <p:nvSpPr>
+          <p:cNvPr id="9" name="Rectangle 8"/>
+          <p:cNvSpPr/>
+          <p:nvPr/>
+        </p:nvSpPr>
+        <p:spPr>
+          <a:xfrm>
+            <a:off x="6414710" y="1143000"/>
             <a:ext cx="3633530" cy="1143000"/>
           </a:xfrm>
           <a:prstGeom prst="rect">
@@ -5131,397 +11930,31 @@
       </p:sp>
       <p:sp>
         <p:nvSpPr>
-          <p:cNvPr id="8" name="Rectangle 7"/>
-          <p:cNvSpPr/>
-          <p:nvPr/>
-        </p:nvSpPr>
-        <p:spPr>
-          <a:xfrm>
-            <a:off x="8243510" y="2580640"/>
-            <a:ext cx="3633530" cy="1143000"/>
-          </a:xfrm>
-          <a:prstGeom prst="rect">
-            <a:avLst/>
-          </a:prstGeom>
-          <a:solidFill>
-            <a:srgbClr val="2B251A"/>
-          </a:solidFill>
-          <a:ln>
-            <a:noFill/>
-          </a:ln>
-        </p:spPr>
-        <p:style>
-          <a:lnRef idx="2">
-            <a:schemeClr val="accent1">
-              <a:shade val="50000"/>
-            </a:schemeClr>
-          </a:lnRef>
-          <a:fillRef idx="1">
-            <a:schemeClr val="accent1"/>
-          </a:fillRef>
-          <a:effectRef idx="0">
-            <a:schemeClr val="accent1"/>
-          </a:effectRef>
-          <a:fontRef idx="minor">
-            <a:schemeClr val="lt1"/>
-          </a:fontRef>
-        </p:style>
-        <p:txBody>
-          <a:bodyPr rtlCol="0" anchor="ctr"/>
-          <a:lstStyle/>
-          <a:p>
-            <a:pPr algn="ctr"/>
-            <a:endParaRPr lang="en-SG"/>
-          </a:p>
-        </p:txBody>
-      </p:sp>
-      <p:sp>
-        <p:nvSpPr>
-          <p:cNvPr id="4" name="Oval 3"/>
-          <p:cNvSpPr/>
-          <p:nvPr/>
-        </p:nvSpPr>
-        <p:spPr>
-          <a:xfrm>
-            <a:off x="833120" y="3332480"/>
-            <a:ext cx="1076960" cy="1076960"/>
-          </a:xfrm>
-          <a:prstGeom prst="ellipse">
-            <a:avLst/>
-          </a:prstGeom>
-          <a:solidFill>
-            <a:srgbClr val="746A6D"/>
-          </a:solidFill>
-          <a:ln>
-            <a:noFill/>
-          </a:ln>
-        </p:spPr>
-        <p:style>
-          <a:lnRef idx="2">
-            <a:schemeClr val="accent1">
-              <a:shade val="50000"/>
-            </a:schemeClr>
-          </a:lnRef>
-          <a:fillRef idx="1">
-            <a:schemeClr val="accent1"/>
-          </a:fillRef>
-          <a:effectRef idx="0">
-            <a:schemeClr val="accent1"/>
-          </a:effectRef>
-          <a:fontRef idx="minor">
-            <a:schemeClr val="lt1"/>
-          </a:fontRef>
-        </p:style>
-        <p:txBody>
-          <a:bodyPr rtlCol="0" anchor="ctr"/>
-          <a:lstStyle/>
-          <a:p>
-            <a:pPr algn="ctr"/>
-            <a:r>
-              <a:rPr lang="en-SG" smtClean="0">
-                <a:solidFill>
-                  <a:srgbClr val="2E261F"/>
-                </a:solidFill>
-              </a:rPr>
-              <a:t>Step 1</a:t>
-            </a:r>
-            <a:endParaRPr lang="en-SG">
-              <a:solidFill>
-                <a:srgbClr val="2E261F"/>
-              </a:solidFill>
-            </a:endParaRPr>
-          </a:p>
-        </p:txBody>
-      </p:sp>
-      <p:sp>
-        <p:nvSpPr>
-          <p:cNvPr id="3" name="Rectangle 2"/>
-          <p:cNvSpPr/>
-          <p:nvPr/>
-        </p:nvSpPr>
-        <p:spPr>
-          <a:xfrm>
-            <a:off x="9432089" y="594360"/>
-            <a:ext cx="1256372" cy="2575560"/>
-          </a:xfrm>
-          <a:prstGeom prst="rect">
-            <a:avLst/>
-          </a:prstGeom>
-          <a:solidFill>
-            <a:srgbClr val="DCAB52"/>
-          </a:solidFill>
-          <a:ln>
-            <a:noFill/>
-          </a:ln>
-        </p:spPr>
-        <p:style>
-          <a:lnRef idx="2">
-            <a:schemeClr val="accent1">
-              <a:shade val="50000"/>
-            </a:schemeClr>
-          </a:lnRef>
-          <a:fillRef idx="1">
-            <a:schemeClr val="accent1"/>
-          </a:fillRef>
-          <a:effectRef idx="0">
-            <a:schemeClr val="accent1"/>
-          </a:effectRef>
-          <a:fontRef idx="minor">
-            <a:schemeClr val="lt1"/>
-          </a:fontRef>
-        </p:style>
-        <p:txBody>
-          <a:bodyPr rtlCol="0" anchor="ctr"/>
-          <a:lstStyle/>
-          <a:p>
-            <a:pPr algn="ctr"/>
-            <a:endParaRPr lang="en-SG"/>
-          </a:p>
-        </p:txBody>
-      </p:sp>
-      <p:sp>
-        <p:nvSpPr>
-          <p:cNvPr id="5" name="Isosceles Triangle 4"/>
-          <p:cNvSpPr/>
-          <p:nvPr/>
-        </p:nvSpPr>
-        <p:spPr>
-          <a:xfrm rot="5400000">
-            <a:off x="2029460" y="3761740"/>
-            <a:ext cx="294640" cy="218440"/>
-          </a:xfrm>
-          <a:prstGeom prst="triangle">
-            <a:avLst>
-              <a:gd name="adj" fmla="val 46552"/>
-            </a:avLst>
-          </a:prstGeom>
-          <a:solidFill>
-            <a:srgbClr val="5A4D3D"/>
-          </a:solidFill>
-        </p:spPr>
-        <p:style>
-          <a:lnRef idx="2">
-            <a:schemeClr val="accent1">
-              <a:shade val="50000"/>
-            </a:schemeClr>
-          </a:lnRef>
-          <a:fillRef idx="1">
-            <a:schemeClr val="accent1"/>
-          </a:fillRef>
-          <a:effectRef idx="0">
-            <a:schemeClr val="accent1"/>
-          </a:effectRef>
-          <a:fontRef idx="minor">
-            <a:schemeClr val="lt1"/>
-          </a:fontRef>
-        </p:style>
-        <p:txBody>
-          <a:bodyPr rtlCol="0" anchor="ctr"/>
-          <a:lstStyle/>
-          <a:p>
-            <a:pPr algn="ctr"/>
-            <a:endParaRPr lang="en-SG"/>
-          </a:p>
-        </p:txBody>
-      </p:sp>
-      <p:sp>
-        <p:nvSpPr>
-          <p:cNvPr id="9" name="Oval 8"/>
-          <p:cNvSpPr/>
-          <p:nvPr/>
-        </p:nvSpPr>
-        <p:spPr>
-          <a:xfrm>
-            <a:off x="2499360" y="3332480"/>
-            <a:ext cx="1076960" cy="1076960"/>
-          </a:xfrm>
-          <a:prstGeom prst="ellipse">
-            <a:avLst/>
-          </a:prstGeom>
-          <a:solidFill>
-            <a:srgbClr val="746A6D"/>
-          </a:solidFill>
-          <a:ln>
-            <a:noFill/>
-          </a:ln>
-        </p:spPr>
-        <p:style>
-          <a:lnRef idx="2">
-            <a:schemeClr val="accent1">
-              <a:shade val="50000"/>
-            </a:schemeClr>
-          </a:lnRef>
-          <a:fillRef idx="1">
-            <a:schemeClr val="accent1"/>
-          </a:fillRef>
-          <a:effectRef idx="0">
-            <a:schemeClr val="accent1"/>
-          </a:effectRef>
-          <a:fontRef idx="minor">
-            <a:schemeClr val="lt1"/>
-          </a:fontRef>
-        </p:style>
-        <p:txBody>
-          <a:bodyPr rtlCol="0" anchor="ctr"/>
-          <a:lstStyle/>
-          <a:p>
-            <a:pPr algn="ctr"/>
-            <a:r>
-              <a:rPr lang="en-SG" smtClean="0">
-                <a:solidFill>
-                  <a:srgbClr val="2E261F"/>
-                </a:solidFill>
-              </a:rPr>
-              <a:t>Step 2</a:t>
-            </a:r>
-            <a:endParaRPr lang="en-SG">
-              <a:solidFill>
-                <a:srgbClr val="2E261F"/>
-              </a:solidFill>
-            </a:endParaRPr>
-          </a:p>
-        </p:txBody>
-      </p:sp>
-      <p:sp>
-        <p:nvSpPr>
-          <p:cNvPr id="10" name="Rectangle 9"/>
-          <p:cNvSpPr/>
-          <p:nvPr/>
-        </p:nvSpPr>
-        <p:spPr>
-          <a:xfrm>
-            <a:off x="5063288" y="2730500"/>
-            <a:ext cx="1754071" cy="2575560"/>
-          </a:xfrm>
-          <a:prstGeom prst="rect">
-            <a:avLst/>
-          </a:prstGeom>
-          <a:solidFill>
-            <a:srgbClr val="DCAB52"/>
-          </a:solidFill>
-          <a:ln>
-            <a:noFill/>
-          </a:ln>
-        </p:spPr>
-        <p:style>
-          <a:lnRef idx="2">
-            <a:schemeClr val="accent1">
-              <a:shade val="50000"/>
-            </a:schemeClr>
-          </a:lnRef>
-          <a:fillRef idx="1">
-            <a:schemeClr val="accent1"/>
-          </a:fillRef>
-          <a:effectRef idx="0">
-            <a:schemeClr val="accent1"/>
-          </a:effectRef>
-          <a:fontRef idx="minor">
-            <a:schemeClr val="lt1"/>
-          </a:fontRef>
-        </p:style>
-        <p:txBody>
-          <a:bodyPr rtlCol="0" anchor="ctr"/>
-          <a:lstStyle/>
-          <a:p>
-            <a:pPr algn="ctr"/>
-            <a:r>
-              <a:rPr lang="en-SG" smtClean="0">
-                <a:solidFill>
-                  <a:srgbClr val="2E261F"/>
-                </a:solidFill>
-              </a:rPr>
-              <a:t>An important piece of information</a:t>
-            </a:r>
-            <a:endParaRPr lang="en-SG">
-              <a:solidFill>
-                <a:srgbClr val="2E261F"/>
-              </a:solidFill>
-            </a:endParaRPr>
-          </a:p>
-        </p:txBody>
-      </p:sp>
-      <p:sp>
-        <p:nvSpPr>
-          <p:cNvPr id="11" name="TextBox 10"/>
-          <p:cNvSpPr txBox="1"/>
-          <p:nvPr/>
-        </p:nvSpPr>
-        <p:spPr>
-          <a:xfrm>
-            <a:off x="1028192" y="1103312"/>
-            <a:ext cx="5659120" cy="1477328"/>
-          </a:xfrm>
-          <a:prstGeom prst="rect">
-            <a:avLst/>
-          </a:prstGeom>
-          <a:noFill/>
-        </p:spPr>
-        <p:txBody>
-          <a:bodyPr wrap="square" rtlCol="0">
-            <a:spAutoFit/>
-          </a:bodyPr>
-          <a:lstStyle/>
-          <a:p>
-            <a:r>
-              <a:rPr lang="en-SG" smtClean="0">
-                <a:solidFill>
-                  <a:srgbClr val="2E261F"/>
-                </a:solidFill>
-              </a:rPr>
-              <a:t>Light blue 212 223 #D4DFF1</a:t>
-            </a:r>
-          </a:p>
-          <a:p>
-            <a:r>
-              <a:rPr lang="en-SG" smtClean="0">
-                <a:solidFill>
-                  <a:srgbClr val="2E261F"/>
-                </a:solidFill>
-              </a:rPr>
-              <a:t>Gray 116, 106, 109 #746A6D</a:t>
-            </a:r>
-          </a:p>
-          <a:p>
-            <a:r>
-              <a:rPr lang="en-SG" smtClean="0">
-                <a:solidFill>
-                  <a:srgbClr val="2E261F"/>
-                </a:solidFill>
-              </a:rPr>
-              <a:t>Dark brown 46 38 31 #2E261F</a:t>
-            </a:r>
-          </a:p>
-          <a:p>
-            <a:r>
-              <a:rPr lang="en-SG" smtClean="0">
-                <a:solidFill>
-                  <a:srgbClr val="2E261F"/>
-                </a:solidFill>
-              </a:rPr>
-              <a:t>Orange 220, 171, 82 #DCAB52</a:t>
-            </a:r>
-          </a:p>
-          <a:p>
-            <a:r>
-              <a:rPr lang="en-SG" smtClean="0">
-                <a:solidFill>
-                  <a:srgbClr val="2E261F"/>
-                </a:solidFill>
-              </a:rPr>
-              <a:t> </a:t>
-            </a:r>
-            <a:endParaRPr lang="en-SG">
-              <a:solidFill>
-                <a:srgbClr val="2E261F"/>
-              </a:solidFill>
-            </a:endParaRPr>
+          <p:cNvPr id="4" name="Slide Number Placeholder 3"/>
+          <p:cNvSpPr>
+            <a:spLocks noGrp="1"/>
+          </p:cNvSpPr>
+          <p:nvPr>
+            <p:ph type="sldNum" sz="quarter" idx="12"/>
+          </p:nvPr>
+        </p:nvSpPr>
+        <p:spPr/>
+        <p:txBody>
+          <a:bodyPr/>
+          <a:lstStyle/>
+          <a:p>
+            <a:fld id="{6A34CF32-D65E-4FFE-97AB-911DF53E1B39}" type="slidenum">
+              <a:rPr lang="en-SG" smtClean="0"/>
+              <a:t>5</a:t>
+            </a:fld>
+            <a:endParaRPr lang="en-SG"/>
           </a:p>
         </p:txBody>
       </p:sp>
     </p:spTree>
     <p:extLst>
       <p:ext uri="{BB962C8B-B14F-4D97-AF65-F5344CB8AC3E}">
-        <p14:creationId xmlns:p14="http://schemas.microsoft.com/office/powerpoint/2010/main" val="3850195113"/>
+        <p14:creationId xmlns:p14="http://schemas.microsoft.com/office/powerpoint/2010/main" val="2185405324"/>
       </p:ext>
     </p:extLst>
   </p:cSld>
@@ -5557,6 +11990,547 @@
       </p:grpSpPr>
       <p:sp>
         <p:nvSpPr>
+          <p:cNvPr id="6" name="Rectangle 5"/>
+          <p:cNvSpPr/>
+          <p:nvPr/>
+        </p:nvSpPr>
+        <p:spPr>
+          <a:xfrm>
+            <a:off x="8243510" y="1437640"/>
+            <a:ext cx="3633530" cy="1143000"/>
+          </a:xfrm>
+          <a:prstGeom prst="rect">
+            <a:avLst/>
+          </a:prstGeom>
+          <a:solidFill>
+            <a:srgbClr val="5A4D3D"/>
+          </a:solidFill>
+          <a:ln>
+            <a:noFill/>
+          </a:ln>
+        </p:spPr>
+        <p:style>
+          <a:lnRef idx="2">
+            <a:schemeClr val="accent1">
+              <a:shade val="50000"/>
+            </a:schemeClr>
+          </a:lnRef>
+          <a:fillRef idx="1">
+            <a:schemeClr val="accent1"/>
+          </a:fillRef>
+          <a:effectRef idx="0">
+            <a:schemeClr val="accent1"/>
+          </a:effectRef>
+          <a:fontRef idx="minor">
+            <a:schemeClr val="lt1"/>
+          </a:fontRef>
+        </p:style>
+        <p:txBody>
+          <a:bodyPr rtlCol="0" anchor="ctr"/>
+          <a:lstStyle/>
+          <a:p>
+            <a:pPr algn="ctr"/>
+            <a:endParaRPr lang="en-SG"/>
+          </a:p>
+        </p:txBody>
+      </p:sp>
+      <p:sp>
+        <p:nvSpPr>
+          <p:cNvPr id="7" name="Rectangle 6"/>
+          <p:cNvSpPr/>
+          <p:nvPr/>
+        </p:nvSpPr>
+        <p:spPr>
+          <a:xfrm>
+            <a:off x="8243510" y="294640"/>
+            <a:ext cx="3633530" cy="1143000"/>
+          </a:xfrm>
+          <a:prstGeom prst="rect">
+            <a:avLst/>
+          </a:prstGeom>
+          <a:solidFill>
+            <a:srgbClr val="746A6D"/>
+          </a:solidFill>
+          <a:ln>
+            <a:noFill/>
+          </a:ln>
+        </p:spPr>
+        <p:style>
+          <a:lnRef idx="2">
+            <a:schemeClr val="accent1">
+              <a:shade val="50000"/>
+            </a:schemeClr>
+          </a:lnRef>
+          <a:fillRef idx="1">
+            <a:schemeClr val="accent1"/>
+          </a:fillRef>
+          <a:effectRef idx="0">
+            <a:schemeClr val="accent1"/>
+          </a:effectRef>
+          <a:fontRef idx="minor">
+            <a:schemeClr val="lt1"/>
+          </a:fontRef>
+        </p:style>
+        <p:txBody>
+          <a:bodyPr rtlCol="0" anchor="ctr"/>
+          <a:lstStyle/>
+          <a:p>
+            <a:pPr algn="ctr"/>
+            <a:endParaRPr lang="en-SG"/>
+          </a:p>
+        </p:txBody>
+      </p:sp>
+      <p:sp>
+        <p:nvSpPr>
+          <p:cNvPr id="8" name="Rectangle 7"/>
+          <p:cNvSpPr/>
+          <p:nvPr/>
+        </p:nvSpPr>
+        <p:spPr>
+          <a:xfrm>
+            <a:off x="8243510" y="2580640"/>
+            <a:ext cx="3633530" cy="1143000"/>
+          </a:xfrm>
+          <a:prstGeom prst="rect">
+            <a:avLst/>
+          </a:prstGeom>
+          <a:solidFill>
+            <a:srgbClr val="2B251A"/>
+          </a:solidFill>
+          <a:ln>
+            <a:noFill/>
+          </a:ln>
+        </p:spPr>
+        <p:style>
+          <a:lnRef idx="2">
+            <a:schemeClr val="accent1">
+              <a:shade val="50000"/>
+            </a:schemeClr>
+          </a:lnRef>
+          <a:fillRef idx="1">
+            <a:schemeClr val="accent1"/>
+          </a:fillRef>
+          <a:effectRef idx="0">
+            <a:schemeClr val="accent1"/>
+          </a:effectRef>
+          <a:fontRef idx="minor">
+            <a:schemeClr val="lt1"/>
+          </a:fontRef>
+        </p:style>
+        <p:txBody>
+          <a:bodyPr rtlCol="0" anchor="ctr"/>
+          <a:lstStyle/>
+          <a:p>
+            <a:pPr algn="ctr"/>
+            <a:endParaRPr lang="en-SG"/>
+          </a:p>
+        </p:txBody>
+      </p:sp>
+      <p:sp>
+        <p:nvSpPr>
+          <p:cNvPr id="4" name="Oval 3"/>
+          <p:cNvSpPr/>
+          <p:nvPr/>
+        </p:nvSpPr>
+        <p:spPr>
+          <a:xfrm>
+            <a:off x="833120" y="3332480"/>
+            <a:ext cx="1076960" cy="1076960"/>
+          </a:xfrm>
+          <a:prstGeom prst="ellipse">
+            <a:avLst/>
+          </a:prstGeom>
+          <a:solidFill>
+            <a:srgbClr val="746A6D"/>
+          </a:solidFill>
+          <a:ln>
+            <a:noFill/>
+          </a:ln>
+        </p:spPr>
+        <p:style>
+          <a:lnRef idx="2">
+            <a:schemeClr val="accent1">
+              <a:shade val="50000"/>
+            </a:schemeClr>
+          </a:lnRef>
+          <a:fillRef idx="1">
+            <a:schemeClr val="accent1"/>
+          </a:fillRef>
+          <a:effectRef idx="0">
+            <a:schemeClr val="accent1"/>
+          </a:effectRef>
+          <a:fontRef idx="minor">
+            <a:schemeClr val="lt1"/>
+          </a:fontRef>
+        </p:style>
+        <p:txBody>
+          <a:bodyPr rtlCol="0" anchor="ctr"/>
+          <a:lstStyle/>
+          <a:p>
+            <a:pPr algn="ctr"/>
+            <a:r>
+              <a:rPr lang="en-SG" smtClean="0">
+                <a:solidFill>
+                  <a:srgbClr val="2E261F"/>
+                </a:solidFill>
+              </a:rPr>
+              <a:t>Step 1</a:t>
+            </a:r>
+            <a:endParaRPr lang="en-SG">
+              <a:solidFill>
+                <a:srgbClr val="2E261F"/>
+              </a:solidFill>
+            </a:endParaRPr>
+          </a:p>
+        </p:txBody>
+      </p:sp>
+      <p:sp>
+        <p:nvSpPr>
+          <p:cNvPr id="3" name="Rectangle 2"/>
+          <p:cNvSpPr/>
+          <p:nvPr/>
+        </p:nvSpPr>
+        <p:spPr>
+          <a:xfrm>
+            <a:off x="9432089" y="594360"/>
+            <a:ext cx="1256372" cy="2575560"/>
+          </a:xfrm>
+          <a:prstGeom prst="rect">
+            <a:avLst/>
+          </a:prstGeom>
+          <a:solidFill>
+            <a:srgbClr val="DCAB52"/>
+          </a:solidFill>
+          <a:ln>
+            <a:noFill/>
+          </a:ln>
+        </p:spPr>
+        <p:style>
+          <a:lnRef idx="2">
+            <a:schemeClr val="accent1">
+              <a:shade val="50000"/>
+            </a:schemeClr>
+          </a:lnRef>
+          <a:fillRef idx="1">
+            <a:schemeClr val="accent1"/>
+          </a:fillRef>
+          <a:effectRef idx="0">
+            <a:schemeClr val="accent1"/>
+          </a:effectRef>
+          <a:fontRef idx="minor">
+            <a:schemeClr val="lt1"/>
+          </a:fontRef>
+        </p:style>
+        <p:txBody>
+          <a:bodyPr rtlCol="0" anchor="ctr"/>
+          <a:lstStyle/>
+          <a:p>
+            <a:pPr algn="ctr"/>
+            <a:endParaRPr lang="en-SG"/>
+          </a:p>
+        </p:txBody>
+      </p:sp>
+      <p:sp>
+        <p:nvSpPr>
+          <p:cNvPr id="5" name="Isosceles Triangle 4"/>
+          <p:cNvSpPr/>
+          <p:nvPr/>
+        </p:nvSpPr>
+        <p:spPr>
+          <a:xfrm rot="5400000">
+            <a:off x="2029460" y="3761740"/>
+            <a:ext cx="294640" cy="218440"/>
+          </a:xfrm>
+          <a:prstGeom prst="triangle">
+            <a:avLst>
+              <a:gd name="adj" fmla="val 46552"/>
+            </a:avLst>
+          </a:prstGeom>
+          <a:solidFill>
+            <a:srgbClr val="5A4D3D"/>
+          </a:solidFill>
+        </p:spPr>
+        <p:style>
+          <a:lnRef idx="2">
+            <a:schemeClr val="accent1">
+              <a:shade val="50000"/>
+            </a:schemeClr>
+          </a:lnRef>
+          <a:fillRef idx="1">
+            <a:schemeClr val="accent1"/>
+          </a:fillRef>
+          <a:effectRef idx="0">
+            <a:schemeClr val="accent1"/>
+          </a:effectRef>
+          <a:fontRef idx="minor">
+            <a:schemeClr val="lt1"/>
+          </a:fontRef>
+        </p:style>
+        <p:txBody>
+          <a:bodyPr rtlCol="0" anchor="ctr"/>
+          <a:lstStyle/>
+          <a:p>
+            <a:pPr algn="ctr"/>
+            <a:endParaRPr lang="en-SG"/>
+          </a:p>
+        </p:txBody>
+      </p:sp>
+      <p:sp>
+        <p:nvSpPr>
+          <p:cNvPr id="9" name="Oval 8"/>
+          <p:cNvSpPr/>
+          <p:nvPr/>
+        </p:nvSpPr>
+        <p:spPr>
+          <a:xfrm>
+            <a:off x="2499360" y="3332480"/>
+            <a:ext cx="1076960" cy="1076960"/>
+          </a:xfrm>
+          <a:prstGeom prst="ellipse">
+            <a:avLst/>
+          </a:prstGeom>
+          <a:solidFill>
+            <a:srgbClr val="746A6D"/>
+          </a:solidFill>
+          <a:ln>
+            <a:noFill/>
+          </a:ln>
+        </p:spPr>
+        <p:style>
+          <a:lnRef idx="2">
+            <a:schemeClr val="accent1">
+              <a:shade val="50000"/>
+            </a:schemeClr>
+          </a:lnRef>
+          <a:fillRef idx="1">
+            <a:schemeClr val="accent1"/>
+          </a:fillRef>
+          <a:effectRef idx="0">
+            <a:schemeClr val="accent1"/>
+          </a:effectRef>
+          <a:fontRef idx="minor">
+            <a:schemeClr val="lt1"/>
+          </a:fontRef>
+        </p:style>
+        <p:txBody>
+          <a:bodyPr rtlCol="0" anchor="ctr"/>
+          <a:lstStyle/>
+          <a:p>
+            <a:pPr algn="ctr"/>
+            <a:r>
+              <a:rPr lang="en-SG" smtClean="0">
+                <a:solidFill>
+                  <a:srgbClr val="2E261F"/>
+                </a:solidFill>
+              </a:rPr>
+              <a:t>Step 2</a:t>
+            </a:r>
+            <a:endParaRPr lang="en-SG">
+              <a:solidFill>
+                <a:srgbClr val="2E261F"/>
+              </a:solidFill>
+            </a:endParaRPr>
+          </a:p>
+        </p:txBody>
+      </p:sp>
+      <p:sp>
+        <p:nvSpPr>
+          <p:cNvPr id="10" name="Rectangle 9"/>
+          <p:cNvSpPr/>
+          <p:nvPr/>
+        </p:nvSpPr>
+        <p:spPr>
+          <a:xfrm>
+            <a:off x="5063288" y="2730500"/>
+            <a:ext cx="1754071" cy="2575560"/>
+          </a:xfrm>
+          <a:prstGeom prst="rect">
+            <a:avLst/>
+          </a:prstGeom>
+          <a:solidFill>
+            <a:srgbClr val="DCAB52"/>
+          </a:solidFill>
+          <a:ln>
+            <a:noFill/>
+          </a:ln>
+        </p:spPr>
+        <p:style>
+          <a:lnRef idx="2">
+            <a:schemeClr val="accent1">
+              <a:shade val="50000"/>
+            </a:schemeClr>
+          </a:lnRef>
+          <a:fillRef idx="1">
+            <a:schemeClr val="accent1"/>
+          </a:fillRef>
+          <a:effectRef idx="0">
+            <a:schemeClr val="accent1"/>
+          </a:effectRef>
+          <a:fontRef idx="minor">
+            <a:schemeClr val="lt1"/>
+          </a:fontRef>
+        </p:style>
+        <p:txBody>
+          <a:bodyPr rtlCol="0" anchor="ctr"/>
+          <a:lstStyle/>
+          <a:p>
+            <a:pPr algn="ctr"/>
+            <a:r>
+              <a:rPr lang="en-SG" smtClean="0">
+                <a:solidFill>
+                  <a:srgbClr val="2E261F"/>
+                </a:solidFill>
+              </a:rPr>
+              <a:t>An important piece of information</a:t>
+            </a:r>
+            <a:endParaRPr lang="en-SG">
+              <a:solidFill>
+                <a:srgbClr val="2E261F"/>
+              </a:solidFill>
+            </a:endParaRPr>
+          </a:p>
+        </p:txBody>
+      </p:sp>
+      <p:sp>
+        <p:nvSpPr>
+          <p:cNvPr id="11" name="TextBox 10"/>
+          <p:cNvSpPr txBox="1"/>
+          <p:nvPr/>
+        </p:nvSpPr>
+        <p:spPr>
+          <a:xfrm>
+            <a:off x="1028192" y="1103312"/>
+            <a:ext cx="5659120" cy="1477328"/>
+          </a:xfrm>
+          <a:prstGeom prst="rect">
+            <a:avLst/>
+          </a:prstGeom>
+          <a:noFill/>
+        </p:spPr>
+        <p:txBody>
+          <a:bodyPr wrap="square" rtlCol="0">
+            <a:spAutoFit/>
+          </a:bodyPr>
+          <a:lstStyle/>
+          <a:p>
+            <a:r>
+              <a:rPr lang="en-SG" smtClean="0">
+                <a:solidFill>
+                  <a:srgbClr val="2E261F"/>
+                </a:solidFill>
+              </a:rPr>
+              <a:t>Light blue 212 223 #D4DFF1</a:t>
+            </a:r>
+          </a:p>
+          <a:p>
+            <a:r>
+              <a:rPr lang="en-SG" smtClean="0">
+                <a:solidFill>
+                  <a:srgbClr val="2E261F"/>
+                </a:solidFill>
+              </a:rPr>
+              <a:t>Gray 116, 106, 109 #746A6D</a:t>
+            </a:r>
+          </a:p>
+          <a:p>
+            <a:r>
+              <a:rPr lang="en-SG" smtClean="0">
+                <a:solidFill>
+                  <a:srgbClr val="2E261F"/>
+                </a:solidFill>
+              </a:rPr>
+              <a:t>Dark brown 46 38 31 #2E261F</a:t>
+            </a:r>
+          </a:p>
+          <a:p>
+            <a:r>
+              <a:rPr lang="en-SG" smtClean="0">
+                <a:solidFill>
+                  <a:srgbClr val="2E261F"/>
+                </a:solidFill>
+              </a:rPr>
+              <a:t>Orange 220, 171, 82 #DCAB52</a:t>
+            </a:r>
+          </a:p>
+          <a:p>
+            <a:r>
+              <a:rPr lang="en-SG" smtClean="0">
+                <a:solidFill>
+                  <a:srgbClr val="2E261F"/>
+                </a:solidFill>
+              </a:rPr>
+              <a:t> </a:t>
+            </a:r>
+            <a:endParaRPr lang="en-SG">
+              <a:solidFill>
+                <a:srgbClr val="2E261F"/>
+              </a:solidFill>
+            </a:endParaRPr>
+          </a:p>
+        </p:txBody>
+      </p:sp>
+      <p:sp>
+        <p:nvSpPr>
+          <p:cNvPr id="2" name="Slide Number Placeholder 1"/>
+          <p:cNvSpPr>
+            <a:spLocks noGrp="1"/>
+          </p:cNvSpPr>
+          <p:nvPr>
+            <p:ph type="sldNum" sz="quarter" idx="12"/>
+          </p:nvPr>
+        </p:nvSpPr>
+        <p:spPr/>
+        <p:txBody>
+          <a:bodyPr/>
+          <a:lstStyle/>
+          <a:p>
+            <a:fld id="{6A34CF32-D65E-4FFE-97AB-911DF53E1B39}" type="slidenum">
+              <a:rPr lang="en-SG" smtClean="0"/>
+              <a:t>6</a:t>
+            </a:fld>
+            <a:endParaRPr lang="en-SG"/>
+          </a:p>
+        </p:txBody>
+      </p:sp>
+    </p:spTree>
+    <p:extLst>
+      <p:ext uri="{BB962C8B-B14F-4D97-AF65-F5344CB8AC3E}">
+        <p14:creationId xmlns:p14="http://schemas.microsoft.com/office/powerpoint/2010/main" val="3850195113"/>
+      </p:ext>
+    </p:extLst>
+  </p:cSld>
+  <p:clrMapOvr>
+    <a:masterClrMapping/>
+  </p:clrMapOvr>
+  <p:timing>
+    <p:tnLst>
+      <p:par>
+        <p:cTn id="1" dur="indefinite" restart="never" nodeType="tmRoot"/>
+      </p:par>
+    </p:tnLst>
+  </p:timing>
+</p:sld>
+</file>
+
+<file path=ppt/slides/slide7.xml><?xml version="1.0" encoding="utf-8"?>
+<p:sld xmlns:a="http://schemas.openxmlformats.org/drawingml/2006/main" xmlns:r="http://schemas.openxmlformats.org/officeDocument/2006/relationships" xmlns:p="http://schemas.openxmlformats.org/presentationml/2006/main">
+  <p:cSld>
+    <p:spTree>
+      <p:nvGrpSpPr>
+        <p:cNvPr id="1" name=""/>
+        <p:cNvGrpSpPr/>
+        <p:nvPr/>
+      </p:nvGrpSpPr>
+      <p:grpSpPr>
+        <a:xfrm>
+          <a:off x="0" y="0"/>
+          <a:ext cx="0" cy="0"/>
+          <a:chOff x="0" y="0"/>
+          <a:chExt cx="0" cy="0"/>
+        </a:xfrm>
+      </p:grpSpPr>
+      <p:sp>
+        <p:nvSpPr>
           <p:cNvPr id="2" name="Title 1"/>
           <p:cNvSpPr>
             <a:spLocks noGrp="1"/>
@@ -5636,11 +12610,7 @@
           <a:p>
             <a:r>
               <a:rPr lang="zh-CN" altLang="en-US"/>
-              <a:t>莫听穿林打</a:t>
-            </a:r>
-            <a:r>
-              <a:rPr lang="zh-CN" altLang="en-US"/>
-              <a:t>叶</a:t>
+              <a:t>莫听穿林打叶</a:t>
             </a:r>
             <a:r>
               <a:rPr lang="zh-CN" altLang="en-US" smtClean="0"/>
@@ -5655,11 +12625,7 @@
             </a:r>
             <a:r>
               <a:rPr lang="zh-CN" altLang="en-US"/>
-              <a:t>妨吟啸且</a:t>
-            </a:r>
-            <a:r>
-              <a:rPr lang="zh-CN" altLang="en-US"/>
-              <a:t>徐</a:t>
+              <a:t>妨吟啸且徐</a:t>
             </a:r>
             <a:r>
               <a:rPr lang="zh-CN" altLang="en-US" smtClean="0"/>
@@ -5674,11 +12640,7 @@
             </a:r>
             <a:r>
               <a:rPr lang="zh-CN" altLang="en-US"/>
-              <a:t>杖芒鞋轻</a:t>
-            </a:r>
-            <a:r>
-              <a:rPr lang="zh-CN" altLang="en-US"/>
-              <a:t>胜</a:t>
+              <a:t>杖芒鞋轻胜</a:t>
             </a:r>
             <a:r>
               <a:rPr lang="zh-CN" altLang="en-US" smtClean="0"/>
@@ -5700,11 +12662,7 @@
             </a:r>
             <a:r>
               <a:rPr lang="zh-CN" altLang="en-US"/>
-              <a:t>蓑烟雨任</a:t>
-            </a:r>
-            <a:r>
-              <a:rPr lang="zh-CN" altLang="en-US"/>
-              <a:t>平</a:t>
+              <a:t>蓑烟雨任平</a:t>
             </a:r>
             <a:r>
               <a:rPr lang="zh-CN" altLang="en-US" smtClean="0"/>
@@ -5715,11 +12673,7 @@
           <a:p>
             <a:r>
               <a:rPr lang="zh-CN" altLang="en-US"/>
-              <a:t>料峭春风吹</a:t>
-            </a:r>
-            <a:r>
-              <a:rPr lang="zh-CN" altLang="en-US"/>
-              <a:t>酒</a:t>
+              <a:t>料峭春风吹酒</a:t>
             </a:r>
             <a:r>
               <a:rPr lang="zh-CN" altLang="en-US" smtClean="0"/>
@@ -5741,11 +12695,7 @@
             </a:r>
             <a:r>
               <a:rPr lang="zh-CN" altLang="en-US"/>
-              <a:t>头斜照却</a:t>
-            </a:r>
-            <a:r>
-              <a:rPr lang="zh-CN" altLang="en-US"/>
-              <a:t>相</a:t>
+              <a:t>头斜照却相</a:t>
             </a:r>
             <a:r>
               <a:rPr lang="zh-CN" altLang="en-US" smtClean="0"/>
@@ -5760,11 +12710,7 @@
             </a:r>
             <a:r>
               <a:rPr lang="zh-CN" altLang="en-US"/>
-              <a:t>首向来萧</a:t>
-            </a:r>
-            <a:r>
-              <a:rPr lang="zh-CN" altLang="en-US"/>
-              <a:t>瑟</a:t>
+              <a:t>首向来萧瑟</a:t>
             </a:r>
             <a:r>
               <a:rPr lang="zh-CN" altLang="en-US" smtClean="0"/>
@@ -5786,17 +12732,36 @@
             </a:r>
             <a:r>
               <a:rPr lang="zh-CN" altLang="en-US"/>
-              <a:t>无风雨也</a:t>
-            </a:r>
-            <a:r>
-              <a:rPr lang="zh-CN" altLang="en-US"/>
-              <a:t>无</a:t>
+              <a:t>无风雨也无</a:t>
             </a:r>
             <a:r>
               <a:rPr lang="zh-CN" altLang="en-US" smtClean="0"/>
               <a:t>晴</a:t>
             </a:r>
             <a:endParaRPr lang="zh-CN" altLang="en-US"/>
+          </a:p>
+        </p:txBody>
+      </p:sp>
+      <p:sp>
+        <p:nvSpPr>
+          <p:cNvPr id="4" name="Slide Number Placeholder 3"/>
+          <p:cNvSpPr>
+            <a:spLocks noGrp="1"/>
+          </p:cNvSpPr>
+          <p:nvPr>
+            <p:ph type="sldNum" sz="quarter" idx="12"/>
+          </p:nvPr>
+        </p:nvSpPr>
+        <p:spPr/>
+        <p:txBody>
+          <a:bodyPr/>
+          <a:lstStyle/>
+          <a:p>
+            <a:fld id="{6A34CF32-D65E-4FFE-97AB-911DF53E1B39}" type="slidenum">
+              <a:rPr lang="en-SG" smtClean="0"/>
+              <a:t>7</a:t>
+            </a:fld>
+            <a:endParaRPr lang="en-SG"/>
           </a:p>
         </p:txBody>
       </p:sp>
@@ -5820,7 +12785,7 @@
 </p:sld>
 </file>
 
-<file path=ppt/slides/slide7.xml><?xml version="1.0" encoding="utf-8"?>
+<file path=ppt/slides/slide8.xml><?xml version="1.0" encoding="utf-8"?>
 <p:sld xmlns:a="http://schemas.openxmlformats.org/drawingml/2006/main" xmlns:r="http://schemas.openxmlformats.org/officeDocument/2006/relationships" xmlns:p="http://schemas.openxmlformats.org/presentationml/2006/main">
   <p:cSld>
     <p:bg>
@@ -6051,6 +13016,29 @@
           </a:p>
         </p:txBody>
       </p:sp>
+      <p:sp>
+        <p:nvSpPr>
+          <p:cNvPr id="6" name="Slide Number Placeholder 5"/>
+          <p:cNvSpPr>
+            <a:spLocks noGrp="1"/>
+          </p:cNvSpPr>
+          <p:nvPr>
+            <p:ph type="sldNum" sz="quarter" idx="12"/>
+          </p:nvPr>
+        </p:nvSpPr>
+        <p:spPr/>
+        <p:txBody>
+          <a:bodyPr/>
+          <a:lstStyle/>
+          <a:p>
+            <a:fld id="{6A34CF32-D65E-4FFE-97AB-911DF53E1B39}" type="slidenum">
+              <a:rPr lang="en-SG" smtClean="0"/>
+              <a:t>8</a:t>
+            </a:fld>
+            <a:endParaRPr lang="en-SG"/>
+          </a:p>
+        </p:txBody>
+      </p:sp>
     </p:spTree>
     <p:extLst>
       <p:ext uri="{BB962C8B-B14F-4D97-AF65-F5344CB8AC3E}">
@@ -6068,6 +13056,465 @@
       </p:par>
     </p:tnLst>
   </p:timing>
+</p:sld>
+</file>
+
+<file path=ppt/slides/slide9.xml><?xml version="1.0" encoding="utf-8"?>
+<p:sld xmlns:a="http://schemas.openxmlformats.org/drawingml/2006/main" xmlns:r="http://schemas.openxmlformats.org/officeDocument/2006/relationships" xmlns:p="http://schemas.openxmlformats.org/presentationml/2006/main">
+  <p:cSld>
+    <p:spTree>
+      <p:nvGrpSpPr>
+        <p:cNvPr id="1" name=""/>
+        <p:cNvGrpSpPr/>
+        <p:nvPr/>
+      </p:nvGrpSpPr>
+      <p:grpSpPr>
+        <a:xfrm>
+          <a:off x="0" y="0"/>
+          <a:ext cx="0" cy="0"/>
+          <a:chOff x="0" y="0"/>
+          <a:chExt cx="0" cy="0"/>
+        </a:xfrm>
+      </p:grpSpPr>
+      <p:sp>
+        <p:nvSpPr>
+          <p:cNvPr id="3" name="Rectangle 2"/>
+          <p:cNvSpPr/>
+          <p:nvPr/>
+        </p:nvSpPr>
+        <p:spPr>
+          <a:xfrm>
+            <a:off x="8243510" y="1437640"/>
+            <a:ext cx="3633530" cy="1143000"/>
+          </a:xfrm>
+          <a:prstGeom prst="rect">
+            <a:avLst/>
+          </a:prstGeom>
+          <a:solidFill>
+            <a:srgbClr val="5A4D3D"/>
+          </a:solidFill>
+          <a:ln>
+            <a:noFill/>
+          </a:ln>
+        </p:spPr>
+        <p:style>
+          <a:lnRef idx="2">
+            <a:schemeClr val="accent1">
+              <a:shade val="50000"/>
+            </a:schemeClr>
+          </a:lnRef>
+          <a:fillRef idx="1">
+            <a:schemeClr val="accent1"/>
+          </a:fillRef>
+          <a:effectRef idx="0">
+            <a:schemeClr val="accent1"/>
+          </a:effectRef>
+          <a:fontRef idx="minor">
+            <a:schemeClr val="lt1"/>
+          </a:fontRef>
+        </p:style>
+        <p:txBody>
+          <a:bodyPr rtlCol="0" anchor="ctr"/>
+          <a:lstStyle/>
+          <a:p>
+            <a:pPr algn="ctr"/>
+            <a:endParaRPr lang="en-SG"/>
+          </a:p>
+        </p:txBody>
+      </p:sp>
+      <p:sp>
+        <p:nvSpPr>
+          <p:cNvPr id="4" name="Rectangle 3"/>
+          <p:cNvSpPr/>
+          <p:nvPr/>
+        </p:nvSpPr>
+        <p:spPr>
+          <a:xfrm>
+            <a:off x="8243510" y="294640"/>
+            <a:ext cx="3633530" cy="1143000"/>
+          </a:xfrm>
+          <a:prstGeom prst="rect">
+            <a:avLst/>
+          </a:prstGeom>
+          <a:solidFill>
+            <a:srgbClr val="746A6D"/>
+          </a:solidFill>
+          <a:ln>
+            <a:noFill/>
+          </a:ln>
+        </p:spPr>
+        <p:style>
+          <a:lnRef idx="2">
+            <a:schemeClr val="accent1">
+              <a:shade val="50000"/>
+            </a:schemeClr>
+          </a:lnRef>
+          <a:fillRef idx="1">
+            <a:schemeClr val="accent1"/>
+          </a:fillRef>
+          <a:effectRef idx="0">
+            <a:schemeClr val="accent1"/>
+          </a:effectRef>
+          <a:fontRef idx="minor">
+            <a:schemeClr val="lt1"/>
+          </a:fontRef>
+        </p:style>
+        <p:txBody>
+          <a:bodyPr rtlCol="0" anchor="ctr"/>
+          <a:lstStyle/>
+          <a:p>
+            <a:pPr algn="ctr"/>
+            <a:endParaRPr lang="en-SG"/>
+          </a:p>
+        </p:txBody>
+      </p:sp>
+      <p:sp>
+        <p:nvSpPr>
+          <p:cNvPr id="5" name="Rectangle 4"/>
+          <p:cNvSpPr/>
+          <p:nvPr/>
+        </p:nvSpPr>
+        <p:spPr>
+          <a:xfrm>
+            <a:off x="8243510" y="2580640"/>
+            <a:ext cx="3633530" cy="1143000"/>
+          </a:xfrm>
+          <a:prstGeom prst="rect">
+            <a:avLst/>
+          </a:prstGeom>
+          <a:solidFill>
+            <a:srgbClr val="2B251A"/>
+          </a:solidFill>
+          <a:ln>
+            <a:noFill/>
+          </a:ln>
+        </p:spPr>
+        <p:style>
+          <a:lnRef idx="2">
+            <a:schemeClr val="accent1">
+              <a:shade val="50000"/>
+            </a:schemeClr>
+          </a:lnRef>
+          <a:fillRef idx="1">
+            <a:schemeClr val="accent1"/>
+          </a:fillRef>
+          <a:effectRef idx="0">
+            <a:schemeClr val="accent1"/>
+          </a:effectRef>
+          <a:fontRef idx="minor">
+            <a:schemeClr val="lt1"/>
+          </a:fontRef>
+        </p:style>
+        <p:txBody>
+          <a:bodyPr rtlCol="0" anchor="ctr"/>
+          <a:lstStyle/>
+          <a:p>
+            <a:pPr algn="ctr"/>
+            <a:endParaRPr lang="en-SG"/>
+          </a:p>
+        </p:txBody>
+      </p:sp>
+      <p:sp>
+        <p:nvSpPr>
+          <p:cNvPr id="6" name="Rectangle 5"/>
+          <p:cNvSpPr/>
+          <p:nvPr/>
+        </p:nvSpPr>
+        <p:spPr>
+          <a:xfrm>
+            <a:off x="9432089" y="594360"/>
+            <a:ext cx="1256372" cy="2575560"/>
+          </a:xfrm>
+          <a:prstGeom prst="rect">
+            <a:avLst/>
+          </a:prstGeom>
+          <a:solidFill>
+            <a:srgbClr val="DCAB52"/>
+          </a:solidFill>
+          <a:ln>
+            <a:noFill/>
+          </a:ln>
+        </p:spPr>
+        <p:style>
+          <a:lnRef idx="2">
+            <a:schemeClr val="accent1">
+              <a:shade val="50000"/>
+            </a:schemeClr>
+          </a:lnRef>
+          <a:fillRef idx="1">
+            <a:schemeClr val="accent1"/>
+          </a:fillRef>
+          <a:effectRef idx="0">
+            <a:schemeClr val="accent1"/>
+          </a:effectRef>
+          <a:fontRef idx="minor">
+            <a:schemeClr val="lt1"/>
+          </a:fontRef>
+        </p:style>
+        <p:txBody>
+          <a:bodyPr rtlCol="0" anchor="ctr"/>
+          <a:lstStyle/>
+          <a:p>
+            <a:pPr algn="ctr"/>
+            <a:endParaRPr lang="en-SG"/>
+          </a:p>
+        </p:txBody>
+      </p:sp>
+      <p:graphicFrame>
+        <p:nvGraphicFramePr>
+          <p:cNvPr id="10" name="Table 9"/>
+          <p:cNvGraphicFramePr>
+            <a:graphicFrameLocks noGrp="1"/>
+          </p:cNvGraphicFramePr>
+          <p:nvPr>
+            <p:extLst>
+              <p:ext uri="{D42A27DB-BD31-4B8C-83A1-F6EECF244321}">
+                <p14:modId xmlns:p14="http://schemas.microsoft.com/office/powerpoint/2010/main" val="2199097661"/>
+              </p:ext>
+            </p:extLst>
+          </p:nvPr>
+        </p:nvGraphicFramePr>
+        <p:xfrm>
+          <a:off x="2553208" y="585216"/>
+          <a:ext cx="3445256" cy="749808"/>
+        </p:xfrm>
+        <a:graphic>
+          <a:graphicData uri="http://schemas.openxmlformats.org/drawingml/2006/table">
+            <a:tbl>
+              <a:tblPr firstRow="1" bandRow="1">
+                <a:tableStyleId>{5C22544A-7EE6-4342-B048-85BDC9FD1C3A}</a:tableStyleId>
+              </a:tblPr>
+              <a:tblGrid>
+                <a:gridCol w="1722628"/>
+                <a:gridCol w="1722628"/>
+              </a:tblGrid>
+              <a:tr h="374904">
+                <a:tc gridSpan="2">
+                  <a:txBody>
+                    <a:bodyPr/>
+                    <a:lstStyle/>
+                    <a:p>
+                      <a:pPr algn="ctr"/>
+                      <a:r>
+                        <a:rPr lang="en-SG" smtClean="0">
+                          <a:solidFill>
+                            <a:srgbClr val="2B251A"/>
+                          </a:solidFill>
+                        </a:rPr>
+                        <a:t>section</a:t>
+                      </a:r>
+                      <a:endParaRPr lang="en-SG">
+                        <a:solidFill>
+                          <a:srgbClr val="2B251A"/>
+                        </a:solidFill>
+                      </a:endParaRPr>
+                    </a:p>
+                  </a:txBody>
+                  <a:tcPr>
+                    <a:solidFill>
+                      <a:srgbClr val="D69E34"/>
+                    </a:solidFill>
+                  </a:tcPr>
+                </a:tc>
+                <a:tc hMerge="1">
+                  <a:txBody>
+                    <a:bodyPr/>
+                    <a:lstStyle/>
+                    <a:p>
+                      <a:endParaRPr lang="en-SG"/>
+                    </a:p>
+                  </a:txBody>
+                  <a:tcPr/>
+                </a:tc>
+              </a:tr>
+              <a:tr h="374904">
+                <a:tc>
+                  <a:txBody>
+                    <a:bodyPr/>
+                    <a:lstStyle/>
+                    <a:p>
+                      <a:pPr algn="ctr"/>
+                      <a:r>
+                        <a:rPr lang="en-SG" smtClean="0"/>
+                        <a:t>model</a:t>
+                      </a:r>
+                      <a:endParaRPr lang="en-SG"/>
+                    </a:p>
+                  </a:txBody>
+                  <a:tcPr>
+                    <a:solidFill>
+                      <a:schemeClr val="bg1"/>
+                    </a:solidFill>
+                  </a:tcPr>
+                </a:tc>
+                <a:tc>
+                  <a:txBody>
+                    <a:bodyPr/>
+                    <a:lstStyle/>
+                    <a:p>
+                      <a:pPr algn="ctr"/>
+                      <a:r>
+                        <a:rPr lang="en-SG" smtClean="0"/>
+                        <a:t>config</a:t>
+                      </a:r>
+                      <a:endParaRPr lang="en-SG"/>
+                    </a:p>
+                  </a:txBody>
+                  <a:tcPr>
+                    <a:solidFill>
+                      <a:schemeClr val="bg1"/>
+                    </a:solidFill>
+                  </a:tcPr>
+                </a:tc>
+              </a:tr>
+            </a:tbl>
+          </a:graphicData>
+        </a:graphic>
+      </p:graphicFrame>
+      <p:graphicFrame>
+        <p:nvGraphicFramePr>
+          <p:cNvPr id="11" name="Table 10"/>
+          <p:cNvGraphicFramePr>
+            <a:graphicFrameLocks noGrp="1"/>
+          </p:cNvGraphicFramePr>
+          <p:nvPr>
+            <p:extLst>
+              <p:ext uri="{D42A27DB-BD31-4B8C-83A1-F6EECF244321}">
+                <p14:modId xmlns:p14="http://schemas.microsoft.com/office/powerpoint/2010/main" val="685730709"/>
+              </p:ext>
+            </p:extLst>
+          </p:nvPr>
+        </p:nvGraphicFramePr>
+        <p:xfrm>
+          <a:off x="605536" y="1882140"/>
+          <a:ext cx="3445256" cy="749808"/>
+        </p:xfrm>
+        <a:graphic>
+          <a:graphicData uri="http://schemas.openxmlformats.org/drawingml/2006/table">
+            <a:tbl>
+              <a:tblPr firstRow="1" bandRow="1">
+                <a:tableStyleId>{5C22544A-7EE6-4342-B048-85BDC9FD1C3A}</a:tableStyleId>
+              </a:tblPr>
+              <a:tblGrid>
+                <a:gridCol w="1722628"/>
+                <a:gridCol w="1722628"/>
+              </a:tblGrid>
+              <a:tr h="374904">
+                <a:tc gridSpan="2">
+                  <a:txBody>
+                    <a:bodyPr/>
+                    <a:lstStyle/>
+                    <a:p>
+                      <a:pPr algn="ctr"/>
+                      <a:r>
+                        <a:rPr lang="en-SG" smtClean="0">
+                          <a:solidFill>
+                            <a:srgbClr val="2B251A"/>
+                          </a:solidFill>
+                        </a:rPr>
+                        <a:t>subsection</a:t>
+                      </a:r>
+                      <a:endParaRPr lang="en-SG">
+                        <a:solidFill>
+                          <a:srgbClr val="2B251A"/>
+                        </a:solidFill>
+                      </a:endParaRPr>
+                    </a:p>
+                  </a:txBody>
+                  <a:tcPr>
+                    <a:solidFill>
+                      <a:srgbClr val="D69E34"/>
+                    </a:solidFill>
+                  </a:tcPr>
+                </a:tc>
+                <a:tc hMerge="1">
+                  <a:txBody>
+                    <a:bodyPr/>
+                    <a:lstStyle/>
+                    <a:p>
+                      <a:endParaRPr lang="en-SG"/>
+                    </a:p>
+                  </a:txBody>
+                  <a:tcPr/>
+                </a:tc>
+              </a:tr>
+              <a:tr h="374904">
+                <a:tc>
+                  <a:txBody>
+                    <a:bodyPr/>
+                    <a:lstStyle/>
+                    <a:p>
+                      <a:pPr algn="ctr"/>
+                      <a:r>
+                        <a:rPr lang="en-SG" smtClean="0"/>
+                        <a:t>ungrouped</a:t>
+                      </a:r>
+                      <a:endParaRPr lang="en-SG"/>
+                    </a:p>
+                  </a:txBody>
+                  <a:tcPr>
+                    <a:solidFill>
+                      <a:schemeClr val="bg1"/>
+                    </a:solidFill>
+                  </a:tcPr>
+                </a:tc>
+                <a:tc>
+                  <a:txBody>
+                    <a:bodyPr/>
+                    <a:lstStyle/>
+                    <a:p>
+                      <a:pPr algn="ctr"/>
+                      <a:r>
+                        <a:rPr lang="en-SG" smtClean="0"/>
+                        <a:t>grouped</a:t>
+                      </a:r>
+                      <a:endParaRPr lang="en-SG"/>
+                    </a:p>
+                  </a:txBody>
+                  <a:tcPr>
+                    <a:solidFill>
+                      <a:schemeClr val="bg1"/>
+                    </a:solidFill>
+                  </a:tcPr>
+                </a:tc>
+              </a:tr>
+            </a:tbl>
+          </a:graphicData>
+        </a:graphic>
+      </p:graphicFrame>
+      <p:sp>
+        <p:nvSpPr>
+          <p:cNvPr id="12" name="Slide Number Placeholder 11"/>
+          <p:cNvSpPr>
+            <a:spLocks noGrp="1"/>
+          </p:cNvSpPr>
+          <p:nvPr>
+            <p:ph type="sldNum" sz="quarter" idx="12"/>
+          </p:nvPr>
+        </p:nvSpPr>
+        <p:spPr/>
+        <p:txBody>
+          <a:bodyPr/>
+          <a:lstStyle/>
+          <a:p>
+            <a:fld id="{6A34CF32-D65E-4FFE-97AB-911DF53E1B39}" type="slidenum">
+              <a:rPr lang="en-SG" smtClean="0"/>
+              <a:t>9</a:t>
+            </a:fld>
+            <a:endParaRPr lang="en-SG"/>
+          </a:p>
+        </p:txBody>
+      </p:sp>
+    </p:spTree>
+    <p:extLst>
+      <p:ext uri="{BB962C8B-B14F-4D97-AF65-F5344CB8AC3E}">
+        <p14:creationId xmlns:p14="http://schemas.microsoft.com/office/powerpoint/2010/main" val="1793959280"/>
+      </p:ext>
+    </p:extLst>
+  </p:cSld>
+  <p:clrMapOvr>
+    <a:masterClrMapping/>
+  </p:clrMapOvr>
 </p:sld>
 </file>
 
@@ -6330,4 +13777,265 @@
     </a:ext>
   </a:extLst>
 </a:theme>
+</file>
+
+<file path=ppt/theme/theme2.xml><?xml version="1.0" encoding="utf-8"?>
+<a:theme xmlns:a="http://schemas.openxmlformats.org/drawingml/2006/main" name="Office Theme">
+  <a:themeElements>
+    <a:clrScheme name="Office">
+      <a:dk1>
+        <a:sysClr val="windowText" lastClr="000000"/>
+      </a:dk1>
+      <a:lt1>
+        <a:sysClr val="window" lastClr="FFFFFF"/>
+      </a:lt1>
+      <a:dk2>
+        <a:srgbClr val="44546A"/>
+      </a:dk2>
+      <a:lt2>
+        <a:srgbClr val="E7E6E6"/>
+      </a:lt2>
+      <a:accent1>
+        <a:srgbClr val="5B9BD5"/>
+      </a:accent1>
+      <a:accent2>
+        <a:srgbClr val="ED7D31"/>
+      </a:accent2>
+      <a:accent3>
+        <a:srgbClr val="A5A5A5"/>
+      </a:accent3>
+      <a:accent4>
+        <a:srgbClr val="FFC000"/>
+      </a:accent4>
+      <a:accent5>
+        <a:srgbClr val="4472C4"/>
+      </a:accent5>
+      <a:accent6>
+        <a:srgbClr val="70AD47"/>
+      </a:accent6>
+      <a:hlink>
+        <a:srgbClr val="0563C1"/>
+      </a:hlink>
+      <a:folHlink>
+        <a:srgbClr val="954F72"/>
+      </a:folHlink>
+    </a:clrScheme>
+    <a:fontScheme name="Office">
+      <a:majorFont>
+        <a:latin typeface="Calibri Light" panose="020F0302020204030204"/>
+        <a:ea typeface=""/>
+        <a:cs typeface=""/>
+        <a:font script="Jpan" typeface="ＭＳ Ｐゴシック"/>
+        <a:font script="Hang" typeface="맑은 고딕"/>
+        <a:font script="Hans" typeface="宋体"/>
+        <a:font script="Hant" typeface="新細明體"/>
+        <a:font script="Arab" typeface="Times New Roman"/>
+        <a:font script="Hebr" typeface="Times New Roman"/>
+        <a:font script="Thai" typeface="Angsana New"/>
+        <a:font script="Ethi" typeface="Nyala"/>
+        <a:font script="Beng" typeface="Vrinda"/>
+        <a:font script="Gujr" typeface="Shruti"/>
+        <a:font script="Khmr" typeface="MoolBoran"/>
+        <a:font script="Knda" typeface="Tunga"/>
+        <a:font script="Guru" typeface="Raavi"/>
+        <a:font script="Cans" typeface="Euphemia"/>
+        <a:font script="Cher" typeface="Plantagenet Cherokee"/>
+        <a:font script="Yiii" typeface="Microsoft Yi Baiti"/>
+        <a:font script="Tibt" typeface="Microsoft Himalaya"/>
+        <a:font script="Thaa" typeface="MV Boli"/>
+        <a:font script="Deva" typeface="Mangal"/>
+        <a:font script="Telu" typeface="Gautami"/>
+        <a:font script="Taml" typeface="Latha"/>
+        <a:font script="Syrc" typeface="Estrangelo Edessa"/>
+        <a:font script="Orya" typeface="Kalinga"/>
+        <a:font script="Mlym" typeface="Kartika"/>
+        <a:font script="Laoo" typeface="DokChampa"/>
+        <a:font script="Sinh" typeface="Iskoola Pota"/>
+        <a:font script="Mong" typeface="Mongolian Baiti"/>
+        <a:font script="Viet" typeface="Times New Roman"/>
+        <a:font script="Uigh" typeface="Microsoft Uighur"/>
+        <a:font script="Geor" typeface="Sylfaen"/>
+      </a:majorFont>
+      <a:minorFont>
+        <a:latin typeface="Calibri" panose="020F0502020204030204"/>
+        <a:ea typeface=""/>
+        <a:cs typeface=""/>
+        <a:font script="Jpan" typeface="ＭＳ Ｐゴシック"/>
+        <a:font script="Hang" typeface="맑은 고딕"/>
+        <a:font script="Hans" typeface="宋体"/>
+        <a:font script="Hant" typeface="新細明體"/>
+        <a:font script="Arab" typeface="Arial"/>
+        <a:font script="Hebr" typeface="Arial"/>
+        <a:font script="Thai" typeface="Cordia New"/>
+        <a:font script="Ethi" typeface="Nyala"/>
+        <a:font script="Beng" typeface="Vrinda"/>
+        <a:font script="Gujr" typeface="Shruti"/>
+        <a:font script="Khmr" typeface="DaunPenh"/>
+        <a:font script="Knda" typeface="Tunga"/>
+        <a:font script="Guru" typeface="Raavi"/>
+        <a:font script="Cans" typeface="Euphemia"/>
+        <a:font script="Cher" typeface="Plantagenet Cherokee"/>
+        <a:font script="Yiii" typeface="Microsoft Yi Baiti"/>
+        <a:font script="Tibt" typeface="Microsoft Himalaya"/>
+        <a:font script="Thaa" typeface="MV Boli"/>
+        <a:font script="Deva" typeface="Mangal"/>
+        <a:font script="Telu" typeface="Gautami"/>
+        <a:font script="Taml" typeface="Latha"/>
+        <a:font script="Syrc" typeface="Estrangelo Edessa"/>
+        <a:font script="Orya" typeface="Kalinga"/>
+        <a:font script="Mlym" typeface="Kartika"/>
+        <a:font script="Laoo" typeface="DokChampa"/>
+        <a:font script="Sinh" typeface="Iskoola Pota"/>
+        <a:font script="Mong" typeface="Mongolian Baiti"/>
+        <a:font script="Viet" typeface="Arial"/>
+        <a:font script="Uigh" typeface="Microsoft Uighur"/>
+        <a:font script="Geor" typeface="Sylfaen"/>
+      </a:minorFont>
+    </a:fontScheme>
+    <a:fmtScheme name="Office">
+      <a:fillStyleLst>
+        <a:solidFill>
+          <a:schemeClr val="phClr"/>
+        </a:solidFill>
+        <a:gradFill rotWithShape="1">
+          <a:gsLst>
+            <a:gs pos="0">
+              <a:schemeClr val="phClr">
+                <a:lumMod val="110000"/>
+                <a:satMod val="105000"/>
+                <a:tint val="67000"/>
+              </a:schemeClr>
+            </a:gs>
+            <a:gs pos="50000">
+              <a:schemeClr val="phClr">
+                <a:lumMod val="105000"/>
+                <a:satMod val="103000"/>
+                <a:tint val="73000"/>
+              </a:schemeClr>
+            </a:gs>
+            <a:gs pos="100000">
+              <a:schemeClr val="phClr">
+                <a:lumMod val="105000"/>
+                <a:satMod val="109000"/>
+                <a:tint val="81000"/>
+              </a:schemeClr>
+            </a:gs>
+          </a:gsLst>
+          <a:lin ang="5400000" scaled="0"/>
+        </a:gradFill>
+        <a:gradFill rotWithShape="1">
+          <a:gsLst>
+            <a:gs pos="0">
+              <a:schemeClr val="phClr">
+                <a:satMod val="103000"/>
+                <a:lumMod val="102000"/>
+                <a:tint val="94000"/>
+              </a:schemeClr>
+            </a:gs>
+            <a:gs pos="50000">
+              <a:schemeClr val="phClr">
+                <a:satMod val="110000"/>
+                <a:lumMod val="100000"/>
+                <a:shade val="100000"/>
+              </a:schemeClr>
+            </a:gs>
+            <a:gs pos="100000">
+              <a:schemeClr val="phClr">
+                <a:lumMod val="99000"/>
+                <a:satMod val="120000"/>
+                <a:shade val="78000"/>
+              </a:schemeClr>
+            </a:gs>
+          </a:gsLst>
+          <a:lin ang="5400000" scaled="0"/>
+        </a:gradFill>
+      </a:fillStyleLst>
+      <a:lnStyleLst>
+        <a:ln w="6350" cap="flat" cmpd="sng" algn="ctr">
+          <a:solidFill>
+            <a:schemeClr val="phClr"/>
+          </a:solidFill>
+          <a:prstDash val="solid"/>
+          <a:miter lim="800000"/>
+        </a:ln>
+        <a:ln w="12700" cap="flat" cmpd="sng" algn="ctr">
+          <a:solidFill>
+            <a:schemeClr val="phClr"/>
+          </a:solidFill>
+          <a:prstDash val="solid"/>
+          <a:miter lim="800000"/>
+        </a:ln>
+        <a:ln w="19050" cap="flat" cmpd="sng" algn="ctr">
+          <a:solidFill>
+            <a:schemeClr val="phClr"/>
+          </a:solidFill>
+          <a:prstDash val="solid"/>
+          <a:miter lim="800000"/>
+        </a:ln>
+      </a:lnStyleLst>
+      <a:effectStyleLst>
+        <a:effectStyle>
+          <a:effectLst/>
+        </a:effectStyle>
+        <a:effectStyle>
+          <a:effectLst/>
+        </a:effectStyle>
+        <a:effectStyle>
+          <a:effectLst>
+            <a:outerShdw blurRad="57150" dist="19050" dir="5400000" algn="ctr" rotWithShape="0">
+              <a:srgbClr val="000000">
+                <a:alpha val="63000"/>
+              </a:srgbClr>
+            </a:outerShdw>
+          </a:effectLst>
+        </a:effectStyle>
+      </a:effectStyleLst>
+      <a:bgFillStyleLst>
+        <a:solidFill>
+          <a:schemeClr val="phClr"/>
+        </a:solidFill>
+        <a:solidFill>
+          <a:schemeClr val="phClr">
+            <a:tint val="95000"/>
+            <a:satMod val="170000"/>
+          </a:schemeClr>
+        </a:solidFill>
+        <a:gradFill rotWithShape="1">
+          <a:gsLst>
+            <a:gs pos="0">
+              <a:schemeClr val="phClr">
+                <a:tint val="93000"/>
+                <a:satMod val="150000"/>
+                <a:shade val="98000"/>
+                <a:lumMod val="102000"/>
+              </a:schemeClr>
+            </a:gs>
+            <a:gs pos="50000">
+              <a:schemeClr val="phClr">
+                <a:tint val="98000"/>
+                <a:satMod val="130000"/>
+                <a:shade val="90000"/>
+                <a:lumMod val="103000"/>
+              </a:schemeClr>
+            </a:gs>
+            <a:gs pos="100000">
+              <a:schemeClr val="phClr">
+                <a:shade val="63000"/>
+                <a:satMod val="120000"/>
+              </a:schemeClr>
+            </a:gs>
+          </a:gsLst>
+          <a:lin ang="5400000" scaled="0"/>
+        </a:gradFill>
+      </a:bgFillStyleLst>
+    </a:fmtScheme>
+  </a:themeElements>
+  <a:objectDefaults/>
+  <a:extraClrSchemeLst/>
+  <a:extLst>
+    <a:ext uri="{05A4C25C-085E-4340-85A3-A5531E510DB2}">
+      <thm15:themeFamily xmlns:thm15="http://schemas.microsoft.com/office/thememl/2012/main" name="Office Theme" id="{62F939B6-93AF-4DB8-9C6B-D6C7DFDC589F}" vid="{4A3C46E8-61CC-4603-A589-7422A47A8E4A}"/>
+    </a:ext>
+  </a:extLst>
+</a:theme>
 </file>